--- a/tree shaking lecture 062024.pptx
+++ b/tree shaking lecture 062024.pptx
@@ -5,10 +5,10 @@
     <p:sldMasterId id="2147483648" r:id="rId1"/>
   </p:sldMasterIdLst>
   <p:notesMasterIdLst>
-    <p:notesMasterId r:id="rId21"/>
+    <p:notesMasterId r:id="rId20"/>
   </p:notesMasterIdLst>
   <p:handoutMasterIdLst>
-    <p:handoutMasterId r:id="rId22"/>
+    <p:handoutMasterId r:id="rId21"/>
   </p:handoutMasterIdLst>
   <p:sldIdLst>
     <p:sldId id="257" r:id="rId2"/>
@@ -26,10 +26,9 @@
     <p:sldId id="338" r:id="rId14"/>
     <p:sldId id="336" r:id="rId15"/>
     <p:sldId id="337" r:id="rId16"/>
-    <p:sldId id="339" r:id="rId17"/>
-    <p:sldId id="340" r:id="rId18"/>
-    <p:sldId id="341" r:id="rId19"/>
-    <p:sldId id="323" r:id="rId20"/>
+    <p:sldId id="340" r:id="rId17"/>
+    <p:sldId id="341" r:id="rId18"/>
+    <p:sldId id="323" r:id="rId19"/>
   </p:sldIdLst>
   <p:sldSz cx="12192000" cy="6858000"/>
   <p:notesSz cx="6858000" cy="9144000"/>
@@ -1279,7 +1278,7 @@
     </p:spTree>
     <p:extLst>
       <p:ext uri="{BB962C8B-B14F-4D97-AF65-F5344CB8AC3E}">
-        <p14:creationId xmlns:p14="http://schemas.microsoft.com/office/powerpoint/2010/main" val="3459835075"/>
+        <p14:creationId xmlns:p14="http://schemas.microsoft.com/office/powerpoint/2010/main" val="1179813233"/>
       </p:ext>
     </p:extLst>
   </p:cSld>
@@ -1363,7 +1362,7 @@
     </p:spTree>
     <p:extLst>
       <p:ext uri="{BB962C8B-B14F-4D97-AF65-F5344CB8AC3E}">
-        <p14:creationId xmlns:p14="http://schemas.microsoft.com/office/powerpoint/2010/main" val="1179813233"/>
+        <p14:creationId xmlns:p14="http://schemas.microsoft.com/office/powerpoint/2010/main" val="270310362"/>
       </p:ext>
     </p:extLst>
   </p:cSld>
@@ -1417,6 +1416,7 @@
           <a:bodyPr/>
           <a:lstStyle/>
           <a:p>
+            <a:pPr marL="0" algn="l" defTabSz="914400" rtl="0" eaLnBrk="1" latinLnBrk="0" hangingPunct="1"/>
             <a:endParaRPr lang="en-IL" dirty="0"/>
           </a:p>
         </p:txBody>
@@ -1439,91 +1439,6 @@
             <a:fld id="{BB95D362-918C-934B-B031-B2092ABF553C}" type="slidenum">
               <a:rPr lang="en-IL" smtClean="0"/>
               <a:t>18</a:t>
-            </a:fld>
-            <a:endParaRPr lang="en-IL"/>
-          </a:p>
-        </p:txBody>
-      </p:sp>
-    </p:spTree>
-    <p:extLst>
-      <p:ext uri="{BB962C8B-B14F-4D97-AF65-F5344CB8AC3E}">
-        <p14:creationId xmlns:p14="http://schemas.microsoft.com/office/powerpoint/2010/main" val="270310362"/>
-      </p:ext>
-    </p:extLst>
-  </p:cSld>
-  <p:clrMapOvr>
-    <a:masterClrMapping/>
-  </p:clrMapOvr>
-</p:notes>
-</file>
-
-<file path=ppt/notesSlides/notesSlide17.xml><?xml version="1.0" encoding="utf-8"?>
-<p:notes xmlns:a="http://schemas.openxmlformats.org/drawingml/2006/main" xmlns:r="http://schemas.openxmlformats.org/officeDocument/2006/relationships" xmlns:p="http://schemas.openxmlformats.org/presentationml/2006/main">
-  <p:cSld>
-    <p:spTree>
-      <p:nvGrpSpPr>
-        <p:cNvPr id="1" name=""/>
-        <p:cNvGrpSpPr/>
-        <p:nvPr/>
-      </p:nvGrpSpPr>
-      <p:grpSpPr>
-        <a:xfrm>
-          <a:off x="0" y="0"/>
-          <a:ext cx="0" cy="0"/>
-          <a:chOff x="0" y="0"/>
-          <a:chExt cx="0" cy="0"/>
-        </a:xfrm>
-      </p:grpSpPr>
-      <p:sp>
-        <p:nvSpPr>
-          <p:cNvPr id="2" name="Slide Image Placeholder 1"/>
-          <p:cNvSpPr>
-            <a:spLocks noGrp="1" noRot="1" noChangeAspect="1"/>
-          </p:cNvSpPr>
-          <p:nvPr>
-            <p:ph type="sldImg"/>
-          </p:nvPr>
-        </p:nvSpPr>
-        <p:spPr/>
-      </p:sp>
-      <p:sp>
-        <p:nvSpPr>
-          <p:cNvPr id="3" name="Notes Placeholder 2"/>
-          <p:cNvSpPr>
-            <a:spLocks noGrp="1"/>
-          </p:cNvSpPr>
-          <p:nvPr>
-            <p:ph type="body" idx="1"/>
-          </p:nvPr>
-        </p:nvSpPr>
-        <p:spPr/>
-        <p:txBody>
-          <a:bodyPr/>
-          <a:lstStyle/>
-          <a:p>
-            <a:pPr marL="0" algn="l" defTabSz="914400" rtl="0" eaLnBrk="1" latinLnBrk="0" hangingPunct="1"/>
-            <a:endParaRPr lang="en-IL" dirty="0"/>
-          </a:p>
-        </p:txBody>
-      </p:sp>
-      <p:sp>
-        <p:nvSpPr>
-          <p:cNvPr id="4" name="Slide Number Placeholder 3"/>
-          <p:cNvSpPr>
-            <a:spLocks noGrp="1"/>
-          </p:cNvSpPr>
-          <p:nvPr>
-            <p:ph type="sldNum" sz="quarter" idx="5"/>
-          </p:nvPr>
-        </p:nvSpPr>
-        <p:spPr/>
-        <p:txBody>
-          <a:bodyPr/>
-          <a:lstStyle/>
-          <a:p>
-            <a:fld id="{BB95D362-918C-934B-B031-B2092ABF553C}" type="slidenum">
-              <a:rPr lang="en-IL" smtClean="0"/>
-              <a:t>19</a:t>
             </a:fld>
             <a:endParaRPr lang="en-IL"/>
           </a:p>
@@ -2491,13 +2406,8 @@
 </file>
 
 <file path=ppt/slideLayouts/slideLayout1.xml><?xml version="1.0" encoding="utf-8"?>
-<p:sldLayout xmlns:a="http://schemas.openxmlformats.org/drawingml/2006/main" xmlns:r="http://schemas.openxmlformats.org/officeDocument/2006/relationships" xmlns:p="http://schemas.openxmlformats.org/presentationml/2006/main" preserve="1" userDrawn="1">
-  <p:cSld name="Title Slide">
-    <p:bg>
-      <p:bgRef idx="1001">
-        <a:schemeClr val="bg1"/>
-      </p:bgRef>
-    </p:bg>
+<p:sldLayout xmlns:a="http://schemas.openxmlformats.org/drawingml/2006/main" xmlns:r="http://schemas.openxmlformats.org/officeDocument/2006/relationships" xmlns:p="http://schemas.openxmlformats.org/presentationml/2006/main" type="blank" preserve="1">
+  <p:cSld name="Blank">
     <p:spTree>
       <p:nvGrpSpPr>
         <p:cNvPr id="1" name=""/>
@@ -2512,10 +2422,56 @@
           <a:chExt cx="0" cy="0"/>
         </a:xfrm>
       </p:grpSpPr>
+      <p:sp>
+        <p:nvSpPr>
+          <p:cNvPr id="4" name="Rectangle 3">
+            <a:extLst>
+              <a:ext uri="{FF2B5EF4-FFF2-40B4-BE49-F238E27FC236}">
+                <a16:creationId xmlns:a16="http://schemas.microsoft.com/office/drawing/2014/main" id="{73669003-0AD2-65A8-6ECB-C44664AC45EF}"/>
+              </a:ext>
+            </a:extLst>
+          </p:cNvPr>
+          <p:cNvSpPr/>
+          <p:nvPr userDrawn="1"/>
+        </p:nvSpPr>
+        <p:spPr>
+          <a:xfrm>
+            <a:off x="0" y="6331353"/>
+            <a:ext cx="12192000" cy="526648"/>
+          </a:xfrm>
+          <a:prstGeom prst="rect">
+            <a:avLst/>
+          </a:prstGeom>
+        </p:spPr>
+        <p:style>
+          <a:lnRef idx="2">
+            <a:schemeClr val="dk1">
+              <a:shade val="15000"/>
+            </a:schemeClr>
+          </a:lnRef>
+          <a:fillRef idx="1">
+            <a:schemeClr val="dk1"/>
+          </a:fillRef>
+          <a:effectRef idx="0">
+            <a:schemeClr val="dk1"/>
+          </a:effectRef>
+          <a:fontRef idx="minor">
+            <a:schemeClr val="lt1"/>
+          </a:fontRef>
+        </p:style>
+        <p:txBody>
+          <a:bodyPr rtlCol="0" anchor="ctr"/>
+          <a:lstStyle/>
+          <a:p>
+            <a:pPr marL="0" algn="ctr" defTabSz="914400" rtl="1" eaLnBrk="1" latinLnBrk="0" hangingPunct="1"/>
+            <a:endParaRPr lang="en-IL"/>
+          </a:p>
+        </p:txBody>
+      </p:sp>
     </p:spTree>
     <p:extLst>
       <p:ext uri="{BB962C8B-B14F-4D97-AF65-F5344CB8AC3E}">
-        <p14:creationId xmlns:p14="http://schemas.microsoft.com/office/powerpoint/2010/main" val="3774280433"/>
+        <p14:creationId xmlns:p14="http://schemas.microsoft.com/office/powerpoint/2010/main" val="1031163779"/>
       </p:ext>
     </p:extLst>
   </p:cSld>
@@ -2542,13 +2498,8 @@
 </file>
 
 <file path=ppt/slideLayouts/slideLayout2.xml><?xml version="1.0" encoding="utf-8"?>
-<p:sldLayout xmlns:a="http://schemas.openxmlformats.org/drawingml/2006/main" xmlns:r="http://schemas.openxmlformats.org/officeDocument/2006/relationships" xmlns:p="http://schemas.openxmlformats.org/presentationml/2006/main" type="blank" preserve="1">
-  <p:cSld name="Blank">
-    <p:bg>
-      <p:bgRef idx="1001">
-        <a:schemeClr val="bg1"/>
-      </p:bgRef>
-    </p:bg>
+<p:sldLayout xmlns:a="http://schemas.openxmlformats.org/drawingml/2006/main" xmlns:r="http://schemas.openxmlformats.org/officeDocument/2006/relationships" xmlns:p="http://schemas.openxmlformats.org/presentationml/2006/main" preserve="1" userDrawn="1">
+  <p:cSld name="1_Title Slide">
     <p:spTree>
       <p:nvGrpSpPr>
         <p:cNvPr id="1" name=""/>
@@ -2563,10 +2514,148 @@
           <a:chExt cx="0" cy="0"/>
         </a:xfrm>
       </p:grpSpPr>
+      <p:sp>
+        <p:nvSpPr>
+          <p:cNvPr id="5" name="Rectangle 4">
+            <a:extLst>
+              <a:ext uri="{FF2B5EF4-FFF2-40B4-BE49-F238E27FC236}">
+                <a16:creationId xmlns:a16="http://schemas.microsoft.com/office/drawing/2014/main" id="{15BF413E-7851-839A-FBE3-FFC1173691DC}"/>
+              </a:ext>
+            </a:extLst>
+          </p:cNvPr>
+          <p:cNvSpPr/>
+          <p:nvPr userDrawn="1"/>
+        </p:nvSpPr>
+        <p:spPr>
+          <a:xfrm>
+            <a:off x="0" y="6331353"/>
+            <a:ext cx="12192000" cy="526648"/>
+          </a:xfrm>
+          <a:prstGeom prst="rect">
+            <a:avLst/>
+          </a:prstGeom>
+        </p:spPr>
+        <p:style>
+          <a:lnRef idx="2">
+            <a:schemeClr val="dk1">
+              <a:shade val="15000"/>
+            </a:schemeClr>
+          </a:lnRef>
+          <a:fillRef idx="1">
+            <a:schemeClr val="dk1"/>
+          </a:fillRef>
+          <a:effectRef idx="0">
+            <a:schemeClr val="dk1"/>
+          </a:effectRef>
+          <a:fontRef idx="minor">
+            <a:schemeClr val="lt1"/>
+          </a:fontRef>
+        </p:style>
+        <p:txBody>
+          <a:bodyPr rtlCol="0" anchor="ctr"/>
+          <a:lstStyle/>
+          <a:p>
+            <a:pPr marL="0" algn="ctr" defTabSz="914400" rtl="1" eaLnBrk="1" latinLnBrk="0" hangingPunct="1"/>
+            <a:endParaRPr lang="en-IL"/>
+          </a:p>
+        </p:txBody>
+      </p:sp>
     </p:spTree>
     <p:extLst>
       <p:ext uri="{BB962C8B-B14F-4D97-AF65-F5344CB8AC3E}">
-        <p14:creationId xmlns:p14="http://schemas.microsoft.com/office/powerpoint/2010/main" val="1031163779"/>
+        <p14:creationId xmlns:p14="http://schemas.microsoft.com/office/powerpoint/2010/main" val="3975064794"/>
+      </p:ext>
+    </p:extLst>
+  </p:cSld>
+  <p:clrMapOvr>
+    <a:overrideClrMapping bg1="lt1" tx1="dk1" bg2="lt2" tx2="dk2" accent1="accent1" accent2="accent2" accent3="accent3" accent4="accent4" accent5="accent5" accent6="accent6" hlink="hlink" folHlink="folHlink"/>
+  </p:clrMapOvr>
+  <p:extLst>
+    <p:ext uri="{DCECCB84-F9BA-43D5-87BE-67443E8EF086}">
+      <p15:sldGuideLst xmlns:p15="http://schemas.microsoft.com/office/powerpoint/2012/main">
+        <p15:guide id="1" orient="horz" pos="2160">
+          <p15:clr>
+            <a:srgbClr val="FBAE40"/>
+          </p15:clr>
+        </p15:guide>
+        <p15:guide id="2" pos="3840">
+          <p15:clr>
+            <a:srgbClr val="FBAE40"/>
+          </p15:clr>
+        </p15:guide>
+      </p15:sldGuideLst>
+    </p:ext>
+  </p:extLst>
+</p:sldLayout>
+</file>
+
+<file path=ppt/slideLayouts/slideLayout3.xml><?xml version="1.0" encoding="utf-8"?>
+<p:sldLayout xmlns:a="http://schemas.openxmlformats.org/drawingml/2006/main" xmlns:r="http://schemas.openxmlformats.org/officeDocument/2006/relationships" xmlns:p="http://schemas.openxmlformats.org/presentationml/2006/main" preserve="1" userDrawn="1">
+  <p:cSld name="Title Slide">
+    <p:spTree>
+      <p:nvGrpSpPr>
+        <p:cNvPr id="1" name=""/>
+        <p:cNvGrpSpPr/>
+        <p:nvPr/>
+      </p:nvGrpSpPr>
+      <p:grpSpPr>
+        <a:xfrm>
+          <a:off x="0" y="0"/>
+          <a:ext cx="0" cy="0"/>
+          <a:chOff x="0" y="0"/>
+          <a:chExt cx="0" cy="0"/>
+        </a:xfrm>
+      </p:grpSpPr>
+      <p:sp>
+        <p:nvSpPr>
+          <p:cNvPr id="5" name="Rectangle 4">
+            <a:extLst>
+              <a:ext uri="{FF2B5EF4-FFF2-40B4-BE49-F238E27FC236}">
+                <a16:creationId xmlns:a16="http://schemas.microsoft.com/office/drawing/2014/main" id="{15BF413E-7851-839A-FBE3-FFC1173691DC}"/>
+              </a:ext>
+            </a:extLst>
+          </p:cNvPr>
+          <p:cNvSpPr/>
+          <p:nvPr userDrawn="1"/>
+        </p:nvSpPr>
+        <p:spPr>
+          <a:xfrm>
+            <a:off x="0" y="6331353"/>
+            <a:ext cx="12192000" cy="526648"/>
+          </a:xfrm>
+          <a:prstGeom prst="rect">
+            <a:avLst/>
+          </a:prstGeom>
+        </p:spPr>
+        <p:style>
+          <a:lnRef idx="2">
+            <a:schemeClr val="dk1">
+              <a:shade val="15000"/>
+            </a:schemeClr>
+          </a:lnRef>
+          <a:fillRef idx="1">
+            <a:schemeClr val="dk1"/>
+          </a:fillRef>
+          <a:effectRef idx="0">
+            <a:schemeClr val="dk1"/>
+          </a:effectRef>
+          <a:fontRef idx="minor">
+            <a:schemeClr val="lt1"/>
+          </a:fontRef>
+        </p:style>
+        <p:txBody>
+          <a:bodyPr rtlCol="0" anchor="ctr"/>
+          <a:lstStyle/>
+          <a:p>
+            <a:pPr marL="0" algn="ctr" defTabSz="914400" rtl="1" eaLnBrk="1" latinLnBrk="0" hangingPunct="1"/>
+            <a:endParaRPr lang="en-IL"/>
+          </a:p>
+        </p:txBody>
+      </p:sp>
+    </p:spTree>
+    <p:extLst>
+      <p:ext uri="{BB962C8B-B14F-4D97-AF65-F5344CB8AC3E}">
+        <p14:creationId xmlns:p14="http://schemas.microsoft.com/office/powerpoint/2010/main" val="3774280433"/>
       </p:ext>
     </p:extLst>
   </p:cSld>
@@ -2597,20 +2686,9 @@
   <p:cSld>
     <p:bg>
       <p:bgPr>
-        <a:blipFill dpi="0" rotWithShape="1">
-          <a:blip r:embed="rId4">
-            <a:lum/>
-            <a:extLst>
-              <a:ext uri="{96DAC541-7B7A-43D3-8B79-37D633B846F1}">
-                <asvg:svgBlip xmlns:asvg="http://schemas.microsoft.com/office/drawing/2016/SVG/main" r:embed="rId5"/>
-              </a:ext>
-            </a:extLst>
-          </a:blip>
-          <a:srcRect/>
-          <a:stretch>
-            <a:fillRect/>
-          </a:stretch>
-        </a:blipFill>
+        <a:solidFill>
+          <a:schemeClr val="bg1"/>
+        </a:solidFill>
         <a:effectLst/>
       </p:bgPr>
     </p:bg>
@@ -2628,6 +2706,52 @@
           <a:chExt cx="0" cy="0"/>
         </a:xfrm>
       </p:grpSpPr>
+      <p:sp>
+        <p:nvSpPr>
+          <p:cNvPr id="2" name="Rectangle 1">
+            <a:extLst>
+              <a:ext uri="{FF2B5EF4-FFF2-40B4-BE49-F238E27FC236}">
+                <a16:creationId xmlns:a16="http://schemas.microsoft.com/office/drawing/2014/main" id="{55ACDDAC-4A65-73AF-F3F1-78BF3AA57983}"/>
+              </a:ext>
+            </a:extLst>
+          </p:cNvPr>
+          <p:cNvSpPr/>
+          <p:nvPr userDrawn="1"/>
+        </p:nvSpPr>
+        <p:spPr>
+          <a:xfrm>
+            <a:off x="0" y="6331353"/>
+            <a:ext cx="12192000" cy="526648"/>
+          </a:xfrm>
+          <a:prstGeom prst="rect">
+            <a:avLst/>
+          </a:prstGeom>
+        </p:spPr>
+        <p:style>
+          <a:lnRef idx="2">
+            <a:schemeClr val="dk1">
+              <a:shade val="15000"/>
+            </a:schemeClr>
+          </a:lnRef>
+          <a:fillRef idx="1">
+            <a:schemeClr val="dk1"/>
+          </a:fillRef>
+          <a:effectRef idx="0">
+            <a:schemeClr val="dk1"/>
+          </a:effectRef>
+          <a:fontRef idx="minor">
+            <a:schemeClr val="lt1"/>
+          </a:fontRef>
+        </p:style>
+        <p:txBody>
+          <a:bodyPr rtlCol="0" anchor="ctr"/>
+          <a:lstStyle/>
+          <a:p>
+            <a:pPr marL="0" algn="ctr" defTabSz="914400" rtl="1" eaLnBrk="1" latinLnBrk="0" hangingPunct="1"/>
+            <a:endParaRPr lang="en-IL"/>
+          </a:p>
+        </p:txBody>
+      </p:sp>
     </p:spTree>
     <p:extLst>
       <p:ext uri="{BB962C8B-B14F-4D97-AF65-F5344CB8AC3E}">
@@ -2637,8 +2761,9 @@
   </p:cSld>
   <p:clrMap bg1="lt1" tx1="dk1" bg2="lt2" tx2="dk2" accent1="accent1" accent2="accent2" accent3="accent3" accent4="accent4" accent5="accent5" accent6="accent6" hlink="hlink" folHlink="folHlink"/>
   <p:sldLayoutIdLst>
-    <p:sldLayoutId id="2147483649" r:id="rId1"/>
-    <p:sldLayoutId id="2147483655" r:id="rId2"/>
+    <p:sldLayoutId id="2147483655" r:id="rId1"/>
+    <p:sldLayoutId id="2147483656" r:id="rId2"/>
+    <p:sldLayoutId id="2147483649" r:id="rId3"/>
   </p:sldLayoutIdLst>
   <p:txStyles>
     <p:titleStyle>
@@ -5754,7 +5879,7 @@
 </file>
 
 <file path=ppt/slides/slide13.xml><?xml version="1.0" encoding="utf-8"?>
-<p:sld xmlns:a="http://schemas.openxmlformats.org/drawingml/2006/main" xmlns:r="http://schemas.openxmlformats.org/officeDocument/2006/relationships" xmlns:p="http://schemas.openxmlformats.org/presentationml/2006/main">
+<p:sld xmlns:a="http://schemas.openxmlformats.org/drawingml/2006/main" xmlns:r="http://schemas.openxmlformats.org/officeDocument/2006/relationships" xmlns:p="http://schemas.openxmlformats.org/presentationml/2006/main" show="0">
   <p:cSld>
     <p:spTree>
       <p:nvGrpSpPr>
@@ -6326,7 +6451,7 @@
 </file>
 
 <file path=ppt/slides/slide14.xml><?xml version="1.0" encoding="utf-8"?>
-<p:sld xmlns:a="http://schemas.openxmlformats.org/drawingml/2006/main" xmlns:r="http://schemas.openxmlformats.org/officeDocument/2006/relationships" xmlns:p="http://schemas.openxmlformats.org/presentationml/2006/main">
+<p:sld xmlns:a="http://schemas.openxmlformats.org/drawingml/2006/main" xmlns:r="http://schemas.openxmlformats.org/officeDocument/2006/relationships" xmlns:p="http://schemas.openxmlformats.org/presentationml/2006/main" show="0">
   <p:cSld>
     <p:spTree>
       <p:nvGrpSpPr>
@@ -6937,7 +7062,7 @@
 </file>
 
 <file path=ppt/slides/slide15.xml><?xml version="1.0" encoding="utf-8"?>
-<p:sld xmlns:a="http://schemas.openxmlformats.org/drawingml/2006/main" xmlns:r="http://schemas.openxmlformats.org/officeDocument/2006/relationships" xmlns:p="http://schemas.openxmlformats.org/presentationml/2006/main">
+<p:sld xmlns:a="http://schemas.openxmlformats.org/drawingml/2006/main" xmlns:r="http://schemas.openxmlformats.org/officeDocument/2006/relationships" xmlns:p="http://schemas.openxmlformats.org/presentationml/2006/main" show="0">
   <p:cSld>
     <p:spTree>
       <p:nvGrpSpPr>
@@ -7262,7 +7387,7 @@
         <p:spPr>
           <a:xfrm>
             <a:off x="836561" y="191944"/>
-            <a:ext cx="6655943" cy="707886"/>
+            <a:ext cx="8805730" cy="707886"/>
           </a:xfrm>
           <a:prstGeom prst="rect">
             <a:avLst/>
@@ -7328,7 +7453,7 @@
                 <a:ea typeface="+mn-ea"/>
                 <a:cs typeface="Courier New" panose="02070309020205020404" pitchFamily="49" charset="0"/>
               </a:rPr>
-              <a:t>Where to start?</a:t>
+              <a:t>Tree Shaking Checklist</a:t>
             </a:r>
           </a:p>
         </p:txBody>
@@ -7347,8 +7472,8 @@
         </p:nvSpPr>
         <p:spPr>
           <a:xfrm>
-            <a:off x="2022593" y="1508424"/>
-            <a:ext cx="4073407" cy="523220"/>
+            <a:off x="1166018" y="1126459"/>
+            <a:ext cx="8695612" cy="4562788"/>
           </a:xfrm>
           <a:prstGeom prst="rect">
             <a:avLst/>
@@ -7361,7 +7486,10 @@
           </a:bodyPr>
           <a:lstStyle/>
           <a:p>
-            <a:pPr lvl="0" algn="ctr" rtl="0">
+            <a:pPr marL="457200" lvl="0" indent="-457200" rtl="0">
+              <a:lnSpc>
+                <a:spcPct val="150000"/>
+              </a:lnSpc>
               <a:spcBef>
                 <a:spcPts val="0"/>
               </a:spcBef>
@@ -7370,21 +7498,132 @@
               </a:spcAft>
               <a:buClrTx/>
               <a:buSzPct val="100000"/>
+              <a:buFont typeface="Wingdings" pitchFamily="2" charset="2"/>
+              <a:buChar char="q"/>
             </a:pPr>
             <a:r>
-              <a:rPr lang="en-US" sz="2800" b="1" dirty="0">
+              <a:rPr lang="en-US" sz="2800" dirty="0">
                 <a:latin typeface="Courier New" panose="02070309020205020404" pitchFamily="49" charset="0"/>
                 <a:cs typeface="Courier New" panose="02070309020205020404" pitchFamily="49" charset="0"/>
               </a:rPr>
-              <a:t>Start small</a:t>
-            </a:r>
+              <a:t>Export as </a:t>
+            </a:r>
+            <a:r>
+              <a:rPr lang="en-US" sz="2800" dirty="0" err="1">
+                <a:latin typeface="Courier New" panose="02070309020205020404" pitchFamily="49" charset="0"/>
+                <a:cs typeface="Courier New" panose="02070309020205020404" pitchFamily="49" charset="0"/>
+              </a:rPr>
+              <a:t>esm</a:t>
+            </a:r>
+            <a:br>
+              <a:rPr lang="en-US" sz="2800" dirty="0">
+                <a:latin typeface="Courier New" panose="02070309020205020404" pitchFamily="49" charset="0"/>
+                <a:cs typeface="Courier New" panose="02070309020205020404" pitchFamily="49" charset="0"/>
+              </a:rPr>
+            </a:br>
+            <a:r>
+              <a:rPr lang="en-US" sz="2800" dirty="0">
+                <a:latin typeface="Courier New" panose="02070309020205020404" pitchFamily="49" charset="0"/>
+                <a:cs typeface="Courier New" panose="02070309020205020404" pitchFamily="49" charset="0"/>
+              </a:rPr>
+              <a:t>Make modules independent</a:t>
+            </a:r>
+          </a:p>
+          <a:p>
+            <a:pPr marL="457200" lvl="0" indent="-457200">
+              <a:lnSpc>
+                <a:spcPct val="150000"/>
+              </a:lnSpc>
+              <a:buSzPct val="100000"/>
+              <a:buFont typeface="Wingdings" pitchFamily="2" charset="2"/>
+              <a:buChar char="q"/>
+            </a:pPr>
+            <a:r>
+              <a:rPr lang="en-US" sz="2800" dirty="0">
+                <a:latin typeface="Courier New" panose="02070309020205020404" pitchFamily="49" charset="0"/>
+                <a:cs typeface="Courier New" panose="02070309020205020404" pitchFamily="49" charset="0"/>
+              </a:rPr>
+              <a:t>Prefer named exports (linter === ❤️)</a:t>
+            </a:r>
+          </a:p>
+          <a:p>
+            <a:pPr marL="457200" lvl="0" indent="-457200">
+              <a:lnSpc>
+                <a:spcPct val="150000"/>
+              </a:lnSpc>
+              <a:buSzPct val="100000"/>
+              <a:buFont typeface="Wingdings" pitchFamily="2" charset="2"/>
+              <a:buChar char="q"/>
+            </a:pPr>
+            <a:r>
+              <a:rPr lang="en-US" sz="2800" dirty="0">
+                <a:latin typeface="Courier New" panose="02070309020205020404" pitchFamily="49" charset="0"/>
+                <a:cs typeface="Courier New" panose="02070309020205020404" pitchFamily="49" charset="0"/>
+              </a:rPr>
+              <a:t>Monitor size (it breaks easily)</a:t>
+            </a:r>
+          </a:p>
+          <a:p>
+            <a:pPr marL="457200" lvl="0" indent="-457200">
+              <a:lnSpc>
+                <a:spcPct val="150000"/>
+              </a:lnSpc>
+              <a:buSzPct val="100000"/>
+              <a:buFont typeface="Wingdings" pitchFamily="2" charset="2"/>
+              <a:buChar char="q"/>
+            </a:pPr>
+            <a:r>
+              <a:rPr lang="en-US" sz="2800" dirty="0">
+                <a:latin typeface="Courier New" panose="02070309020205020404" pitchFamily="49" charset="0"/>
+                <a:cs typeface="Courier New" panose="02070309020205020404" pitchFamily="49" charset="0"/>
+              </a:rPr>
+              <a:t>Keep an eye on dependencies</a:t>
+            </a:r>
+          </a:p>
+          <a:p>
+            <a:pPr marL="457200" lvl="0" indent="-457200">
+              <a:lnSpc>
+                <a:spcPct val="150000"/>
+              </a:lnSpc>
+              <a:buSzPct val="100000"/>
+              <a:buFont typeface="Wingdings" pitchFamily="2" charset="2"/>
+              <a:buChar char="q"/>
+            </a:pPr>
+            <a:r>
+              <a:rPr lang="en-US" sz="2800" dirty="0">
+                <a:latin typeface="Courier New" panose="02070309020205020404" pitchFamily="49" charset="0"/>
+                <a:cs typeface="Courier New" panose="02070309020205020404" pitchFamily="49" charset="0"/>
+              </a:rPr>
+              <a:t>Sometimes it won’t work</a:t>
+            </a:r>
+          </a:p>
+          <a:p>
+            <a:pPr marL="457200" lvl="0" indent="-457200" rtl="0">
+              <a:lnSpc>
+                <a:spcPct val="150000"/>
+              </a:lnSpc>
+              <a:spcBef>
+                <a:spcPts val="0"/>
+              </a:spcBef>
+              <a:spcAft>
+                <a:spcPts val="0"/>
+              </a:spcAft>
+              <a:buClrTx/>
+              <a:buSzPct val="100000"/>
+              <a:buFont typeface="Wingdings" pitchFamily="2" charset="2"/>
+              <a:buChar char="q"/>
+            </a:pPr>
+            <a:endParaRPr lang="en-US" sz="2800" dirty="0">
+              <a:latin typeface="Courier New" panose="02070309020205020404" pitchFamily="49" charset="0"/>
+              <a:cs typeface="Courier New" panose="02070309020205020404" pitchFamily="49" charset="0"/>
+            </a:endParaRPr>
           </a:p>
         </p:txBody>
       </p:sp>
     </p:spTree>
     <p:extLst>
       <p:ext uri="{BB962C8B-B14F-4D97-AF65-F5344CB8AC3E}">
-        <p14:creationId xmlns:p14="http://schemas.microsoft.com/office/powerpoint/2010/main" val="1983697220"/>
+        <p14:creationId xmlns:p14="http://schemas.microsoft.com/office/powerpoint/2010/main" val="3752088147"/>
       </p:ext>
     </p:extLst>
   </p:cSld>
@@ -7645,7 +7884,7 @@
                 <a:ea typeface="+mn-ea"/>
                 <a:cs typeface="Courier New" panose="02070309020205020404" pitchFamily="49" charset="0"/>
               </a:rPr>
-              <a:t>Tree Shaking Checklist</a:t>
+              <a:t>Touching Summary</a:t>
             </a:r>
           </a:p>
         </p:txBody>
@@ -7665,7 +7904,7 @@
         <p:spPr>
           <a:xfrm>
             <a:off x="1166018" y="1126459"/>
-            <a:ext cx="8695612" cy="4562788"/>
+            <a:ext cx="8695612" cy="4293483"/>
           </a:xfrm>
           <a:prstGeom prst="rect">
             <a:avLst/>
@@ -7678,9 +7917,9 @@
           </a:bodyPr>
           <a:lstStyle/>
           <a:p>
-            <a:pPr marL="457200" lvl="0" indent="-457200" rtl="0">
+            <a:pPr marL="514350" lvl="0" indent="-514350" rtl="0">
               <a:lnSpc>
-                <a:spcPct val="150000"/>
+                <a:spcPct val="200000"/>
               </a:lnSpc>
               <a:spcBef>
                 <a:spcPts val="0"/>
@@ -7690,109 +7929,21 @@
               </a:spcAft>
               <a:buClrTx/>
               <a:buSzPct val="100000"/>
-              <a:buFont typeface="Wingdings" pitchFamily="2" charset="2"/>
-              <a:buChar char="q"/>
+              <a:buFont typeface="+mj-lt"/>
+              <a:buAutoNum type="arabicPeriod"/>
             </a:pPr>
             <a:r>
               <a:rPr lang="en-US" sz="2800" dirty="0">
                 <a:latin typeface="Courier New" panose="02070309020205020404" pitchFamily="49" charset="0"/>
                 <a:cs typeface="Courier New" panose="02070309020205020404" pitchFamily="49" charset="0"/>
               </a:rPr>
-              <a:t>Export as </a:t>
-            </a:r>
-            <a:r>
-              <a:rPr lang="en-US" sz="2800" dirty="0" err="1">
-                <a:latin typeface="Courier New" panose="02070309020205020404" pitchFamily="49" charset="0"/>
-                <a:cs typeface="Courier New" panose="02070309020205020404" pitchFamily="49" charset="0"/>
-              </a:rPr>
-              <a:t>esm</a:t>
-            </a:r>
-            <a:br>
-              <a:rPr lang="en-US" sz="2800" dirty="0">
-                <a:latin typeface="Courier New" panose="02070309020205020404" pitchFamily="49" charset="0"/>
-                <a:cs typeface="Courier New" panose="02070309020205020404" pitchFamily="49" charset="0"/>
-              </a:rPr>
-            </a:br>
-            <a:r>
-              <a:rPr lang="en-US" sz="2800" dirty="0">
-                <a:latin typeface="Courier New" panose="02070309020205020404" pitchFamily="49" charset="0"/>
-                <a:cs typeface="Courier New" panose="02070309020205020404" pitchFamily="49" charset="0"/>
-              </a:rPr>
-              <a:t>Make modules independent</a:t>
-            </a:r>
-          </a:p>
-          <a:p>
-            <a:pPr marL="457200" lvl="0" indent="-457200">
+              <a:t>Spoke about IKEA</a:t>
+            </a:r>
+          </a:p>
+          <a:p>
+            <a:pPr marL="514350" lvl="0" indent="-514350" rtl="0">
               <a:lnSpc>
-                <a:spcPct val="150000"/>
-              </a:lnSpc>
-              <a:buSzPct val="100000"/>
-              <a:buFont typeface="Wingdings" pitchFamily="2" charset="2"/>
-              <a:buChar char="q"/>
-            </a:pPr>
-            <a:r>
-              <a:rPr lang="en-US" sz="2800" dirty="0">
-                <a:latin typeface="Courier New" panose="02070309020205020404" pitchFamily="49" charset="0"/>
-                <a:cs typeface="Courier New" panose="02070309020205020404" pitchFamily="49" charset="0"/>
-              </a:rPr>
-              <a:t>Prefer named exports (linter === ❤️)</a:t>
-            </a:r>
-          </a:p>
-          <a:p>
-            <a:pPr marL="457200" lvl="0" indent="-457200">
-              <a:lnSpc>
-                <a:spcPct val="150000"/>
-              </a:lnSpc>
-              <a:buSzPct val="100000"/>
-              <a:buFont typeface="Wingdings" pitchFamily="2" charset="2"/>
-              <a:buChar char="q"/>
-            </a:pPr>
-            <a:r>
-              <a:rPr lang="en-US" sz="2800" dirty="0">
-                <a:latin typeface="Courier New" panose="02070309020205020404" pitchFamily="49" charset="0"/>
-                <a:cs typeface="Courier New" panose="02070309020205020404" pitchFamily="49" charset="0"/>
-              </a:rPr>
-              <a:t>Monitor size (it breaks easily)</a:t>
-            </a:r>
-          </a:p>
-          <a:p>
-            <a:pPr marL="457200" lvl="0" indent="-457200">
-              <a:lnSpc>
-                <a:spcPct val="150000"/>
-              </a:lnSpc>
-              <a:buSzPct val="100000"/>
-              <a:buFont typeface="Wingdings" pitchFamily="2" charset="2"/>
-              <a:buChar char="q"/>
-            </a:pPr>
-            <a:r>
-              <a:rPr lang="en-US" sz="2800" dirty="0">
-                <a:latin typeface="Courier New" panose="02070309020205020404" pitchFamily="49" charset="0"/>
-                <a:cs typeface="Courier New" panose="02070309020205020404" pitchFamily="49" charset="0"/>
-              </a:rPr>
-              <a:t>Keep an eye on dependencies</a:t>
-            </a:r>
-          </a:p>
-          <a:p>
-            <a:pPr marL="457200" lvl="0" indent="-457200">
-              <a:lnSpc>
-                <a:spcPct val="150000"/>
-              </a:lnSpc>
-              <a:buSzPct val="100000"/>
-              <a:buFont typeface="Wingdings" pitchFamily="2" charset="2"/>
-              <a:buChar char="q"/>
-            </a:pPr>
-            <a:r>
-              <a:rPr lang="en-US" sz="2800" dirty="0">
-                <a:latin typeface="Courier New" panose="02070309020205020404" pitchFamily="49" charset="0"/>
-                <a:cs typeface="Courier New" panose="02070309020205020404" pitchFamily="49" charset="0"/>
-              </a:rPr>
-              <a:t>Sometimes it won’t work</a:t>
-            </a:r>
-          </a:p>
-          <a:p>
-            <a:pPr marL="457200" lvl="0" indent="-457200" rtl="0">
-              <a:lnSpc>
-                <a:spcPct val="150000"/>
+                <a:spcPct val="200000"/>
               </a:lnSpc>
               <a:spcBef>
                 <a:spcPts val="0"/>
@@ -7802,20 +7953,88 @@
               </a:spcAft>
               <a:buClrTx/>
               <a:buSzPct val="100000"/>
-              <a:buFont typeface="Wingdings" pitchFamily="2" charset="2"/>
-              <a:buChar char="q"/>
+              <a:buFont typeface="+mj-lt"/>
+              <a:buAutoNum type="arabicPeriod"/>
+            </a:pPr>
+            <a:r>
+              <a:rPr lang="en-US" sz="2800" dirty="0">
+                <a:latin typeface="Courier New" panose="02070309020205020404" pitchFamily="49" charset="0"/>
+                <a:cs typeface="Courier New" panose="02070309020205020404" pitchFamily="49" charset="0"/>
+              </a:rPr>
+              <a:t>Created a startup generator</a:t>
+            </a:r>
+          </a:p>
+          <a:p>
+            <a:pPr marL="514350" lvl="0" indent="-514350" rtl="0">
+              <a:lnSpc>
+                <a:spcPct val="200000"/>
+              </a:lnSpc>
+              <a:spcBef>
+                <a:spcPts val="0"/>
+              </a:spcBef>
+              <a:spcAft>
+                <a:spcPts val="0"/>
+              </a:spcAft>
+              <a:buClrTx/>
+              <a:buSzPct val="100000"/>
+              <a:buFont typeface="+mj-lt"/>
+              <a:buAutoNum type="arabicPeriod"/>
+            </a:pPr>
+            <a:r>
+              <a:rPr lang="en-US" sz="2800" dirty="0">
+                <a:latin typeface="Courier New" panose="02070309020205020404" pitchFamily="49" charset="0"/>
+                <a:cs typeface="Courier New" panose="02070309020205020404" pitchFamily="49" charset="0"/>
+              </a:rPr>
+              <a:t>Optimized it</a:t>
+            </a:r>
+          </a:p>
+          <a:p>
+            <a:pPr lvl="0" rtl="0">
+              <a:lnSpc>
+                <a:spcPct val="200000"/>
+              </a:lnSpc>
+              <a:spcBef>
+                <a:spcPts val="0"/>
+              </a:spcBef>
+              <a:spcAft>
+                <a:spcPts val="0"/>
+              </a:spcAft>
+              <a:buClrTx/>
+              <a:buSzPct val="100000"/>
             </a:pPr>
             <a:endParaRPr lang="en-US" sz="2800" dirty="0">
               <a:latin typeface="Courier New" panose="02070309020205020404" pitchFamily="49" charset="0"/>
               <a:cs typeface="Courier New" panose="02070309020205020404" pitchFamily="49" charset="0"/>
             </a:endParaRPr>
           </a:p>
+          <a:p>
+            <a:pPr lvl="0" rtl="0">
+              <a:lnSpc>
+                <a:spcPct val="200000"/>
+              </a:lnSpc>
+              <a:spcBef>
+                <a:spcPts val="0"/>
+              </a:spcBef>
+              <a:spcAft>
+                <a:spcPts val="0"/>
+              </a:spcAft>
+              <a:buClrTx/>
+              <a:buSzPct val="100000"/>
+            </a:pPr>
+            <a:r>
+              <a:rPr lang="en-US" sz="2800" dirty="0">
+                <a:latin typeface="Courier New" panose="02070309020205020404" pitchFamily="49" charset="0"/>
+                <a:cs typeface="Courier New" panose="02070309020205020404" pitchFamily="49" charset="0"/>
+              </a:rPr>
+              <a:t>4. Where to start?</a:t>
+            </a:r>
+          </a:p>
         </p:txBody>
       </p:sp>
     </p:spTree>
     <p:extLst>
       <p:ext uri="{BB962C8B-B14F-4D97-AF65-F5344CB8AC3E}">
-        <p14:creationId xmlns:p14="http://schemas.microsoft.com/office/powerpoint/2010/main" val="3752088147"/>
+        <p14:creationId xmlns:p14="http://schemas.microsoft.com/office/powerpoint/2010/main" val="943863874"/>
       </p:ext>
     </p:extLst>
   </p:cSld>
@@ -7834,9 +8053,6 @@
                     <p:cTn id="3" fill="hold">
                       <p:stCondLst>
                         <p:cond delay="indefinite"/>
-                        <p:cond evt="onBegin" delay="0">
-                          <p:tn val="2"/>
-                        </p:cond>
                       </p:stCondLst>
                       <p:childTnLst>
                         <p:par>
@@ -7846,7 +8062,7 @@
                             </p:stCondLst>
                             <p:childTnLst>
                               <p:par>
-                                <p:cTn id="5" presetID="1" presetClass="entr" presetSubtype="0" fill="hold" grpId="0" nodeType="withEffect">
+                                <p:cTn id="5" presetID="1" presetClass="entr" presetSubtype="0" fill="hold" grpId="0" nodeType="clickEffect">
                                   <p:stCondLst>
                                     <p:cond delay="0"/>
                                   </p:stCondLst>
@@ -7859,7 +8075,158 @@
                                           </p:stCondLst>
                                         </p:cTn>
                                         <p:tgtEl>
-                                          <p:spTgt spid="3"/>
+                                          <p:spTgt spid="3">
+                                            <p:txEl>
+                                              <p:pRg st="0" end="0"/>
+                                            </p:txEl>
+                                          </p:spTgt>
+                                        </p:tgtEl>
+                                        <p:attrNameLst>
+                                          <p:attrName>style.visibility</p:attrName>
+                                        </p:attrNameLst>
+                                      </p:cBhvr>
+                                      <p:to>
+                                        <p:strVal val="visible"/>
+                                      </p:to>
+                                    </p:set>
+                                  </p:childTnLst>
+                                </p:cTn>
+                              </p:par>
+                            </p:childTnLst>
+                          </p:cTn>
+                        </p:par>
+                      </p:childTnLst>
+                    </p:cTn>
+                  </p:par>
+                  <p:par>
+                    <p:cTn id="7" fill="hold">
+                      <p:stCondLst>
+                        <p:cond delay="indefinite"/>
+                      </p:stCondLst>
+                      <p:childTnLst>
+                        <p:par>
+                          <p:cTn id="8" fill="hold">
+                            <p:stCondLst>
+                              <p:cond delay="0"/>
+                            </p:stCondLst>
+                            <p:childTnLst>
+                              <p:par>
+                                <p:cTn id="9" presetID="1" presetClass="entr" presetSubtype="0" fill="hold" grpId="0" nodeType="clickEffect">
+                                  <p:stCondLst>
+                                    <p:cond delay="0"/>
+                                  </p:stCondLst>
+                                  <p:childTnLst>
+                                    <p:set>
+                                      <p:cBhvr>
+                                        <p:cTn id="10" dur="1" fill="hold">
+                                          <p:stCondLst>
+                                            <p:cond delay="0"/>
+                                          </p:stCondLst>
+                                        </p:cTn>
+                                        <p:tgtEl>
+                                          <p:spTgt spid="3">
+                                            <p:txEl>
+                                              <p:pRg st="1" end="1"/>
+                                            </p:txEl>
+                                          </p:spTgt>
+                                        </p:tgtEl>
+                                        <p:attrNameLst>
+                                          <p:attrName>style.visibility</p:attrName>
+                                        </p:attrNameLst>
+                                      </p:cBhvr>
+                                      <p:to>
+                                        <p:strVal val="visible"/>
+                                      </p:to>
+                                    </p:set>
+                                  </p:childTnLst>
+                                </p:cTn>
+                              </p:par>
+                            </p:childTnLst>
+                          </p:cTn>
+                        </p:par>
+                      </p:childTnLst>
+                    </p:cTn>
+                  </p:par>
+                  <p:par>
+                    <p:cTn id="11" fill="hold">
+                      <p:stCondLst>
+                        <p:cond delay="indefinite"/>
+                      </p:stCondLst>
+                      <p:childTnLst>
+                        <p:par>
+                          <p:cTn id="12" fill="hold">
+                            <p:stCondLst>
+                              <p:cond delay="0"/>
+                            </p:stCondLst>
+                            <p:childTnLst>
+                              <p:par>
+                                <p:cTn id="13" presetID="1" presetClass="entr" presetSubtype="0" fill="hold" grpId="0" nodeType="clickEffect">
+                                  <p:stCondLst>
+                                    <p:cond delay="0"/>
+                                  </p:stCondLst>
+                                  <p:childTnLst>
+                                    <p:set>
+                                      <p:cBhvr>
+                                        <p:cTn id="14" dur="1" fill="hold">
+                                          <p:stCondLst>
+                                            <p:cond delay="0"/>
+                                          </p:stCondLst>
+                                        </p:cTn>
+                                        <p:tgtEl>
+                                          <p:spTgt spid="3">
+                                            <p:txEl>
+                                              <p:pRg st="2" end="2"/>
+                                            </p:txEl>
+                                          </p:spTgt>
+                                        </p:tgtEl>
+                                        <p:attrNameLst>
+                                          <p:attrName>style.visibility</p:attrName>
+                                        </p:attrNameLst>
+                                      </p:cBhvr>
+                                      <p:to>
+                                        <p:strVal val="visible"/>
+                                      </p:to>
+                                    </p:set>
+                                  </p:childTnLst>
+                                </p:cTn>
+                              </p:par>
+                            </p:childTnLst>
+                          </p:cTn>
+                        </p:par>
+                      </p:childTnLst>
+                    </p:cTn>
+                  </p:par>
+                  <p:par>
+                    <p:cTn id="15" fill="hold">
+                      <p:stCondLst>
+                        <p:cond delay="indefinite"/>
+                      </p:stCondLst>
+                      <p:childTnLst>
+                        <p:par>
+                          <p:cTn id="16" fill="hold">
+                            <p:stCondLst>
+                              <p:cond delay="0"/>
+                            </p:stCondLst>
+                            <p:childTnLst>
+                              <p:par>
+                                <p:cTn id="17" presetID="1" presetClass="entr" presetSubtype="0" fill="hold" grpId="0" nodeType="clickEffect">
+                                  <p:stCondLst>
+                                    <p:cond delay="0"/>
+                                  </p:stCondLst>
+                                  <p:childTnLst>
+                                    <p:set>
+                                      <p:cBhvr>
+                                        <p:cTn id="18" dur="1" fill="hold">
+                                          <p:stCondLst>
+                                            <p:cond delay="0"/>
+                                          </p:stCondLst>
+                                        </p:cTn>
+                                        <p:tgtEl>
+                                          <p:spTgt spid="3">
+                                            <p:txEl>
+                                              <p:pRg st="4" end="4"/>
+                                            </p:txEl>
+                                          </p:spTgt>
                                         </p:tgtEl>
                                         <p:attrNameLst>
                                           <p:attrName>style.visibility</p:attrName>
@@ -7900,426 +8267,13 @@
       </p:par>
     </p:tnLst>
     <p:bldLst>
-      <p:bldP spid="3" grpId="0"/>
+      <p:bldP spid="3" grpId="0" build="p"/>
     </p:bldLst>
   </p:timing>
 </p:sld>
 </file>
 
 <file path=ppt/slides/slide18.xml><?xml version="1.0" encoding="utf-8"?>
-<p:sld xmlns:a="http://schemas.openxmlformats.org/drawingml/2006/main" xmlns:r="http://schemas.openxmlformats.org/officeDocument/2006/relationships" xmlns:p="http://schemas.openxmlformats.org/presentationml/2006/main">
-  <p:cSld>
-    <p:spTree>
-      <p:nvGrpSpPr>
-        <p:cNvPr id="1" name=""/>
-        <p:cNvGrpSpPr/>
-        <p:nvPr/>
-      </p:nvGrpSpPr>
-      <p:grpSpPr>
-        <a:xfrm>
-          <a:off x="0" y="0"/>
-          <a:ext cx="0" cy="0"/>
-          <a:chOff x="0" y="0"/>
-          <a:chExt cx="0" cy="0"/>
-        </a:xfrm>
-      </p:grpSpPr>
-      <p:sp>
-        <p:nvSpPr>
-          <p:cNvPr id="4" name="Graphic 8">
-            <a:extLst>
-              <a:ext uri="{FF2B5EF4-FFF2-40B4-BE49-F238E27FC236}">
-                <a16:creationId xmlns:a16="http://schemas.microsoft.com/office/drawing/2014/main" id="{68DD4F99-88BD-21EA-C7C0-97A03AC76F99}"/>
-              </a:ext>
-              <a:ext uri="{C183D7F6-B498-43B3-948B-1728B52AA6E4}">
-                <adec:decorative xmlns:adec="http://schemas.microsoft.com/office/drawing/2017/decorative" val="1"/>
-              </a:ext>
-            </a:extLst>
-          </p:cNvPr>
-          <p:cNvSpPr>
-            <a:spLocks noGrp="1" noRot="1" noMove="1" noResize="1" noEditPoints="1" noAdjustHandles="1" noChangeArrowheads="1" noChangeShapeType="1"/>
-          </p:cNvSpPr>
-          <p:nvPr/>
-        </p:nvSpPr>
-        <p:spPr>
-          <a:xfrm flipH="1">
-            <a:off x="668653" y="0"/>
-            <a:ext cx="45719" cy="4389120"/>
-          </a:xfrm>
-          <a:custGeom>
-            <a:avLst/>
-            <a:gdLst>
-              <a:gd name="connsiteX0" fmla="*/ 0 w 9525"/>
-              <a:gd name="connsiteY0" fmla="*/ 0 h 4519803"/>
-              <a:gd name="connsiteX1" fmla="*/ 0 w 9525"/>
-              <a:gd name="connsiteY1" fmla="*/ 4519803 h 4519803"/>
-            </a:gdLst>
-            <a:ahLst/>
-            <a:cxnLst>
-              <a:cxn ang="0">
-                <a:pos x="connsiteX0" y="connsiteY0"/>
-              </a:cxn>
-              <a:cxn ang="0">
-                <a:pos x="connsiteX1" y="connsiteY1"/>
-              </a:cxn>
-            </a:cxnLst>
-            <a:rect l="l" t="t" r="r" b="b"/>
-            <a:pathLst>
-              <a:path w="9525" h="4519803">
-                <a:moveTo>
-                  <a:pt x="0" y="0"/>
-                </a:moveTo>
-                <a:lnTo>
-                  <a:pt x="0" y="4519803"/>
-                </a:lnTo>
-              </a:path>
-            </a:pathLst>
-          </a:custGeom>
-          <a:ln w="38100" cap="flat">
-            <a:solidFill>
-              <a:schemeClr val="tx1"/>
-            </a:solidFill>
-            <a:prstDash val="solid"/>
-            <a:miter/>
-          </a:ln>
-        </p:spPr>
-        <p:txBody>
-          <a:bodyPr rtlCol="0" anchor="ctr"/>
-          <a:lstStyle/>
-          <a:p>
-            <a:pPr marL="0" algn="l" defTabSz="914400" rtl="0" eaLnBrk="1" latinLnBrk="0" hangingPunct="1"/>
-            <a:endParaRPr lang="en-IL"/>
-          </a:p>
-        </p:txBody>
-      </p:sp>
-      <p:sp>
-        <p:nvSpPr>
-          <p:cNvPr id="6" name="תיבת טקסט 2">
-            <a:extLst>
-              <a:ext uri="{FF2B5EF4-FFF2-40B4-BE49-F238E27FC236}">
-                <a16:creationId xmlns:a16="http://schemas.microsoft.com/office/drawing/2014/main" id="{099A2667-44CB-9D62-92FB-B5B0345723FB}"/>
-              </a:ext>
-            </a:extLst>
-          </p:cNvPr>
-          <p:cNvSpPr txBox="1">
-            <a:spLocks noGrp="1"/>
-          </p:cNvSpPr>
-          <p:nvPr>
-            <p:ph type="title" idx="4294967295"/>
-          </p:nvPr>
-        </p:nvSpPr>
-        <p:spPr>
-          <a:xfrm>
-            <a:off x="836561" y="191944"/>
-            <a:ext cx="8805730" cy="707886"/>
-          </a:xfrm>
-          <a:prstGeom prst="rect">
-            <a:avLst/>
-          </a:prstGeom>
-          <a:noFill/>
-          <a:ln>
-            <a:noFill/>
-            <a:prstDash/>
-          </a:ln>
-          <a:effectLst/>
-        </p:spPr>
-        <p:txBody>
-          <a:bodyPr rot="0" spcFirstLastPara="0" vertOverflow="overflow" horzOverflow="overflow" vert="horz" wrap="square" lIns="91440" tIns="45720" rIns="91440" bIns="45720" numCol="1" spcCol="0" rtlCol="1" fromWordArt="0" anchor="t" anchorCtr="0" forceAA="0" compatLnSpc="1">
-            <a:prstTxWarp prst="textNoShape">
-              <a:avLst/>
-            </a:prstTxWarp>
-            <a:spAutoFit/>
-          </a:bodyPr>
-          <a:lstStyle>
-            <a:defPPr>
-              <a:defRPr lang="he-IL"/>
-            </a:defPPr>
-            <a:lvl1pPr algn="l" rtl="0">
-              <a:defRPr sz="4800">
-                <a:solidFill>
-                  <a:srgbClr val="F1C163"/>
-                </a:solidFill>
-                <a:latin typeface="Segoe UI" panose="020B0502040204020203" pitchFamily="34" charset="0"/>
-                <a:cs typeface="Segoe UI" panose="020B0502040204020203" pitchFamily="34" charset="0"/>
-              </a:defRPr>
-            </a:lvl1pPr>
-          </a:lstStyle>
-          <a:p>
-            <a:pPr marL="0" marR="0" lvl="0" indent="0" algn="l" defTabSz="914400" rtl="0" eaLnBrk="1" fontAlgn="auto" latinLnBrk="0" hangingPunct="1">
-              <a:lnSpc>
-                <a:spcPct val="100000"/>
-              </a:lnSpc>
-              <a:spcBef>
-                <a:spcPts val="0"/>
-              </a:spcBef>
-              <a:spcAft>
-                <a:spcPts val="0"/>
-              </a:spcAft>
-              <a:buClrTx/>
-              <a:buSzTx/>
-              <a:buFontTx/>
-              <a:buNone/>
-              <a:tabLst/>
-              <a:defRPr/>
-            </a:pPr>
-            <a:r>
-              <a:rPr kumimoji="0" lang="en-US" sz="4000" b="1" i="0" u="none" strike="noStrike" kern="1200" cap="none" spc="0" normalizeH="0" baseline="0" noProof="0" dirty="0">
-                <a:ln>
-                  <a:noFill/>
-                </a:ln>
-                <a:solidFill>
-                  <a:schemeClr val="tx1"/>
-                </a:solidFill>
-                <a:effectLst/>
-                <a:uLnTx/>
-                <a:uFillTx/>
-                <a:latin typeface="Courier New" panose="02070309020205020404" pitchFamily="49" charset="0"/>
-                <a:ea typeface="+mn-ea"/>
-                <a:cs typeface="Courier New" panose="02070309020205020404" pitchFamily="49" charset="0"/>
-              </a:rPr>
-              <a:t>Touching Summary</a:t>
-            </a:r>
-          </a:p>
-        </p:txBody>
-      </p:sp>
-      <p:sp>
-        <p:nvSpPr>
-          <p:cNvPr id="3" name="TextBox 2">
-            <a:extLst>
-              <a:ext uri="{FF2B5EF4-FFF2-40B4-BE49-F238E27FC236}">
-                <a16:creationId xmlns:a16="http://schemas.microsoft.com/office/drawing/2014/main" id="{81857F25-F56D-9398-645A-87C1FA45C13D}"/>
-              </a:ext>
-            </a:extLst>
-          </p:cNvPr>
-          <p:cNvSpPr txBox="1"/>
-          <p:nvPr/>
-        </p:nvSpPr>
-        <p:spPr>
-          <a:xfrm>
-            <a:off x="1166018" y="1126459"/>
-            <a:ext cx="8695612" cy="4293483"/>
-          </a:xfrm>
-          <a:prstGeom prst="rect">
-            <a:avLst/>
-          </a:prstGeom>
-          <a:noFill/>
-        </p:spPr>
-        <p:txBody>
-          <a:bodyPr wrap="square">
-            <a:spAutoFit/>
-          </a:bodyPr>
-          <a:lstStyle/>
-          <a:p>
-            <a:pPr marL="514350" lvl="0" indent="-514350" rtl="0">
-              <a:lnSpc>
-                <a:spcPct val="200000"/>
-              </a:lnSpc>
-              <a:spcBef>
-                <a:spcPts val="0"/>
-              </a:spcBef>
-              <a:spcAft>
-                <a:spcPts val="0"/>
-              </a:spcAft>
-              <a:buClrTx/>
-              <a:buSzPct val="100000"/>
-              <a:buFont typeface="+mj-lt"/>
-              <a:buAutoNum type="arabicPeriod"/>
-            </a:pPr>
-            <a:r>
-              <a:rPr lang="en-US" sz="2800" dirty="0">
-                <a:latin typeface="Courier New" panose="02070309020205020404" pitchFamily="49" charset="0"/>
-                <a:cs typeface="Courier New" panose="02070309020205020404" pitchFamily="49" charset="0"/>
-              </a:rPr>
-              <a:t>Spoke about IKEA</a:t>
-            </a:r>
-          </a:p>
-          <a:p>
-            <a:pPr marL="514350" lvl="0" indent="-514350" rtl="0">
-              <a:lnSpc>
-                <a:spcPct val="200000"/>
-              </a:lnSpc>
-              <a:spcBef>
-                <a:spcPts val="0"/>
-              </a:spcBef>
-              <a:spcAft>
-                <a:spcPts val="0"/>
-              </a:spcAft>
-              <a:buClrTx/>
-              <a:buSzPct val="100000"/>
-              <a:buFont typeface="+mj-lt"/>
-              <a:buAutoNum type="arabicPeriod"/>
-            </a:pPr>
-            <a:r>
-              <a:rPr lang="en-US" sz="2800" dirty="0">
-                <a:latin typeface="Courier New" panose="02070309020205020404" pitchFamily="49" charset="0"/>
-                <a:cs typeface="Courier New" panose="02070309020205020404" pitchFamily="49" charset="0"/>
-              </a:rPr>
-              <a:t>Created a startup generator</a:t>
-            </a:r>
-          </a:p>
-          <a:p>
-            <a:pPr marL="514350" lvl="0" indent="-514350" rtl="0">
-              <a:lnSpc>
-                <a:spcPct val="200000"/>
-              </a:lnSpc>
-              <a:spcBef>
-                <a:spcPts val="0"/>
-              </a:spcBef>
-              <a:spcAft>
-                <a:spcPts val="0"/>
-              </a:spcAft>
-              <a:buClrTx/>
-              <a:buSzPct val="100000"/>
-              <a:buFont typeface="+mj-lt"/>
-              <a:buAutoNum type="arabicPeriod"/>
-            </a:pPr>
-            <a:r>
-              <a:rPr lang="en-US" sz="2800" dirty="0">
-                <a:latin typeface="Courier New" panose="02070309020205020404" pitchFamily="49" charset="0"/>
-                <a:cs typeface="Courier New" panose="02070309020205020404" pitchFamily="49" charset="0"/>
-              </a:rPr>
-              <a:t>Optimized it</a:t>
-            </a:r>
-          </a:p>
-          <a:p>
-            <a:pPr marL="514350" lvl="0" indent="-514350" rtl="0">
-              <a:lnSpc>
-                <a:spcPct val="200000"/>
-              </a:lnSpc>
-              <a:spcBef>
-                <a:spcPts val="0"/>
-              </a:spcBef>
-              <a:spcAft>
-                <a:spcPts val="0"/>
-              </a:spcAft>
-              <a:buClrTx/>
-              <a:buSzPct val="100000"/>
-              <a:buFont typeface="+mj-lt"/>
-              <a:buAutoNum type="arabicPeriod"/>
-            </a:pPr>
-            <a:endParaRPr lang="en-US" sz="2800" dirty="0">
-              <a:latin typeface="Courier New" panose="02070309020205020404" pitchFamily="49" charset="0"/>
-              <a:cs typeface="Courier New" panose="02070309020205020404" pitchFamily="49" charset="0"/>
-            </a:endParaRPr>
-          </a:p>
-          <a:p>
-            <a:pPr lvl="0" rtl="0">
-              <a:lnSpc>
-                <a:spcPct val="200000"/>
-              </a:lnSpc>
-              <a:spcBef>
-                <a:spcPts val="0"/>
-              </a:spcBef>
-              <a:spcAft>
-                <a:spcPts val="0"/>
-              </a:spcAft>
-              <a:buClrTx/>
-              <a:buSzPct val="100000"/>
-            </a:pPr>
-            <a:r>
-              <a:rPr lang="en-US" sz="2800" dirty="0">
-                <a:latin typeface="Courier New" panose="02070309020205020404" pitchFamily="49" charset="0"/>
-                <a:cs typeface="Courier New" panose="02070309020205020404" pitchFamily="49" charset="0"/>
-              </a:rPr>
-              <a:t>Be friends with your build tools</a:t>
-            </a:r>
-          </a:p>
-        </p:txBody>
-      </p:sp>
-    </p:spTree>
-    <p:extLst>
-      <p:ext uri="{BB962C8B-B14F-4D97-AF65-F5344CB8AC3E}">
-        <p14:creationId xmlns:p14="http://schemas.microsoft.com/office/powerpoint/2010/main" val="943863874"/>
-      </p:ext>
-    </p:extLst>
-  </p:cSld>
-  <p:clrMapOvr>
-    <a:masterClrMapping/>
-  </p:clrMapOvr>
-  <p:timing>
-    <p:tnLst>
-      <p:par>
-        <p:cTn id="1" dur="indefinite" restart="never" nodeType="tmRoot">
-          <p:childTnLst>
-            <p:seq concurrent="1" nextAc="seek">
-              <p:cTn id="2" dur="indefinite" nodeType="mainSeq">
-                <p:childTnLst>
-                  <p:par>
-                    <p:cTn id="3" fill="hold">
-                      <p:stCondLst>
-                        <p:cond delay="indefinite"/>
-                        <p:cond evt="onBegin" delay="0">
-                          <p:tn val="2"/>
-                        </p:cond>
-                      </p:stCondLst>
-                      <p:childTnLst>
-                        <p:par>
-                          <p:cTn id="4" fill="hold">
-                            <p:stCondLst>
-                              <p:cond delay="0"/>
-                            </p:stCondLst>
-                            <p:childTnLst>
-                              <p:par>
-                                <p:cTn id="5" presetID="1" presetClass="entr" presetSubtype="0" fill="hold" grpId="0" nodeType="withEffect">
-                                  <p:stCondLst>
-                                    <p:cond delay="0"/>
-                                  </p:stCondLst>
-                                  <p:childTnLst>
-                                    <p:set>
-                                      <p:cBhvr>
-                                        <p:cTn id="6" dur="1" fill="hold">
-                                          <p:stCondLst>
-                                            <p:cond delay="0"/>
-                                          </p:stCondLst>
-                                        </p:cTn>
-                                        <p:tgtEl>
-                                          <p:spTgt spid="3"/>
-                                        </p:tgtEl>
-                                        <p:attrNameLst>
-                                          <p:attrName>style.visibility</p:attrName>
-                                        </p:attrNameLst>
-                                      </p:cBhvr>
-                                      <p:to>
-                                        <p:strVal val="visible"/>
-                                      </p:to>
-                                    </p:set>
-                                  </p:childTnLst>
-                                </p:cTn>
-                              </p:par>
-                            </p:childTnLst>
-                          </p:cTn>
-                        </p:par>
-                      </p:childTnLst>
-                    </p:cTn>
-                  </p:par>
-                </p:childTnLst>
-              </p:cTn>
-              <p:prevCondLst>
-                <p:cond evt="onPrev" delay="0">
-                  <p:tgtEl>
-                    <p:sldTgt/>
-                  </p:tgtEl>
-                </p:cond>
-              </p:prevCondLst>
-              <p:nextCondLst>
-                <p:cond evt="onNext" delay="0">
-                  <p:tgtEl>
-                    <p:sldTgt/>
-                  </p:tgtEl>
-                </p:cond>
-              </p:nextCondLst>
-            </p:seq>
-          </p:childTnLst>
-        </p:cTn>
-      </p:par>
-    </p:tnLst>
-    <p:bldLst>
-      <p:bldP spid="3" grpId="0"/>
-    </p:bldLst>
-  </p:timing>
-</p:sld>
-</file>
-
-<file path=ppt/slides/slide19.xml><?xml version="1.0" encoding="utf-8"?>
 <p:sld xmlns:a="http://schemas.openxmlformats.org/drawingml/2006/main" xmlns:r="http://schemas.openxmlformats.org/officeDocument/2006/relationships" xmlns:p="http://schemas.openxmlformats.org/presentationml/2006/main">
   <p:cSld>
     <p:spTree>
@@ -8559,6 +8513,18 @@
                 </a:rPr>
                 <a:t>frogrammer.net</a:t>
               </a:r>
+              <a:r>
+                <a:rPr lang="en-US" b="0" i="0" u="none" strike="noStrike" cap="none" dirty="0">
+                  <a:solidFill>
+                    <a:srgbClr val="000000"/>
+                  </a:solidFill>
+                  <a:latin typeface="Courier New" panose="02070309020205020404" pitchFamily="49" charset="0"/>
+                  <a:ea typeface="Chakra Petch Medium"/>
+                  <a:cs typeface="Courier New" panose="02070309020205020404" pitchFamily="49" charset="0"/>
+                  <a:sym typeface="Chakra Petch Medium"/>
+                </a:rPr>
+                <a:t>            We Are Hiring!</a:t>
+              </a:r>
               <a:endParaRPr sz="700" b="0" i="0" u="none" strike="noStrike" cap="none" dirty="0">
                 <a:solidFill>
                   <a:schemeClr val="dk1"/>
@@ -8946,8 +8912,8 @@
         </p:blipFill>
         <p:spPr>
           <a:xfrm>
-            <a:off x="2919810" y="1169043"/>
-            <a:ext cx="6816085" cy="4311233"/>
+            <a:off x="2058894" y="899830"/>
+            <a:ext cx="8377661" cy="5298943"/>
           </a:xfrm>
           <a:prstGeom prst="rect">
             <a:avLst/>
@@ -9305,7 +9271,7 @@
         <p:spPr>
           <a:xfrm>
             <a:off x="327997" y="191944"/>
-            <a:ext cx="2959934" cy="2554545"/>
+            <a:ext cx="10019770" cy="707886"/>
           </a:xfrm>
           <a:prstGeom prst="rect">
             <a:avLst/>
@@ -9574,8 +9540,8 @@
         </p:blipFill>
         <p:spPr>
           <a:xfrm>
-            <a:off x="3687418" y="191944"/>
-            <a:ext cx="4682687" cy="2948767"/>
+            <a:off x="4494743" y="1082233"/>
+            <a:ext cx="3338415" cy="2102256"/>
           </a:xfrm>
           <a:prstGeom prst="rect">
             <a:avLst/>
@@ -10720,8 +10686,8 @@
         </p:nvSpPr>
         <p:spPr>
           <a:xfrm>
-            <a:off x="836562" y="899830"/>
-            <a:ext cx="8242080" cy="3724096"/>
+            <a:off x="836561" y="899830"/>
+            <a:ext cx="9974771" cy="3724096"/>
           </a:xfrm>
           <a:prstGeom prst="rect">
             <a:avLst/>
@@ -10778,6 +10744,20 @@
               </a:rPr>
               <a:t>Optimize a component library</a:t>
             </a:r>
+            <a:r>
+              <a:rPr lang="he-IL" sz="3200" dirty="0">
+                <a:latin typeface="Courier New" panose="02070309020205020404" pitchFamily="49" charset="0"/>
+                <a:cs typeface="Courier New" panose="02070309020205020404" pitchFamily="49" charset="0"/>
+              </a:rPr>
+              <a:t>  )</a:t>
+            </a:r>
+            <a:r>
+              <a:rPr lang="en-US" sz="3200" dirty="0">
+                <a:latin typeface="Courier New" panose="02070309020205020404" pitchFamily="49" charset="0"/>
+                <a:cs typeface="Courier New" panose="02070309020205020404" pitchFamily="49" charset="0"/>
+              </a:rPr>
+              <a:t>Coding)</a:t>
+            </a:r>
           </a:p>
           <a:p>
             <a:pPr marL="342900" indent="-342900" algn="l" rtl="0">
@@ -10791,7 +10771,7 @@
                 <a:latin typeface="Courier New" panose="02070309020205020404" pitchFamily="49" charset="0"/>
                 <a:cs typeface="Courier New" panose="02070309020205020404" pitchFamily="49" charset="0"/>
               </a:rPr>
-              <a:t>Tooling</a:t>
+              <a:t>Checklist</a:t>
             </a:r>
           </a:p>
           <a:p>
@@ -11332,6 +11312,2206 @@
           </a:p>
         </p:txBody>
       </p:sp>
+      <p:pic>
+        <p:nvPicPr>
+          <p:cNvPr id="14" name="Picture 13">
+            <a:extLst>
+              <a:ext uri="{FF2B5EF4-FFF2-40B4-BE49-F238E27FC236}">
+                <a16:creationId xmlns:a16="http://schemas.microsoft.com/office/drawing/2014/main" id="{DCAB9220-B251-9C00-BFE1-87FEEC4E5314}"/>
+              </a:ext>
+            </a:extLst>
+          </p:cNvPr>
+          <p:cNvPicPr>
+            <a:picLocks noChangeAspect="1"/>
+          </p:cNvPicPr>
+          <p:nvPr/>
+        </p:nvPicPr>
+        <p:blipFill>
+          <a:blip r:embed="rId3"/>
+          <a:stretch>
+            <a:fillRect/>
+          </a:stretch>
+        </p:blipFill>
+        <p:spPr>
+          <a:xfrm>
+            <a:off x="6696777" y="2921647"/>
+            <a:ext cx="4982751" cy="3137722"/>
+          </a:xfrm>
+          <a:prstGeom prst="rect">
+            <a:avLst/>
+          </a:prstGeom>
+        </p:spPr>
+      </p:pic>
+      <p:pic>
+        <p:nvPicPr>
+          <p:cNvPr id="15" name="Picture 14">
+            <a:extLst>
+              <a:ext uri="{FF2B5EF4-FFF2-40B4-BE49-F238E27FC236}">
+                <a16:creationId xmlns:a16="http://schemas.microsoft.com/office/drawing/2014/main" id="{23865F38-C872-6F52-D3EF-76A1BCEE2FCE}"/>
+              </a:ext>
+            </a:extLst>
+          </p:cNvPr>
+          <p:cNvPicPr>
+            <a:picLocks noChangeAspect="1"/>
+          </p:cNvPicPr>
+          <p:nvPr/>
+        </p:nvPicPr>
+        <p:blipFill>
+          <a:blip r:embed="rId4"/>
+          <a:stretch>
+            <a:fillRect/>
+          </a:stretch>
+        </p:blipFill>
+        <p:spPr>
+          <a:xfrm>
+            <a:off x="964605" y="2982403"/>
+            <a:ext cx="4741052" cy="2975767"/>
+          </a:xfrm>
+          <a:prstGeom prst="rect">
+            <a:avLst/>
+          </a:prstGeom>
+          <a:ln w="190500" cap="sq">
+            <a:solidFill>
+              <a:srgbClr val="C8C6BD"/>
+            </a:solidFill>
+            <a:prstDash val="solid"/>
+            <a:miter lim="800000"/>
+          </a:ln>
+          <a:effectLst>
+            <a:outerShdw blurRad="254000" algn="bl" rotWithShape="0">
+              <a:srgbClr val="000000">
+                <a:alpha val="43000"/>
+              </a:srgbClr>
+            </a:outerShdw>
+          </a:effectLst>
+          <a:scene3d>
+            <a:camera prst="perspectiveFront" fov="5400000"/>
+            <a:lightRig rig="threePt" dir="t">
+              <a:rot lat="0" lon="0" rev="2100000"/>
+            </a:lightRig>
+          </a:scene3d>
+          <a:sp3d extrusionH="25400">
+            <a:bevelT w="304800" h="152400" prst="hardEdge"/>
+            <a:extrusionClr>
+              <a:srgbClr val="000000"/>
+            </a:extrusionClr>
+          </a:sp3d>
+        </p:spPr>
+      </p:pic>
+      <p:sp>
+        <p:nvSpPr>
+          <p:cNvPr id="16" name="Freeform 15">
+            <a:extLst>
+              <a:ext uri="{FF2B5EF4-FFF2-40B4-BE49-F238E27FC236}">
+                <a16:creationId xmlns:a16="http://schemas.microsoft.com/office/drawing/2014/main" id="{A9806D7F-4C40-78E2-6891-1D341632A98A}"/>
+              </a:ext>
+            </a:extLst>
+          </p:cNvPr>
+          <p:cNvSpPr/>
+          <p:nvPr/>
+        </p:nvSpPr>
+        <p:spPr>
+          <a:xfrm>
+            <a:off x="5046562" y="2754775"/>
+            <a:ext cx="4051139" cy="2037144"/>
+          </a:xfrm>
+          <a:custGeom>
+            <a:avLst/>
+            <a:gdLst>
+              <a:gd name="connsiteX0" fmla="*/ 162046 w 4051139"/>
+              <a:gd name="connsiteY0" fmla="*/ 1597306 h 2037144"/>
+              <a:gd name="connsiteX1" fmla="*/ 254643 w 4051139"/>
+              <a:gd name="connsiteY1" fmla="*/ 1608881 h 2037144"/>
+              <a:gd name="connsiteX2" fmla="*/ 891251 w 4051139"/>
+              <a:gd name="connsiteY2" fmla="*/ 1597306 h 2037144"/>
+              <a:gd name="connsiteX3" fmla="*/ 925975 w 4051139"/>
+              <a:gd name="connsiteY3" fmla="*/ 1585731 h 2037144"/>
+              <a:gd name="connsiteX4" fmla="*/ 1006997 w 4051139"/>
+              <a:gd name="connsiteY4" fmla="*/ 1539433 h 2037144"/>
+              <a:gd name="connsiteX5" fmla="*/ 1041722 w 4051139"/>
+              <a:gd name="connsiteY5" fmla="*/ 1527858 h 2037144"/>
+              <a:gd name="connsiteX6" fmla="*/ 1099595 w 4051139"/>
+              <a:gd name="connsiteY6" fmla="*/ 1481559 h 2037144"/>
+              <a:gd name="connsiteX7" fmla="*/ 1134319 w 4051139"/>
+              <a:gd name="connsiteY7" fmla="*/ 1458410 h 2037144"/>
+              <a:gd name="connsiteX8" fmla="*/ 1157468 w 4051139"/>
+              <a:gd name="connsiteY8" fmla="*/ 1423686 h 2037144"/>
+              <a:gd name="connsiteX9" fmla="*/ 1226916 w 4051139"/>
+              <a:gd name="connsiteY9" fmla="*/ 1342663 h 2037144"/>
+              <a:gd name="connsiteX10" fmla="*/ 1250066 w 4051139"/>
+              <a:gd name="connsiteY10" fmla="*/ 1296364 h 2037144"/>
+              <a:gd name="connsiteX11" fmla="*/ 1296365 w 4051139"/>
+              <a:gd name="connsiteY11" fmla="*/ 1226916 h 2037144"/>
+              <a:gd name="connsiteX12" fmla="*/ 1342663 w 4051139"/>
+              <a:gd name="connsiteY12" fmla="*/ 1134319 h 2037144"/>
+              <a:gd name="connsiteX13" fmla="*/ 1388962 w 4051139"/>
+              <a:gd name="connsiteY13" fmla="*/ 1041721 h 2037144"/>
+              <a:gd name="connsiteX14" fmla="*/ 1458410 w 4051139"/>
+              <a:gd name="connsiteY14" fmla="*/ 937549 h 2037144"/>
+              <a:gd name="connsiteX15" fmla="*/ 1504709 w 4051139"/>
+              <a:gd name="connsiteY15" fmla="*/ 833377 h 2037144"/>
+              <a:gd name="connsiteX16" fmla="*/ 1516284 w 4051139"/>
+              <a:gd name="connsiteY16" fmla="*/ 798653 h 2037144"/>
+              <a:gd name="connsiteX17" fmla="*/ 1562582 w 4051139"/>
+              <a:gd name="connsiteY17" fmla="*/ 729205 h 2037144"/>
+              <a:gd name="connsiteX18" fmla="*/ 1585732 w 4051139"/>
+              <a:gd name="connsiteY18" fmla="*/ 682906 h 2037144"/>
+              <a:gd name="connsiteX19" fmla="*/ 1678329 w 4051139"/>
+              <a:gd name="connsiteY19" fmla="*/ 590309 h 2037144"/>
+              <a:gd name="connsiteX20" fmla="*/ 1736203 w 4051139"/>
+              <a:gd name="connsiteY20" fmla="*/ 532435 h 2037144"/>
+              <a:gd name="connsiteX21" fmla="*/ 1759352 w 4051139"/>
+              <a:gd name="connsiteY21" fmla="*/ 497711 h 2037144"/>
+              <a:gd name="connsiteX22" fmla="*/ 1828800 w 4051139"/>
+              <a:gd name="connsiteY22" fmla="*/ 451412 h 2037144"/>
+              <a:gd name="connsiteX23" fmla="*/ 1898248 w 4051139"/>
+              <a:gd name="connsiteY23" fmla="*/ 405114 h 2037144"/>
+              <a:gd name="connsiteX24" fmla="*/ 2002420 w 4051139"/>
+              <a:gd name="connsiteY24" fmla="*/ 335666 h 2037144"/>
+              <a:gd name="connsiteX25" fmla="*/ 2071868 w 4051139"/>
+              <a:gd name="connsiteY25" fmla="*/ 289367 h 2037144"/>
+              <a:gd name="connsiteX26" fmla="*/ 2152891 w 4051139"/>
+              <a:gd name="connsiteY26" fmla="*/ 266217 h 2037144"/>
+              <a:gd name="connsiteX27" fmla="*/ 2199190 w 4051139"/>
+              <a:gd name="connsiteY27" fmla="*/ 254643 h 2037144"/>
+              <a:gd name="connsiteX28" fmla="*/ 2314937 w 4051139"/>
+              <a:gd name="connsiteY28" fmla="*/ 219919 h 2037144"/>
+              <a:gd name="connsiteX29" fmla="*/ 2407534 w 4051139"/>
+              <a:gd name="connsiteY29" fmla="*/ 208344 h 2037144"/>
+              <a:gd name="connsiteX30" fmla="*/ 2789499 w 4051139"/>
+              <a:gd name="connsiteY30" fmla="*/ 219919 h 2037144"/>
+              <a:gd name="connsiteX31" fmla="*/ 2963119 w 4051139"/>
+              <a:gd name="connsiteY31" fmla="*/ 243068 h 2037144"/>
+              <a:gd name="connsiteX32" fmla="*/ 3078866 w 4051139"/>
+              <a:gd name="connsiteY32" fmla="*/ 254643 h 2037144"/>
+              <a:gd name="connsiteX33" fmla="*/ 3125165 w 4051139"/>
+              <a:gd name="connsiteY33" fmla="*/ 266217 h 2037144"/>
+              <a:gd name="connsiteX34" fmla="*/ 3159889 w 4051139"/>
+              <a:gd name="connsiteY34" fmla="*/ 277792 h 2037144"/>
+              <a:gd name="connsiteX35" fmla="*/ 3264061 w 4051139"/>
+              <a:gd name="connsiteY35" fmla="*/ 300941 h 2037144"/>
+              <a:gd name="connsiteX36" fmla="*/ 3333509 w 4051139"/>
+              <a:gd name="connsiteY36" fmla="*/ 324091 h 2037144"/>
+              <a:gd name="connsiteX37" fmla="*/ 3449256 w 4051139"/>
+              <a:gd name="connsiteY37" fmla="*/ 358815 h 2037144"/>
+              <a:gd name="connsiteX38" fmla="*/ 3530279 w 4051139"/>
+              <a:gd name="connsiteY38" fmla="*/ 416688 h 2037144"/>
+              <a:gd name="connsiteX39" fmla="*/ 3576577 w 4051139"/>
+              <a:gd name="connsiteY39" fmla="*/ 439838 h 2037144"/>
+              <a:gd name="connsiteX40" fmla="*/ 3657600 w 4051139"/>
+              <a:gd name="connsiteY40" fmla="*/ 497711 h 2037144"/>
+              <a:gd name="connsiteX41" fmla="*/ 3692324 w 4051139"/>
+              <a:gd name="connsiteY41" fmla="*/ 520860 h 2037144"/>
+              <a:gd name="connsiteX42" fmla="*/ 3750197 w 4051139"/>
+              <a:gd name="connsiteY42" fmla="*/ 578734 h 2037144"/>
+              <a:gd name="connsiteX43" fmla="*/ 3784922 w 4051139"/>
+              <a:gd name="connsiteY43" fmla="*/ 613458 h 2037144"/>
+              <a:gd name="connsiteX44" fmla="*/ 3831220 w 4051139"/>
+              <a:gd name="connsiteY44" fmla="*/ 659757 h 2037144"/>
+              <a:gd name="connsiteX45" fmla="*/ 3865944 w 4051139"/>
+              <a:gd name="connsiteY45" fmla="*/ 694481 h 2037144"/>
+              <a:gd name="connsiteX46" fmla="*/ 3889094 w 4051139"/>
+              <a:gd name="connsiteY46" fmla="*/ 729205 h 2037144"/>
+              <a:gd name="connsiteX47" fmla="*/ 3946967 w 4051139"/>
+              <a:gd name="connsiteY47" fmla="*/ 810228 h 2037144"/>
+              <a:gd name="connsiteX48" fmla="*/ 4016415 w 4051139"/>
+              <a:gd name="connsiteY48" fmla="*/ 972273 h 2037144"/>
+              <a:gd name="connsiteX49" fmla="*/ 4051139 w 4051139"/>
+              <a:gd name="connsiteY49" fmla="*/ 1076445 h 2037144"/>
+              <a:gd name="connsiteX50" fmla="*/ 4027990 w 4051139"/>
+              <a:gd name="connsiteY50" fmla="*/ 1342663 h 2037144"/>
+              <a:gd name="connsiteX51" fmla="*/ 4016415 w 4051139"/>
+              <a:gd name="connsiteY51" fmla="*/ 1377387 h 2037144"/>
+              <a:gd name="connsiteX52" fmla="*/ 3981691 w 4051139"/>
+              <a:gd name="connsiteY52" fmla="*/ 1423686 h 2037144"/>
+              <a:gd name="connsiteX53" fmla="*/ 3935392 w 4051139"/>
+              <a:gd name="connsiteY53" fmla="*/ 1481559 h 2037144"/>
+              <a:gd name="connsiteX54" fmla="*/ 3842795 w 4051139"/>
+              <a:gd name="connsiteY54" fmla="*/ 1527858 h 2037144"/>
+              <a:gd name="connsiteX55" fmla="*/ 3796496 w 4051139"/>
+              <a:gd name="connsiteY55" fmla="*/ 1551007 h 2037144"/>
+              <a:gd name="connsiteX56" fmla="*/ 3761772 w 4051139"/>
+              <a:gd name="connsiteY56" fmla="*/ 1562582 h 2037144"/>
+              <a:gd name="connsiteX57" fmla="*/ 3657600 w 4051139"/>
+              <a:gd name="connsiteY57" fmla="*/ 1620455 h 2037144"/>
+              <a:gd name="connsiteX58" fmla="*/ 3460830 w 4051139"/>
+              <a:gd name="connsiteY58" fmla="*/ 1666754 h 2037144"/>
+              <a:gd name="connsiteX59" fmla="*/ 3402957 w 4051139"/>
+              <a:gd name="connsiteY59" fmla="*/ 1678329 h 2037144"/>
+              <a:gd name="connsiteX60" fmla="*/ 3333509 w 4051139"/>
+              <a:gd name="connsiteY60" fmla="*/ 1701478 h 2037144"/>
+              <a:gd name="connsiteX61" fmla="*/ 3229337 w 4051139"/>
+              <a:gd name="connsiteY61" fmla="*/ 1724628 h 2037144"/>
+              <a:gd name="connsiteX62" fmla="*/ 3183038 w 4051139"/>
+              <a:gd name="connsiteY62" fmla="*/ 1747777 h 2037144"/>
+              <a:gd name="connsiteX63" fmla="*/ 3102015 w 4051139"/>
+              <a:gd name="connsiteY63" fmla="*/ 1770926 h 2037144"/>
+              <a:gd name="connsiteX64" fmla="*/ 3067291 w 4051139"/>
+              <a:gd name="connsiteY64" fmla="*/ 1782501 h 2037144"/>
+              <a:gd name="connsiteX65" fmla="*/ 2951544 w 4051139"/>
+              <a:gd name="connsiteY65" fmla="*/ 1805650 h 2037144"/>
+              <a:gd name="connsiteX66" fmla="*/ 2905246 w 4051139"/>
+              <a:gd name="connsiteY66" fmla="*/ 1817225 h 2037144"/>
+              <a:gd name="connsiteX67" fmla="*/ 2743200 w 4051139"/>
+              <a:gd name="connsiteY67" fmla="*/ 1828800 h 2037144"/>
+              <a:gd name="connsiteX68" fmla="*/ 2604304 w 4051139"/>
+              <a:gd name="connsiteY68" fmla="*/ 1840374 h 2037144"/>
+              <a:gd name="connsiteX69" fmla="*/ 2407534 w 4051139"/>
+              <a:gd name="connsiteY69" fmla="*/ 1863524 h 2037144"/>
+              <a:gd name="connsiteX70" fmla="*/ 2095018 w 4051139"/>
+              <a:gd name="connsiteY70" fmla="*/ 1851949 h 2037144"/>
+              <a:gd name="connsiteX71" fmla="*/ 1956122 w 4051139"/>
+              <a:gd name="connsiteY71" fmla="*/ 1828800 h 2037144"/>
+              <a:gd name="connsiteX72" fmla="*/ 1921397 w 4051139"/>
+              <a:gd name="connsiteY72" fmla="*/ 1805650 h 2037144"/>
+              <a:gd name="connsiteX73" fmla="*/ 1875099 w 4051139"/>
+              <a:gd name="connsiteY73" fmla="*/ 1782501 h 2037144"/>
+              <a:gd name="connsiteX74" fmla="*/ 1794076 w 4051139"/>
+              <a:gd name="connsiteY74" fmla="*/ 1724628 h 2037144"/>
+              <a:gd name="connsiteX75" fmla="*/ 1759352 w 4051139"/>
+              <a:gd name="connsiteY75" fmla="*/ 1701478 h 2037144"/>
+              <a:gd name="connsiteX76" fmla="*/ 1666754 w 4051139"/>
+              <a:gd name="connsiteY76" fmla="*/ 1632030 h 2037144"/>
+              <a:gd name="connsiteX77" fmla="*/ 1632030 w 4051139"/>
+              <a:gd name="connsiteY77" fmla="*/ 1585731 h 2037144"/>
+              <a:gd name="connsiteX78" fmla="*/ 1562582 w 4051139"/>
+              <a:gd name="connsiteY78" fmla="*/ 1516283 h 2037144"/>
+              <a:gd name="connsiteX79" fmla="*/ 1516284 w 4051139"/>
+              <a:gd name="connsiteY79" fmla="*/ 1365812 h 2037144"/>
+              <a:gd name="connsiteX80" fmla="*/ 1539433 w 4051139"/>
+              <a:gd name="connsiteY80" fmla="*/ 1134319 h 2037144"/>
+              <a:gd name="connsiteX81" fmla="*/ 1574157 w 4051139"/>
+              <a:gd name="connsiteY81" fmla="*/ 1064871 h 2037144"/>
+              <a:gd name="connsiteX82" fmla="*/ 1597306 w 4051139"/>
+              <a:gd name="connsiteY82" fmla="*/ 972273 h 2037144"/>
+              <a:gd name="connsiteX83" fmla="*/ 1632030 w 4051139"/>
+              <a:gd name="connsiteY83" fmla="*/ 902825 h 2037144"/>
+              <a:gd name="connsiteX84" fmla="*/ 1701479 w 4051139"/>
+              <a:gd name="connsiteY84" fmla="*/ 752354 h 2037144"/>
+              <a:gd name="connsiteX85" fmla="*/ 1747777 w 4051139"/>
+              <a:gd name="connsiteY85" fmla="*/ 682906 h 2037144"/>
+              <a:gd name="connsiteX86" fmla="*/ 1851949 w 4051139"/>
+              <a:gd name="connsiteY86" fmla="*/ 520860 h 2037144"/>
+              <a:gd name="connsiteX87" fmla="*/ 1909823 w 4051139"/>
+              <a:gd name="connsiteY87" fmla="*/ 439838 h 2037144"/>
+              <a:gd name="connsiteX88" fmla="*/ 2060294 w 4051139"/>
+              <a:gd name="connsiteY88" fmla="*/ 312516 h 2037144"/>
+              <a:gd name="connsiteX89" fmla="*/ 2118167 w 4051139"/>
+              <a:gd name="connsiteY89" fmla="*/ 266217 h 2037144"/>
+              <a:gd name="connsiteX90" fmla="*/ 2187615 w 4051139"/>
+              <a:gd name="connsiteY90" fmla="*/ 231493 h 2037144"/>
+              <a:gd name="connsiteX91" fmla="*/ 2395960 w 4051139"/>
+              <a:gd name="connsiteY91" fmla="*/ 150471 h 2037144"/>
+              <a:gd name="connsiteX92" fmla="*/ 2465408 w 4051139"/>
+              <a:gd name="connsiteY92" fmla="*/ 138896 h 2037144"/>
+              <a:gd name="connsiteX93" fmla="*/ 2639028 w 4051139"/>
+              <a:gd name="connsiteY93" fmla="*/ 115747 h 2037144"/>
+              <a:gd name="connsiteX94" fmla="*/ 2974694 w 4051139"/>
+              <a:gd name="connsiteY94" fmla="*/ 127321 h 2037144"/>
+              <a:gd name="connsiteX95" fmla="*/ 3183038 w 4051139"/>
+              <a:gd name="connsiteY95" fmla="*/ 150471 h 2037144"/>
+              <a:gd name="connsiteX96" fmla="*/ 3252486 w 4051139"/>
+              <a:gd name="connsiteY96" fmla="*/ 173620 h 2037144"/>
+              <a:gd name="connsiteX97" fmla="*/ 3449256 w 4051139"/>
+              <a:gd name="connsiteY97" fmla="*/ 266217 h 2037144"/>
+              <a:gd name="connsiteX98" fmla="*/ 3518704 w 4051139"/>
+              <a:gd name="connsiteY98" fmla="*/ 312516 h 2037144"/>
+              <a:gd name="connsiteX99" fmla="*/ 3576577 w 4051139"/>
+              <a:gd name="connsiteY99" fmla="*/ 347240 h 2037144"/>
+              <a:gd name="connsiteX100" fmla="*/ 3703899 w 4051139"/>
+              <a:gd name="connsiteY100" fmla="*/ 486136 h 2037144"/>
+              <a:gd name="connsiteX101" fmla="*/ 3738623 w 4051139"/>
+              <a:gd name="connsiteY101" fmla="*/ 544010 h 2037144"/>
+              <a:gd name="connsiteX102" fmla="*/ 3831220 w 4051139"/>
+              <a:gd name="connsiteY102" fmla="*/ 682906 h 2037144"/>
+              <a:gd name="connsiteX103" fmla="*/ 3889094 w 4051139"/>
+              <a:gd name="connsiteY103" fmla="*/ 833377 h 2037144"/>
+              <a:gd name="connsiteX104" fmla="*/ 3946967 w 4051139"/>
+              <a:gd name="connsiteY104" fmla="*/ 1006997 h 2037144"/>
+              <a:gd name="connsiteX105" fmla="*/ 3958542 w 4051139"/>
+              <a:gd name="connsiteY105" fmla="*/ 1076445 h 2037144"/>
+              <a:gd name="connsiteX106" fmla="*/ 3935392 w 4051139"/>
+              <a:gd name="connsiteY106" fmla="*/ 1307939 h 2037144"/>
+              <a:gd name="connsiteX107" fmla="*/ 3865944 w 4051139"/>
+              <a:gd name="connsiteY107" fmla="*/ 1481559 h 2037144"/>
+              <a:gd name="connsiteX108" fmla="*/ 3819646 w 4051139"/>
+              <a:gd name="connsiteY108" fmla="*/ 1585731 h 2037144"/>
+              <a:gd name="connsiteX109" fmla="*/ 3692324 w 4051139"/>
+              <a:gd name="connsiteY109" fmla="*/ 1724628 h 2037144"/>
+              <a:gd name="connsiteX110" fmla="*/ 3611301 w 4051139"/>
+              <a:gd name="connsiteY110" fmla="*/ 1794076 h 2037144"/>
+              <a:gd name="connsiteX111" fmla="*/ 3565003 w 4051139"/>
+              <a:gd name="connsiteY111" fmla="*/ 1828800 h 2037144"/>
+              <a:gd name="connsiteX112" fmla="*/ 3495554 w 4051139"/>
+              <a:gd name="connsiteY112" fmla="*/ 1851949 h 2037144"/>
+              <a:gd name="connsiteX113" fmla="*/ 3426106 w 4051139"/>
+              <a:gd name="connsiteY113" fmla="*/ 1886673 h 2037144"/>
+              <a:gd name="connsiteX114" fmla="*/ 3356658 w 4051139"/>
+              <a:gd name="connsiteY114" fmla="*/ 1909822 h 2037144"/>
+              <a:gd name="connsiteX115" fmla="*/ 3298785 w 4051139"/>
+              <a:gd name="connsiteY115" fmla="*/ 1932972 h 2037144"/>
+              <a:gd name="connsiteX116" fmla="*/ 3217762 w 4051139"/>
+              <a:gd name="connsiteY116" fmla="*/ 1944547 h 2037144"/>
+              <a:gd name="connsiteX117" fmla="*/ 3148314 w 4051139"/>
+              <a:gd name="connsiteY117" fmla="*/ 1967696 h 2037144"/>
+              <a:gd name="connsiteX118" fmla="*/ 2997843 w 4051139"/>
+              <a:gd name="connsiteY118" fmla="*/ 1990845 h 2037144"/>
+              <a:gd name="connsiteX119" fmla="*/ 2442258 w 4051139"/>
+              <a:gd name="connsiteY119" fmla="*/ 1979271 h 2037144"/>
+              <a:gd name="connsiteX120" fmla="*/ 2361235 w 4051139"/>
+              <a:gd name="connsiteY120" fmla="*/ 1967696 h 2037144"/>
+              <a:gd name="connsiteX121" fmla="*/ 2199190 w 4051139"/>
+              <a:gd name="connsiteY121" fmla="*/ 1944547 h 2037144"/>
+              <a:gd name="connsiteX122" fmla="*/ 2037144 w 4051139"/>
+              <a:gd name="connsiteY122" fmla="*/ 1898248 h 2037144"/>
+              <a:gd name="connsiteX123" fmla="*/ 1944547 w 4051139"/>
+              <a:gd name="connsiteY123" fmla="*/ 1875098 h 2037144"/>
+              <a:gd name="connsiteX124" fmla="*/ 1794076 w 4051139"/>
+              <a:gd name="connsiteY124" fmla="*/ 1817225 h 2037144"/>
+              <a:gd name="connsiteX125" fmla="*/ 1678329 w 4051139"/>
+              <a:gd name="connsiteY125" fmla="*/ 1759352 h 2037144"/>
+              <a:gd name="connsiteX126" fmla="*/ 1574157 w 4051139"/>
+              <a:gd name="connsiteY126" fmla="*/ 1689903 h 2037144"/>
+              <a:gd name="connsiteX127" fmla="*/ 1504709 w 4051139"/>
+              <a:gd name="connsiteY127" fmla="*/ 1597306 h 2037144"/>
+              <a:gd name="connsiteX128" fmla="*/ 1469985 w 4051139"/>
+              <a:gd name="connsiteY128" fmla="*/ 1493134 h 2037144"/>
+              <a:gd name="connsiteX129" fmla="*/ 1458410 w 4051139"/>
+              <a:gd name="connsiteY129" fmla="*/ 1458410 h 2037144"/>
+              <a:gd name="connsiteX130" fmla="*/ 1469985 w 4051139"/>
+              <a:gd name="connsiteY130" fmla="*/ 1192192 h 2037144"/>
+              <a:gd name="connsiteX131" fmla="*/ 1551008 w 4051139"/>
+              <a:gd name="connsiteY131" fmla="*/ 902825 h 2037144"/>
+              <a:gd name="connsiteX132" fmla="*/ 1574157 w 4051139"/>
+              <a:gd name="connsiteY132" fmla="*/ 833377 h 2037144"/>
+              <a:gd name="connsiteX133" fmla="*/ 1643605 w 4051139"/>
+              <a:gd name="connsiteY133" fmla="*/ 717630 h 2037144"/>
+              <a:gd name="connsiteX134" fmla="*/ 1666754 w 4051139"/>
+              <a:gd name="connsiteY134" fmla="*/ 659757 h 2037144"/>
+              <a:gd name="connsiteX135" fmla="*/ 1701479 w 4051139"/>
+              <a:gd name="connsiteY135" fmla="*/ 601883 h 2037144"/>
+              <a:gd name="connsiteX136" fmla="*/ 1724628 w 4051139"/>
+              <a:gd name="connsiteY136" fmla="*/ 532435 h 2037144"/>
+              <a:gd name="connsiteX137" fmla="*/ 1805651 w 4051139"/>
+              <a:gd name="connsiteY137" fmla="*/ 416688 h 2037144"/>
+              <a:gd name="connsiteX138" fmla="*/ 1863524 w 4051139"/>
+              <a:gd name="connsiteY138" fmla="*/ 335666 h 2037144"/>
+              <a:gd name="connsiteX139" fmla="*/ 1909823 w 4051139"/>
+              <a:gd name="connsiteY139" fmla="*/ 289367 h 2037144"/>
+              <a:gd name="connsiteX140" fmla="*/ 1932972 w 4051139"/>
+              <a:gd name="connsiteY140" fmla="*/ 254643 h 2037144"/>
+              <a:gd name="connsiteX141" fmla="*/ 2037144 w 4051139"/>
+              <a:gd name="connsiteY141" fmla="*/ 162045 h 2037144"/>
+              <a:gd name="connsiteX142" fmla="*/ 2083443 w 4051139"/>
+              <a:gd name="connsiteY142" fmla="*/ 138896 h 2037144"/>
+              <a:gd name="connsiteX143" fmla="*/ 2176041 w 4051139"/>
+              <a:gd name="connsiteY143" fmla="*/ 81022 h 2037144"/>
+              <a:gd name="connsiteX144" fmla="*/ 2222339 w 4051139"/>
+              <a:gd name="connsiteY144" fmla="*/ 57873 h 2037144"/>
+              <a:gd name="connsiteX145" fmla="*/ 2257063 w 4051139"/>
+              <a:gd name="connsiteY145" fmla="*/ 34724 h 2037144"/>
+              <a:gd name="connsiteX146" fmla="*/ 2303362 w 4051139"/>
+              <a:gd name="connsiteY146" fmla="*/ 23149 h 2037144"/>
+              <a:gd name="connsiteX147" fmla="*/ 2384385 w 4051139"/>
+              <a:gd name="connsiteY147" fmla="*/ 0 h 2037144"/>
+              <a:gd name="connsiteX148" fmla="*/ 2604304 w 4051139"/>
+              <a:gd name="connsiteY148" fmla="*/ 11574 h 2037144"/>
+              <a:gd name="connsiteX149" fmla="*/ 2801073 w 4051139"/>
+              <a:gd name="connsiteY149" fmla="*/ 46298 h 2037144"/>
+              <a:gd name="connsiteX150" fmla="*/ 2905246 w 4051139"/>
+              <a:gd name="connsiteY150" fmla="*/ 57873 h 2037144"/>
+              <a:gd name="connsiteX151" fmla="*/ 3055716 w 4051139"/>
+              <a:gd name="connsiteY151" fmla="*/ 81022 h 2037144"/>
+              <a:gd name="connsiteX152" fmla="*/ 3159889 w 4051139"/>
+              <a:gd name="connsiteY152" fmla="*/ 115747 h 2037144"/>
+              <a:gd name="connsiteX153" fmla="*/ 3287210 w 4051139"/>
+              <a:gd name="connsiteY153" fmla="*/ 162045 h 2037144"/>
+              <a:gd name="connsiteX154" fmla="*/ 3402957 w 4051139"/>
+              <a:gd name="connsiteY154" fmla="*/ 219919 h 2037144"/>
+              <a:gd name="connsiteX155" fmla="*/ 3483980 w 4051139"/>
+              <a:gd name="connsiteY155" fmla="*/ 277792 h 2037144"/>
+              <a:gd name="connsiteX156" fmla="*/ 3530279 w 4051139"/>
+              <a:gd name="connsiteY156" fmla="*/ 324091 h 2037144"/>
+              <a:gd name="connsiteX157" fmla="*/ 3576577 w 4051139"/>
+              <a:gd name="connsiteY157" fmla="*/ 358815 h 2037144"/>
+              <a:gd name="connsiteX158" fmla="*/ 3646025 w 4051139"/>
+              <a:gd name="connsiteY158" fmla="*/ 428263 h 2037144"/>
+              <a:gd name="connsiteX159" fmla="*/ 3680749 w 4051139"/>
+              <a:gd name="connsiteY159" fmla="*/ 462987 h 2037144"/>
+              <a:gd name="connsiteX160" fmla="*/ 3727048 w 4051139"/>
+              <a:gd name="connsiteY160" fmla="*/ 509286 h 2037144"/>
+              <a:gd name="connsiteX161" fmla="*/ 3761772 w 4051139"/>
+              <a:gd name="connsiteY161" fmla="*/ 555584 h 2037144"/>
+              <a:gd name="connsiteX162" fmla="*/ 3796496 w 4051139"/>
+              <a:gd name="connsiteY162" fmla="*/ 590309 h 2037144"/>
+              <a:gd name="connsiteX163" fmla="*/ 3842795 w 4051139"/>
+              <a:gd name="connsiteY163" fmla="*/ 659757 h 2037144"/>
+              <a:gd name="connsiteX164" fmla="*/ 3923818 w 4051139"/>
+              <a:gd name="connsiteY164" fmla="*/ 775503 h 2037144"/>
+              <a:gd name="connsiteX165" fmla="*/ 3946967 w 4051139"/>
+              <a:gd name="connsiteY165" fmla="*/ 821802 h 2037144"/>
+              <a:gd name="connsiteX166" fmla="*/ 3970116 w 4051139"/>
+              <a:gd name="connsiteY166" fmla="*/ 891250 h 2037144"/>
+              <a:gd name="connsiteX167" fmla="*/ 3993266 w 4051139"/>
+              <a:gd name="connsiteY167" fmla="*/ 937549 h 2037144"/>
+              <a:gd name="connsiteX168" fmla="*/ 3993266 w 4051139"/>
+              <a:gd name="connsiteY168" fmla="*/ 1377387 h 2037144"/>
+              <a:gd name="connsiteX169" fmla="*/ 3958542 w 4051139"/>
+              <a:gd name="connsiteY169" fmla="*/ 1597306 h 2037144"/>
+              <a:gd name="connsiteX170" fmla="*/ 3923818 w 4051139"/>
+              <a:gd name="connsiteY170" fmla="*/ 1666754 h 2037144"/>
+              <a:gd name="connsiteX171" fmla="*/ 3889094 w 4051139"/>
+              <a:gd name="connsiteY171" fmla="*/ 1747777 h 2037144"/>
+              <a:gd name="connsiteX172" fmla="*/ 3842795 w 4051139"/>
+              <a:gd name="connsiteY172" fmla="*/ 1794076 h 2037144"/>
+              <a:gd name="connsiteX173" fmla="*/ 3761772 w 4051139"/>
+              <a:gd name="connsiteY173" fmla="*/ 1886673 h 2037144"/>
+              <a:gd name="connsiteX174" fmla="*/ 3703899 w 4051139"/>
+              <a:gd name="connsiteY174" fmla="*/ 1921397 h 2037144"/>
+              <a:gd name="connsiteX175" fmla="*/ 3553428 w 4051139"/>
+              <a:gd name="connsiteY175" fmla="*/ 1990845 h 2037144"/>
+              <a:gd name="connsiteX176" fmla="*/ 3229337 w 4051139"/>
+              <a:gd name="connsiteY176" fmla="*/ 2037144 h 2037144"/>
+              <a:gd name="connsiteX177" fmla="*/ 2951544 w 4051139"/>
+              <a:gd name="connsiteY177" fmla="*/ 2013995 h 2037144"/>
+              <a:gd name="connsiteX178" fmla="*/ 2882096 w 4051139"/>
+              <a:gd name="connsiteY178" fmla="*/ 1990845 h 2037144"/>
+              <a:gd name="connsiteX179" fmla="*/ 2720051 w 4051139"/>
+              <a:gd name="connsiteY179" fmla="*/ 1944547 h 2037144"/>
+              <a:gd name="connsiteX180" fmla="*/ 2650603 w 4051139"/>
+              <a:gd name="connsiteY180" fmla="*/ 1921397 h 2037144"/>
+              <a:gd name="connsiteX181" fmla="*/ 2569580 w 4051139"/>
+              <a:gd name="connsiteY181" fmla="*/ 1898248 h 2037144"/>
+              <a:gd name="connsiteX182" fmla="*/ 2338086 w 4051139"/>
+              <a:gd name="connsiteY182" fmla="*/ 1817225 h 2037144"/>
+              <a:gd name="connsiteX183" fmla="*/ 2233914 w 4051139"/>
+              <a:gd name="connsiteY183" fmla="*/ 1782501 h 2037144"/>
+              <a:gd name="connsiteX184" fmla="*/ 2048719 w 4051139"/>
+              <a:gd name="connsiteY184" fmla="*/ 1713053 h 2037144"/>
+              <a:gd name="connsiteX185" fmla="*/ 1979271 w 4051139"/>
+              <a:gd name="connsiteY185" fmla="*/ 1689903 h 2037144"/>
+              <a:gd name="connsiteX186" fmla="*/ 1828800 w 4051139"/>
+              <a:gd name="connsiteY186" fmla="*/ 1632030 h 2037144"/>
+              <a:gd name="connsiteX187" fmla="*/ 1701479 w 4051139"/>
+              <a:gd name="connsiteY187" fmla="*/ 1608881 h 2037144"/>
+              <a:gd name="connsiteX188" fmla="*/ 1655180 w 4051139"/>
+              <a:gd name="connsiteY188" fmla="*/ 1597306 h 2037144"/>
+              <a:gd name="connsiteX189" fmla="*/ 1574157 w 4051139"/>
+              <a:gd name="connsiteY189" fmla="*/ 1585731 h 2037144"/>
+              <a:gd name="connsiteX190" fmla="*/ 1377387 w 4051139"/>
+              <a:gd name="connsiteY190" fmla="*/ 1551007 h 2037144"/>
+              <a:gd name="connsiteX191" fmla="*/ 1215342 w 4051139"/>
+              <a:gd name="connsiteY191" fmla="*/ 1574157 h 2037144"/>
+              <a:gd name="connsiteX192" fmla="*/ 1157468 w 4051139"/>
+              <a:gd name="connsiteY192" fmla="*/ 1585731 h 2037144"/>
+              <a:gd name="connsiteX193" fmla="*/ 1099595 w 4051139"/>
+              <a:gd name="connsiteY193" fmla="*/ 1608881 h 2037144"/>
+              <a:gd name="connsiteX194" fmla="*/ 868101 w 4051139"/>
+              <a:gd name="connsiteY194" fmla="*/ 1678329 h 2037144"/>
+              <a:gd name="connsiteX195" fmla="*/ 833377 w 4051139"/>
+              <a:gd name="connsiteY195" fmla="*/ 1689903 h 2037144"/>
+              <a:gd name="connsiteX196" fmla="*/ 752354 w 4051139"/>
+              <a:gd name="connsiteY196" fmla="*/ 1736202 h 2037144"/>
+              <a:gd name="connsiteX197" fmla="*/ 717630 w 4051139"/>
+              <a:gd name="connsiteY197" fmla="*/ 1747777 h 2037144"/>
+              <a:gd name="connsiteX198" fmla="*/ 682906 w 4051139"/>
+              <a:gd name="connsiteY198" fmla="*/ 1770926 h 2037144"/>
+              <a:gd name="connsiteX199" fmla="*/ 613458 w 4051139"/>
+              <a:gd name="connsiteY199" fmla="*/ 1782501 h 2037144"/>
+              <a:gd name="connsiteX200" fmla="*/ 497711 w 4051139"/>
+              <a:gd name="connsiteY200" fmla="*/ 1770926 h 2037144"/>
+              <a:gd name="connsiteX201" fmla="*/ 381965 w 4051139"/>
+              <a:gd name="connsiteY201" fmla="*/ 1724628 h 2037144"/>
+              <a:gd name="connsiteX202" fmla="*/ 347241 w 4051139"/>
+              <a:gd name="connsiteY202" fmla="*/ 1713053 h 2037144"/>
+              <a:gd name="connsiteX203" fmla="*/ 277792 w 4051139"/>
+              <a:gd name="connsiteY203" fmla="*/ 1666754 h 2037144"/>
+              <a:gd name="connsiteX204" fmla="*/ 208344 w 4051139"/>
+              <a:gd name="connsiteY204" fmla="*/ 1608881 h 2037144"/>
+              <a:gd name="connsiteX205" fmla="*/ 173620 w 4051139"/>
+              <a:gd name="connsiteY205" fmla="*/ 1597306 h 2037144"/>
+              <a:gd name="connsiteX206" fmla="*/ 11575 w 4051139"/>
+              <a:gd name="connsiteY206" fmla="*/ 1620455 h 2037144"/>
+              <a:gd name="connsiteX207" fmla="*/ 0 w 4051139"/>
+              <a:gd name="connsiteY207" fmla="*/ 1632030 h 2037144"/>
+            </a:gdLst>
+            <a:ahLst/>
+            <a:cxnLst>
+              <a:cxn ang="0">
+                <a:pos x="connsiteX0" y="connsiteY0"/>
+              </a:cxn>
+              <a:cxn ang="0">
+                <a:pos x="connsiteX1" y="connsiteY1"/>
+              </a:cxn>
+              <a:cxn ang="0">
+                <a:pos x="connsiteX2" y="connsiteY2"/>
+              </a:cxn>
+              <a:cxn ang="0">
+                <a:pos x="connsiteX3" y="connsiteY3"/>
+              </a:cxn>
+              <a:cxn ang="0">
+                <a:pos x="connsiteX4" y="connsiteY4"/>
+              </a:cxn>
+              <a:cxn ang="0">
+                <a:pos x="connsiteX5" y="connsiteY5"/>
+              </a:cxn>
+              <a:cxn ang="0">
+                <a:pos x="connsiteX6" y="connsiteY6"/>
+              </a:cxn>
+              <a:cxn ang="0">
+                <a:pos x="connsiteX7" y="connsiteY7"/>
+              </a:cxn>
+              <a:cxn ang="0">
+                <a:pos x="connsiteX8" y="connsiteY8"/>
+              </a:cxn>
+              <a:cxn ang="0">
+                <a:pos x="connsiteX9" y="connsiteY9"/>
+              </a:cxn>
+              <a:cxn ang="0">
+                <a:pos x="connsiteX10" y="connsiteY10"/>
+              </a:cxn>
+              <a:cxn ang="0">
+                <a:pos x="connsiteX11" y="connsiteY11"/>
+              </a:cxn>
+              <a:cxn ang="0">
+                <a:pos x="connsiteX12" y="connsiteY12"/>
+              </a:cxn>
+              <a:cxn ang="0">
+                <a:pos x="connsiteX13" y="connsiteY13"/>
+              </a:cxn>
+              <a:cxn ang="0">
+                <a:pos x="connsiteX14" y="connsiteY14"/>
+              </a:cxn>
+              <a:cxn ang="0">
+                <a:pos x="connsiteX15" y="connsiteY15"/>
+              </a:cxn>
+              <a:cxn ang="0">
+                <a:pos x="connsiteX16" y="connsiteY16"/>
+              </a:cxn>
+              <a:cxn ang="0">
+                <a:pos x="connsiteX17" y="connsiteY17"/>
+              </a:cxn>
+              <a:cxn ang="0">
+                <a:pos x="connsiteX18" y="connsiteY18"/>
+              </a:cxn>
+              <a:cxn ang="0">
+                <a:pos x="connsiteX19" y="connsiteY19"/>
+              </a:cxn>
+              <a:cxn ang="0">
+                <a:pos x="connsiteX20" y="connsiteY20"/>
+              </a:cxn>
+              <a:cxn ang="0">
+                <a:pos x="connsiteX21" y="connsiteY21"/>
+              </a:cxn>
+              <a:cxn ang="0">
+                <a:pos x="connsiteX22" y="connsiteY22"/>
+              </a:cxn>
+              <a:cxn ang="0">
+                <a:pos x="connsiteX23" y="connsiteY23"/>
+              </a:cxn>
+              <a:cxn ang="0">
+                <a:pos x="connsiteX24" y="connsiteY24"/>
+              </a:cxn>
+              <a:cxn ang="0">
+                <a:pos x="connsiteX25" y="connsiteY25"/>
+              </a:cxn>
+              <a:cxn ang="0">
+                <a:pos x="connsiteX26" y="connsiteY26"/>
+              </a:cxn>
+              <a:cxn ang="0">
+                <a:pos x="connsiteX27" y="connsiteY27"/>
+              </a:cxn>
+              <a:cxn ang="0">
+                <a:pos x="connsiteX28" y="connsiteY28"/>
+              </a:cxn>
+              <a:cxn ang="0">
+                <a:pos x="connsiteX29" y="connsiteY29"/>
+              </a:cxn>
+              <a:cxn ang="0">
+                <a:pos x="connsiteX30" y="connsiteY30"/>
+              </a:cxn>
+              <a:cxn ang="0">
+                <a:pos x="connsiteX31" y="connsiteY31"/>
+              </a:cxn>
+              <a:cxn ang="0">
+                <a:pos x="connsiteX32" y="connsiteY32"/>
+              </a:cxn>
+              <a:cxn ang="0">
+                <a:pos x="connsiteX33" y="connsiteY33"/>
+              </a:cxn>
+              <a:cxn ang="0">
+                <a:pos x="connsiteX34" y="connsiteY34"/>
+              </a:cxn>
+              <a:cxn ang="0">
+                <a:pos x="connsiteX35" y="connsiteY35"/>
+              </a:cxn>
+              <a:cxn ang="0">
+                <a:pos x="connsiteX36" y="connsiteY36"/>
+              </a:cxn>
+              <a:cxn ang="0">
+                <a:pos x="connsiteX37" y="connsiteY37"/>
+              </a:cxn>
+              <a:cxn ang="0">
+                <a:pos x="connsiteX38" y="connsiteY38"/>
+              </a:cxn>
+              <a:cxn ang="0">
+                <a:pos x="connsiteX39" y="connsiteY39"/>
+              </a:cxn>
+              <a:cxn ang="0">
+                <a:pos x="connsiteX40" y="connsiteY40"/>
+              </a:cxn>
+              <a:cxn ang="0">
+                <a:pos x="connsiteX41" y="connsiteY41"/>
+              </a:cxn>
+              <a:cxn ang="0">
+                <a:pos x="connsiteX42" y="connsiteY42"/>
+              </a:cxn>
+              <a:cxn ang="0">
+                <a:pos x="connsiteX43" y="connsiteY43"/>
+              </a:cxn>
+              <a:cxn ang="0">
+                <a:pos x="connsiteX44" y="connsiteY44"/>
+              </a:cxn>
+              <a:cxn ang="0">
+                <a:pos x="connsiteX45" y="connsiteY45"/>
+              </a:cxn>
+              <a:cxn ang="0">
+                <a:pos x="connsiteX46" y="connsiteY46"/>
+              </a:cxn>
+              <a:cxn ang="0">
+                <a:pos x="connsiteX47" y="connsiteY47"/>
+              </a:cxn>
+              <a:cxn ang="0">
+                <a:pos x="connsiteX48" y="connsiteY48"/>
+              </a:cxn>
+              <a:cxn ang="0">
+                <a:pos x="connsiteX49" y="connsiteY49"/>
+              </a:cxn>
+              <a:cxn ang="0">
+                <a:pos x="connsiteX50" y="connsiteY50"/>
+              </a:cxn>
+              <a:cxn ang="0">
+                <a:pos x="connsiteX51" y="connsiteY51"/>
+              </a:cxn>
+              <a:cxn ang="0">
+                <a:pos x="connsiteX52" y="connsiteY52"/>
+              </a:cxn>
+              <a:cxn ang="0">
+                <a:pos x="connsiteX53" y="connsiteY53"/>
+              </a:cxn>
+              <a:cxn ang="0">
+                <a:pos x="connsiteX54" y="connsiteY54"/>
+              </a:cxn>
+              <a:cxn ang="0">
+                <a:pos x="connsiteX55" y="connsiteY55"/>
+              </a:cxn>
+              <a:cxn ang="0">
+                <a:pos x="connsiteX56" y="connsiteY56"/>
+              </a:cxn>
+              <a:cxn ang="0">
+                <a:pos x="connsiteX57" y="connsiteY57"/>
+              </a:cxn>
+              <a:cxn ang="0">
+                <a:pos x="connsiteX58" y="connsiteY58"/>
+              </a:cxn>
+              <a:cxn ang="0">
+                <a:pos x="connsiteX59" y="connsiteY59"/>
+              </a:cxn>
+              <a:cxn ang="0">
+                <a:pos x="connsiteX60" y="connsiteY60"/>
+              </a:cxn>
+              <a:cxn ang="0">
+                <a:pos x="connsiteX61" y="connsiteY61"/>
+              </a:cxn>
+              <a:cxn ang="0">
+                <a:pos x="connsiteX62" y="connsiteY62"/>
+              </a:cxn>
+              <a:cxn ang="0">
+                <a:pos x="connsiteX63" y="connsiteY63"/>
+              </a:cxn>
+              <a:cxn ang="0">
+                <a:pos x="connsiteX64" y="connsiteY64"/>
+              </a:cxn>
+              <a:cxn ang="0">
+                <a:pos x="connsiteX65" y="connsiteY65"/>
+              </a:cxn>
+              <a:cxn ang="0">
+                <a:pos x="connsiteX66" y="connsiteY66"/>
+              </a:cxn>
+              <a:cxn ang="0">
+                <a:pos x="connsiteX67" y="connsiteY67"/>
+              </a:cxn>
+              <a:cxn ang="0">
+                <a:pos x="connsiteX68" y="connsiteY68"/>
+              </a:cxn>
+              <a:cxn ang="0">
+                <a:pos x="connsiteX69" y="connsiteY69"/>
+              </a:cxn>
+              <a:cxn ang="0">
+                <a:pos x="connsiteX70" y="connsiteY70"/>
+              </a:cxn>
+              <a:cxn ang="0">
+                <a:pos x="connsiteX71" y="connsiteY71"/>
+              </a:cxn>
+              <a:cxn ang="0">
+                <a:pos x="connsiteX72" y="connsiteY72"/>
+              </a:cxn>
+              <a:cxn ang="0">
+                <a:pos x="connsiteX73" y="connsiteY73"/>
+              </a:cxn>
+              <a:cxn ang="0">
+                <a:pos x="connsiteX74" y="connsiteY74"/>
+              </a:cxn>
+              <a:cxn ang="0">
+                <a:pos x="connsiteX75" y="connsiteY75"/>
+              </a:cxn>
+              <a:cxn ang="0">
+                <a:pos x="connsiteX76" y="connsiteY76"/>
+              </a:cxn>
+              <a:cxn ang="0">
+                <a:pos x="connsiteX77" y="connsiteY77"/>
+              </a:cxn>
+              <a:cxn ang="0">
+                <a:pos x="connsiteX78" y="connsiteY78"/>
+              </a:cxn>
+              <a:cxn ang="0">
+                <a:pos x="connsiteX79" y="connsiteY79"/>
+              </a:cxn>
+              <a:cxn ang="0">
+                <a:pos x="connsiteX80" y="connsiteY80"/>
+              </a:cxn>
+              <a:cxn ang="0">
+                <a:pos x="connsiteX81" y="connsiteY81"/>
+              </a:cxn>
+              <a:cxn ang="0">
+                <a:pos x="connsiteX82" y="connsiteY82"/>
+              </a:cxn>
+              <a:cxn ang="0">
+                <a:pos x="connsiteX83" y="connsiteY83"/>
+              </a:cxn>
+              <a:cxn ang="0">
+                <a:pos x="connsiteX84" y="connsiteY84"/>
+              </a:cxn>
+              <a:cxn ang="0">
+                <a:pos x="connsiteX85" y="connsiteY85"/>
+              </a:cxn>
+              <a:cxn ang="0">
+                <a:pos x="connsiteX86" y="connsiteY86"/>
+              </a:cxn>
+              <a:cxn ang="0">
+                <a:pos x="connsiteX87" y="connsiteY87"/>
+              </a:cxn>
+              <a:cxn ang="0">
+                <a:pos x="connsiteX88" y="connsiteY88"/>
+              </a:cxn>
+              <a:cxn ang="0">
+                <a:pos x="connsiteX89" y="connsiteY89"/>
+              </a:cxn>
+              <a:cxn ang="0">
+                <a:pos x="connsiteX90" y="connsiteY90"/>
+              </a:cxn>
+              <a:cxn ang="0">
+                <a:pos x="connsiteX91" y="connsiteY91"/>
+              </a:cxn>
+              <a:cxn ang="0">
+                <a:pos x="connsiteX92" y="connsiteY92"/>
+              </a:cxn>
+              <a:cxn ang="0">
+                <a:pos x="connsiteX93" y="connsiteY93"/>
+              </a:cxn>
+              <a:cxn ang="0">
+                <a:pos x="connsiteX94" y="connsiteY94"/>
+              </a:cxn>
+              <a:cxn ang="0">
+                <a:pos x="connsiteX95" y="connsiteY95"/>
+              </a:cxn>
+              <a:cxn ang="0">
+                <a:pos x="connsiteX96" y="connsiteY96"/>
+              </a:cxn>
+              <a:cxn ang="0">
+                <a:pos x="connsiteX97" y="connsiteY97"/>
+              </a:cxn>
+              <a:cxn ang="0">
+                <a:pos x="connsiteX98" y="connsiteY98"/>
+              </a:cxn>
+              <a:cxn ang="0">
+                <a:pos x="connsiteX99" y="connsiteY99"/>
+              </a:cxn>
+              <a:cxn ang="0">
+                <a:pos x="connsiteX100" y="connsiteY100"/>
+              </a:cxn>
+              <a:cxn ang="0">
+                <a:pos x="connsiteX101" y="connsiteY101"/>
+              </a:cxn>
+              <a:cxn ang="0">
+                <a:pos x="connsiteX102" y="connsiteY102"/>
+              </a:cxn>
+              <a:cxn ang="0">
+                <a:pos x="connsiteX103" y="connsiteY103"/>
+              </a:cxn>
+              <a:cxn ang="0">
+                <a:pos x="connsiteX104" y="connsiteY104"/>
+              </a:cxn>
+              <a:cxn ang="0">
+                <a:pos x="connsiteX105" y="connsiteY105"/>
+              </a:cxn>
+              <a:cxn ang="0">
+                <a:pos x="connsiteX106" y="connsiteY106"/>
+              </a:cxn>
+              <a:cxn ang="0">
+                <a:pos x="connsiteX107" y="connsiteY107"/>
+              </a:cxn>
+              <a:cxn ang="0">
+                <a:pos x="connsiteX108" y="connsiteY108"/>
+              </a:cxn>
+              <a:cxn ang="0">
+                <a:pos x="connsiteX109" y="connsiteY109"/>
+              </a:cxn>
+              <a:cxn ang="0">
+                <a:pos x="connsiteX110" y="connsiteY110"/>
+              </a:cxn>
+              <a:cxn ang="0">
+                <a:pos x="connsiteX111" y="connsiteY111"/>
+              </a:cxn>
+              <a:cxn ang="0">
+                <a:pos x="connsiteX112" y="connsiteY112"/>
+              </a:cxn>
+              <a:cxn ang="0">
+                <a:pos x="connsiteX113" y="connsiteY113"/>
+              </a:cxn>
+              <a:cxn ang="0">
+                <a:pos x="connsiteX114" y="connsiteY114"/>
+              </a:cxn>
+              <a:cxn ang="0">
+                <a:pos x="connsiteX115" y="connsiteY115"/>
+              </a:cxn>
+              <a:cxn ang="0">
+                <a:pos x="connsiteX116" y="connsiteY116"/>
+              </a:cxn>
+              <a:cxn ang="0">
+                <a:pos x="connsiteX117" y="connsiteY117"/>
+              </a:cxn>
+              <a:cxn ang="0">
+                <a:pos x="connsiteX118" y="connsiteY118"/>
+              </a:cxn>
+              <a:cxn ang="0">
+                <a:pos x="connsiteX119" y="connsiteY119"/>
+              </a:cxn>
+              <a:cxn ang="0">
+                <a:pos x="connsiteX120" y="connsiteY120"/>
+              </a:cxn>
+              <a:cxn ang="0">
+                <a:pos x="connsiteX121" y="connsiteY121"/>
+              </a:cxn>
+              <a:cxn ang="0">
+                <a:pos x="connsiteX122" y="connsiteY122"/>
+              </a:cxn>
+              <a:cxn ang="0">
+                <a:pos x="connsiteX123" y="connsiteY123"/>
+              </a:cxn>
+              <a:cxn ang="0">
+                <a:pos x="connsiteX124" y="connsiteY124"/>
+              </a:cxn>
+              <a:cxn ang="0">
+                <a:pos x="connsiteX125" y="connsiteY125"/>
+              </a:cxn>
+              <a:cxn ang="0">
+                <a:pos x="connsiteX126" y="connsiteY126"/>
+              </a:cxn>
+              <a:cxn ang="0">
+                <a:pos x="connsiteX127" y="connsiteY127"/>
+              </a:cxn>
+              <a:cxn ang="0">
+                <a:pos x="connsiteX128" y="connsiteY128"/>
+              </a:cxn>
+              <a:cxn ang="0">
+                <a:pos x="connsiteX129" y="connsiteY129"/>
+              </a:cxn>
+              <a:cxn ang="0">
+                <a:pos x="connsiteX130" y="connsiteY130"/>
+              </a:cxn>
+              <a:cxn ang="0">
+                <a:pos x="connsiteX131" y="connsiteY131"/>
+              </a:cxn>
+              <a:cxn ang="0">
+                <a:pos x="connsiteX132" y="connsiteY132"/>
+              </a:cxn>
+              <a:cxn ang="0">
+                <a:pos x="connsiteX133" y="connsiteY133"/>
+              </a:cxn>
+              <a:cxn ang="0">
+                <a:pos x="connsiteX134" y="connsiteY134"/>
+              </a:cxn>
+              <a:cxn ang="0">
+                <a:pos x="connsiteX135" y="connsiteY135"/>
+              </a:cxn>
+              <a:cxn ang="0">
+                <a:pos x="connsiteX136" y="connsiteY136"/>
+              </a:cxn>
+              <a:cxn ang="0">
+                <a:pos x="connsiteX137" y="connsiteY137"/>
+              </a:cxn>
+              <a:cxn ang="0">
+                <a:pos x="connsiteX138" y="connsiteY138"/>
+              </a:cxn>
+              <a:cxn ang="0">
+                <a:pos x="connsiteX139" y="connsiteY139"/>
+              </a:cxn>
+              <a:cxn ang="0">
+                <a:pos x="connsiteX140" y="connsiteY140"/>
+              </a:cxn>
+              <a:cxn ang="0">
+                <a:pos x="connsiteX141" y="connsiteY141"/>
+              </a:cxn>
+              <a:cxn ang="0">
+                <a:pos x="connsiteX142" y="connsiteY142"/>
+              </a:cxn>
+              <a:cxn ang="0">
+                <a:pos x="connsiteX143" y="connsiteY143"/>
+              </a:cxn>
+              <a:cxn ang="0">
+                <a:pos x="connsiteX144" y="connsiteY144"/>
+              </a:cxn>
+              <a:cxn ang="0">
+                <a:pos x="connsiteX145" y="connsiteY145"/>
+              </a:cxn>
+              <a:cxn ang="0">
+                <a:pos x="connsiteX146" y="connsiteY146"/>
+              </a:cxn>
+              <a:cxn ang="0">
+                <a:pos x="connsiteX147" y="connsiteY147"/>
+              </a:cxn>
+              <a:cxn ang="0">
+                <a:pos x="connsiteX148" y="connsiteY148"/>
+              </a:cxn>
+              <a:cxn ang="0">
+                <a:pos x="connsiteX149" y="connsiteY149"/>
+              </a:cxn>
+              <a:cxn ang="0">
+                <a:pos x="connsiteX150" y="connsiteY150"/>
+              </a:cxn>
+              <a:cxn ang="0">
+                <a:pos x="connsiteX151" y="connsiteY151"/>
+              </a:cxn>
+              <a:cxn ang="0">
+                <a:pos x="connsiteX152" y="connsiteY152"/>
+              </a:cxn>
+              <a:cxn ang="0">
+                <a:pos x="connsiteX153" y="connsiteY153"/>
+              </a:cxn>
+              <a:cxn ang="0">
+                <a:pos x="connsiteX154" y="connsiteY154"/>
+              </a:cxn>
+              <a:cxn ang="0">
+                <a:pos x="connsiteX155" y="connsiteY155"/>
+              </a:cxn>
+              <a:cxn ang="0">
+                <a:pos x="connsiteX156" y="connsiteY156"/>
+              </a:cxn>
+              <a:cxn ang="0">
+                <a:pos x="connsiteX157" y="connsiteY157"/>
+              </a:cxn>
+              <a:cxn ang="0">
+                <a:pos x="connsiteX158" y="connsiteY158"/>
+              </a:cxn>
+              <a:cxn ang="0">
+                <a:pos x="connsiteX159" y="connsiteY159"/>
+              </a:cxn>
+              <a:cxn ang="0">
+                <a:pos x="connsiteX160" y="connsiteY160"/>
+              </a:cxn>
+              <a:cxn ang="0">
+                <a:pos x="connsiteX161" y="connsiteY161"/>
+              </a:cxn>
+              <a:cxn ang="0">
+                <a:pos x="connsiteX162" y="connsiteY162"/>
+              </a:cxn>
+              <a:cxn ang="0">
+                <a:pos x="connsiteX163" y="connsiteY163"/>
+              </a:cxn>
+              <a:cxn ang="0">
+                <a:pos x="connsiteX164" y="connsiteY164"/>
+              </a:cxn>
+              <a:cxn ang="0">
+                <a:pos x="connsiteX165" y="connsiteY165"/>
+              </a:cxn>
+              <a:cxn ang="0">
+                <a:pos x="connsiteX166" y="connsiteY166"/>
+              </a:cxn>
+              <a:cxn ang="0">
+                <a:pos x="connsiteX167" y="connsiteY167"/>
+              </a:cxn>
+              <a:cxn ang="0">
+                <a:pos x="connsiteX168" y="connsiteY168"/>
+              </a:cxn>
+              <a:cxn ang="0">
+                <a:pos x="connsiteX169" y="connsiteY169"/>
+              </a:cxn>
+              <a:cxn ang="0">
+                <a:pos x="connsiteX170" y="connsiteY170"/>
+              </a:cxn>
+              <a:cxn ang="0">
+                <a:pos x="connsiteX171" y="connsiteY171"/>
+              </a:cxn>
+              <a:cxn ang="0">
+                <a:pos x="connsiteX172" y="connsiteY172"/>
+              </a:cxn>
+              <a:cxn ang="0">
+                <a:pos x="connsiteX173" y="connsiteY173"/>
+              </a:cxn>
+              <a:cxn ang="0">
+                <a:pos x="connsiteX174" y="connsiteY174"/>
+              </a:cxn>
+              <a:cxn ang="0">
+                <a:pos x="connsiteX175" y="connsiteY175"/>
+              </a:cxn>
+              <a:cxn ang="0">
+                <a:pos x="connsiteX176" y="connsiteY176"/>
+              </a:cxn>
+              <a:cxn ang="0">
+                <a:pos x="connsiteX177" y="connsiteY177"/>
+              </a:cxn>
+              <a:cxn ang="0">
+                <a:pos x="connsiteX178" y="connsiteY178"/>
+              </a:cxn>
+              <a:cxn ang="0">
+                <a:pos x="connsiteX179" y="connsiteY179"/>
+              </a:cxn>
+              <a:cxn ang="0">
+                <a:pos x="connsiteX180" y="connsiteY180"/>
+              </a:cxn>
+              <a:cxn ang="0">
+                <a:pos x="connsiteX181" y="connsiteY181"/>
+              </a:cxn>
+              <a:cxn ang="0">
+                <a:pos x="connsiteX182" y="connsiteY182"/>
+              </a:cxn>
+              <a:cxn ang="0">
+                <a:pos x="connsiteX183" y="connsiteY183"/>
+              </a:cxn>
+              <a:cxn ang="0">
+                <a:pos x="connsiteX184" y="connsiteY184"/>
+              </a:cxn>
+              <a:cxn ang="0">
+                <a:pos x="connsiteX185" y="connsiteY185"/>
+              </a:cxn>
+              <a:cxn ang="0">
+                <a:pos x="connsiteX186" y="connsiteY186"/>
+              </a:cxn>
+              <a:cxn ang="0">
+                <a:pos x="connsiteX187" y="connsiteY187"/>
+              </a:cxn>
+              <a:cxn ang="0">
+                <a:pos x="connsiteX188" y="connsiteY188"/>
+              </a:cxn>
+              <a:cxn ang="0">
+                <a:pos x="connsiteX189" y="connsiteY189"/>
+              </a:cxn>
+              <a:cxn ang="0">
+                <a:pos x="connsiteX190" y="connsiteY190"/>
+              </a:cxn>
+              <a:cxn ang="0">
+                <a:pos x="connsiteX191" y="connsiteY191"/>
+              </a:cxn>
+              <a:cxn ang="0">
+                <a:pos x="connsiteX192" y="connsiteY192"/>
+              </a:cxn>
+              <a:cxn ang="0">
+                <a:pos x="connsiteX193" y="connsiteY193"/>
+              </a:cxn>
+              <a:cxn ang="0">
+                <a:pos x="connsiteX194" y="connsiteY194"/>
+              </a:cxn>
+              <a:cxn ang="0">
+                <a:pos x="connsiteX195" y="connsiteY195"/>
+              </a:cxn>
+              <a:cxn ang="0">
+                <a:pos x="connsiteX196" y="connsiteY196"/>
+              </a:cxn>
+              <a:cxn ang="0">
+                <a:pos x="connsiteX197" y="connsiteY197"/>
+              </a:cxn>
+              <a:cxn ang="0">
+                <a:pos x="connsiteX198" y="connsiteY198"/>
+              </a:cxn>
+              <a:cxn ang="0">
+                <a:pos x="connsiteX199" y="connsiteY199"/>
+              </a:cxn>
+              <a:cxn ang="0">
+                <a:pos x="connsiteX200" y="connsiteY200"/>
+              </a:cxn>
+              <a:cxn ang="0">
+                <a:pos x="connsiteX201" y="connsiteY201"/>
+              </a:cxn>
+              <a:cxn ang="0">
+                <a:pos x="connsiteX202" y="connsiteY202"/>
+              </a:cxn>
+              <a:cxn ang="0">
+                <a:pos x="connsiteX203" y="connsiteY203"/>
+              </a:cxn>
+              <a:cxn ang="0">
+                <a:pos x="connsiteX204" y="connsiteY204"/>
+              </a:cxn>
+              <a:cxn ang="0">
+                <a:pos x="connsiteX205" y="connsiteY205"/>
+              </a:cxn>
+              <a:cxn ang="0">
+                <a:pos x="connsiteX206" y="connsiteY206"/>
+              </a:cxn>
+              <a:cxn ang="0">
+                <a:pos x="connsiteX207" y="connsiteY207"/>
+              </a:cxn>
+            </a:cxnLst>
+            <a:rect l="l" t="t" r="r" b="b"/>
+            <a:pathLst>
+              <a:path w="4051139" h="2037144">
+                <a:moveTo>
+                  <a:pt x="162046" y="1597306"/>
+                </a:moveTo>
+                <a:cubicBezTo>
+                  <a:pt x="192912" y="1601164"/>
+                  <a:pt x="223537" y="1608881"/>
+                  <a:pt x="254643" y="1608881"/>
+                </a:cubicBezTo>
+                <a:cubicBezTo>
+                  <a:pt x="466881" y="1608881"/>
+                  <a:pt x="679139" y="1604620"/>
+                  <a:pt x="891251" y="1597306"/>
+                </a:cubicBezTo>
+                <a:cubicBezTo>
+                  <a:pt x="903445" y="1596886"/>
+                  <a:pt x="914761" y="1590537"/>
+                  <a:pt x="925975" y="1585731"/>
+                </a:cubicBezTo>
+                <a:cubicBezTo>
+                  <a:pt x="1068033" y="1524849"/>
+                  <a:pt x="890743" y="1597559"/>
+                  <a:pt x="1006997" y="1539433"/>
+                </a:cubicBezTo>
+                <a:cubicBezTo>
+                  <a:pt x="1017910" y="1533977"/>
+                  <a:pt x="1030809" y="1533314"/>
+                  <a:pt x="1041722" y="1527858"/>
+                </a:cubicBezTo>
+                <a:cubicBezTo>
+                  <a:pt x="1089227" y="1504106"/>
+                  <a:pt x="1063706" y="1510270"/>
+                  <a:pt x="1099595" y="1481559"/>
+                </a:cubicBezTo>
+                <a:cubicBezTo>
+                  <a:pt x="1110458" y="1472869"/>
+                  <a:pt x="1122744" y="1466126"/>
+                  <a:pt x="1134319" y="1458410"/>
+                </a:cubicBezTo>
+                <a:cubicBezTo>
+                  <a:pt x="1142035" y="1446835"/>
+                  <a:pt x="1148562" y="1434373"/>
+                  <a:pt x="1157468" y="1423686"/>
+                </a:cubicBezTo>
+                <a:cubicBezTo>
+                  <a:pt x="1204819" y="1366864"/>
+                  <a:pt x="1183565" y="1412024"/>
+                  <a:pt x="1226916" y="1342663"/>
+                </a:cubicBezTo>
+                <a:cubicBezTo>
+                  <a:pt x="1236061" y="1328031"/>
+                  <a:pt x="1241188" y="1311160"/>
+                  <a:pt x="1250066" y="1296364"/>
+                </a:cubicBezTo>
+                <a:cubicBezTo>
+                  <a:pt x="1264380" y="1272507"/>
+                  <a:pt x="1286032" y="1252748"/>
+                  <a:pt x="1296365" y="1226916"/>
+                </a:cubicBezTo>
+                <a:cubicBezTo>
+                  <a:pt x="1350573" y="1091395"/>
+                  <a:pt x="1290653" y="1229671"/>
+                  <a:pt x="1342663" y="1134319"/>
+                </a:cubicBezTo>
+                <a:cubicBezTo>
+                  <a:pt x="1359188" y="1104023"/>
+                  <a:pt x="1371465" y="1071466"/>
+                  <a:pt x="1388962" y="1041721"/>
+                </a:cubicBezTo>
+                <a:cubicBezTo>
+                  <a:pt x="1410121" y="1005750"/>
+                  <a:pt x="1445213" y="977140"/>
+                  <a:pt x="1458410" y="937549"/>
+                </a:cubicBezTo>
+                <a:cubicBezTo>
+                  <a:pt x="1518135" y="758379"/>
+                  <a:pt x="1449682" y="943432"/>
+                  <a:pt x="1504709" y="833377"/>
+                </a:cubicBezTo>
+                <a:cubicBezTo>
+                  <a:pt x="1510165" y="822464"/>
+                  <a:pt x="1510359" y="809318"/>
+                  <a:pt x="1516284" y="798653"/>
+                </a:cubicBezTo>
+                <a:cubicBezTo>
+                  <a:pt x="1529795" y="774332"/>
+                  <a:pt x="1550139" y="754090"/>
+                  <a:pt x="1562582" y="729205"/>
+                </a:cubicBezTo>
+                <a:cubicBezTo>
+                  <a:pt x="1570299" y="713772"/>
+                  <a:pt x="1574686" y="696161"/>
+                  <a:pt x="1585732" y="682906"/>
+                </a:cubicBezTo>
+                <a:cubicBezTo>
+                  <a:pt x="1613677" y="649373"/>
+                  <a:pt x="1654116" y="626629"/>
+                  <a:pt x="1678329" y="590309"/>
+                </a:cubicBezTo>
+                <a:cubicBezTo>
+                  <a:pt x="1709195" y="544009"/>
+                  <a:pt x="1689904" y="563301"/>
+                  <a:pt x="1736203" y="532435"/>
+                </a:cubicBezTo>
+                <a:cubicBezTo>
+                  <a:pt x="1743919" y="520860"/>
+                  <a:pt x="1748883" y="506871"/>
+                  <a:pt x="1759352" y="497711"/>
+                </a:cubicBezTo>
+                <a:cubicBezTo>
+                  <a:pt x="1780290" y="479390"/>
+                  <a:pt x="1805651" y="466845"/>
+                  <a:pt x="1828800" y="451412"/>
+                </a:cubicBezTo>
+                <a:lnTo>
+                  <a:pt x="1898248" y="405114"/>
+                </a:lnTo>
+                <a:lnTo>
+                  <a:pt x="2002420" y="335666"/>
+                </a:lnTo>
+                <a:cubicBezTo>
+                  <a:pt x="2002422" y="335664"/>
+                  <a:pt x="2071865" y="289368"/>
+                  <a:pt x="2071868" y="289367"/>
+                </a:cubicBezTo>
+                <a:cubicBezTo>
+                  <a:pt x="2216659" y="253168"/>
+                  <a:pt x="2036614" y="299438"/>
+                  <a:pt x="2152891" y="266217"/>
+                </a:cubicBezTo>
+                <a:cubicBezTo>
+                  <a:pt x="2168187" y="261847"/>
+                  <a:pt x="2183953" y="259214"/>
+                  <a:pt x="2199190" y="254643"/>
+                </a:cubicBezTo>
+                <a:cubicBezTo>
+                  <a:pt x="2237800" y="243060"/>
+                  <a:pt x="2274907" y="226591"/>
+                  <a:pt x="2314937" y="219919"/>
+                </a:cubicBezTo>
+                <a:cubicBezTo>
+                  <a:pt x="2345620" y="214805"/>
+                  <a:pt x="2376668" y="212202"/>
+                  <a:pt x="2407534" y="208344"/>
+                </a:cubicBezTo>
+                <a:lnTo>
+                  <a:pt x="2789499" y="219919"/>
+                </a:lnTo>
+                <a:cubicBezTo>
+                  <a:pt x="3124114" y="235129"/>
+                  <a:pt x="2804010" y="220338"/>
+                  <a:pt x="2963119" y="243068"/>
+                </a:cubicBezTo>
+                <a:cubicBezTo>
+                  <a:pt x="3001504" y="248552"/>
+                  <a:pt x="3040284" y="250785"/>
+                  <a:pt x="3078866" y="254643"/>
+                </a:cubicBezTo>
+                <a:cubicBezTo>
+                  <a:pt x="3094299" y="258501"/>
+                  <a:pt x="3109869" y="261847"/>
+                  <a:pt x="3125165" y="266217"/>
+                </a:cubicBezTo>
+                <a:cubicBezTo>
+                  <a:pt x="3136896" y="269569"/>
+                  <a:pt x="3148053" y="274833"/>
+                  <a:pt x="3159889" y="277792"/>
+                </a:cubicBezTo>
+                <a:cubicBezTo>
+                  <a:pt x="3225948" y="294307"/>
+                  <a:pt x="3204670" y="283124"/>
+                  <a:pt x="3264061" y="300941"/>
+                </a:cubicBezTo>
+                <a:cubicBezTo>
+                  <a:pt x="3287434" y="307953"/>
+                  <a:pt x="3309581" y="319305"/>
+                  <a:pt x="3333509" y="324091"/>
+                </a:cubicBezTo>
+                <a:cubicBezTo>
+                  <a:pt x="3398646" y="337119"/>
+                  <a:pt x="3386962" y="331129"/>
+                  <a:pt x="3449256" y="358815"/>
+                </a:cubicBezTo>
+                <a:cubicBezTo>
+                  <a:pt x="3550012" y="403595"/>
+                  <a:pt x="3445579" y="356187"/>
+                  <a:pt x="3530279" y="416688"/>
+                </a:cubicBezTo>
+                <a:cubicBezTo>
+                  <a:pt x="3544319" y="426717"/>
+                  <a:pt x="3561596" y="431277"/>
+                  <a:pt x="3576577" y="439838"/>
+                </a:cubicBezTo>
+                <a:cubicBezTo>
+                  <a:pt x="3603859" y="455428"/>
+                  <a:pt x="3632751" y="479962"/>
+                  <a:pt x="3657600" y="497711"/>
+                </a:cubicBezTo>
+                <a:cubicBezTo>
+                  <a:pt x="3668920" y="505797"/>
+                  <a:pt x="3681855" y="511700"/>
+                  <a:pt x="3692324" y="520860"/>
+                </a:cubicBezTo>
+                <a:cubicBezTo>
+                  <a:pt x="3712856" y="538825"/>
+                  <a:pt x="3730906" y="559443"/>
+                  <a:pt x="3750197" y="578734"/>
+                </a:cubicBezTo>
+                <a:lnTo>
+                  <a:pt x="3784922" y="613458"/>
+                </a:lnTo>
+                <a:lnTo>
+                  <a:pt x="3831220" y="659757"/>
+                </a:lnTo>
+                <a:cubicBezTo>
+                  <a:pt x="3842795" y="671332"/>
+                  <a:pt x="3856864" y="680861"/>
+                  <a:pt x="3865944" y="694481"/>
+                </a:cubicBezTo>
+                <a:cubicBezTo>
+                  <a:pt x="3873661" y="706056"/>
+                  <a:pt x="3881008" y="717885"/>
+                  <a:pt x="3889094" y="729205"/>
+                </a:cubicBezTo>
+                <a:cubicBezTo>
+                  <a:pt x="3906848" y="754060"/>
+                  <a:pt x="3931374" y="782940"/>
+                  <a:pt x="3946967" y="810228"/>
+                </a:cubicBezTo>
+                <a:cubicBezTo>
+                  <a:pt x="3974790" y="858919"/>
+                  <a:pt x="3997208" y="924255"/>
+                  <a:pt x="4016415" y="972273"/>
+                </a:cubicBezTo>
+                <a:cubicBezTo>
+                  <a:pt x="4045473" y="1044918"/>
+                  <a:pt x="4034526" y="1009989"/>
+                  <a:pt x="4051139" y="1076445"/>
+                </a:cubicBezTo>
+                <a:cubicBezTo>
+                  <a:pt x="4043102" y="1229159"/>
+                  <a:pt x="4056422" y="1243154"/>
+                  <a:pt x="4027990" y="1342663"/>
+                </a:cubicBezTo>
+                <a:cubicBezTo>
+                  <a:pt x="4024638" y="1354394"/>
+                  <a:pt x="4022468" y="1366794"/>
+                  <a:pt x="4016415" y="1377387"/>
+                </a:cubicBezTo>
+                <a:cubicBezTo>
+                  <a:pt x="4006844" y="1394136"/>
+                  <a:pt x="3992904" y="1407988"/>
+                  <a:pt x="3981691" y="1423686"/>
+                </a:cubicBezTo>
+                <a:cubicBezTo>
+                  <a:pt x="3969860" y="1440249"/>
+                  <a:pt x="3954751" y="1469944"/>
+                  <a:pt x="3935392" y="1481559"/>
+                </a:cubicBezTo>
+                <a:cubicBezTo>
+                  <a:pt x="3905801" y="1499314"/>
+                  <a:pt x="3873661" y="1512425"/>
+                  <a:pt x="3842795" y="1527858"/>
+                </a:cubicBezTo>
+                <a:cubicBezTo>
+                  <a:pt x="3827362" y="1535574"/>
+                  <a:pt x="3812865" y="1545550"/>
+                  <a:pt x="3796496" y="1551007"/>
+                </a:cubicBezTo>
+                <a:cubicBezTo>
+                  <a:pt x="3784921" y="1554865"/>
+                  <a:pt x="3772685" y="1557126"/>
+                  <a:pt x="3761772" y="1562582"/>
+                </a:cubicBezTo>
+                <a:cubicBezTo>
+                  <a:pt x="3722407" y="1582264"/>
+                  <a:pt x="3698478" y="1605590"/>
+                  <a:pt x="3657600" y="1620455"/>
+                </a:cubicBezTo>
+                <a:cubicBezTo>
+                  <a:pt x="3595335" y="1643097"/>
+                  <a:pt x="3524847" y="1653951"/>
+                  <a:pt x="3460830" y="1666754"/>
+                </a:cubicBezTo>
+                <a:cubicBezTo>
+                  <a:pt x="3441539" y="1670612"/>
+                  <a:pt x="3421621" y="1672108"/>
+                  <a:pt x="3402957" y="1678329"/>
+                </a:cubicBezTo>
+                <a:cubicBezTo>
+                  <a:pt x="3379808" y="1686045"/>
+                  <a:pt x="3357182" y="1695560"/>
+                  <a:pt x="3333509" y="1701478"/>
+                </a:cubicBezTo>
+                <a:cubicBezTo>
+                  <a:pt x="3268124" y="1717825"/>
+                  <a:pt x="3302809" y="1709933"/>
+                  <a:pt x="3229337" y="1724628"/>
+                </a:cubicBezTo>
+                <a:cubicBezTo>
+                  <a:pt x="3213904" y="1732344"/>
+                  <a:pt x="3198897" y="1740980"/>
+                  <a:pt x="3183038" y="1747777"/>
+                </a:cubicBezTo>
+                <a:cubicBezTo>
+                  <a:pt x="3155278" y="1759674"/>
+                  <a:pt x="3131394" y="1762532"/>
+                  <a:pt x="3102015" y="1770926"/>
+                </a:cubicBezTo>
+                <a:cubicBezTo>
+                  <a:pt x="3090284" y="1774278"/>
+                  <a:pt x="3079179" y="1779758"/>
+                  <a:pt x="3067291" y="1782501"/>
+                </a:cubicBezTo>
+                <a:cubicBezTo>
+                  <a:pt x="3028952" y="1791348"/>
+                  <a:pt x="2989716" y="1796107"/>
+                  <a:pt x="2951544" y="1805650"/>
+                </a:cubicBezTo>
+                <a:cubicBezTo>
+                  <a:pt x="2936111" y="1809508"/>
+                  <a:pt x="2921056" y="1815468"/>
+                  <a:pt x="2905246" y="1817225"/>
+                </a:cubicBezTo>
+                <a:cubicBezTo>
+                  <a:pt x="2851424" y="1823205"/>
+                  <a:pt x="2797193" y="1824647"/>
+                  <a:pt x="2743200" y="1828800"/>
+                </a:cubicBezTo>
+                <a:lnTo>
+                  <a:pt x="2604304" y="1840374"/>
+                </a:lnTo>
+                <a:cubicBezTo>
+                  <a:pt x="2538086" y="1851411"/>
+                  <a:pt x="2476032" y="1863524"/>
+                  <a:pt x="2407534" y="1863524"/>
+                </a:cubicBezTo>
+                <a:cubicBezTo>
+                  <a:pt x="2303291" y="1863524"/>
+                  <a:pt x="2199190" y="1855807"/>
+                  <a:pt x="2095018" y="1851949"/>
+                </a:cubicBezTo>
+                <a:cubicBezTo>
+                  <a:pt x="2062020" y="1848282"/>
+                  <a:pt x="1994901" y="1848189"/>
+                  <a:pt x="1956122" y="1828800"/>
+                </a:cubicBezTo>
+                <a:cubicBezTo>
+                  <a:pt x="1943679" y="1822579"/>
+                  <a:pt x="1933475" y="1812552"/>
+                  <a:pt x="1921397" y="1805650"/>
+                </a:cubicBezTo>
+                <a:cubicBezTo>
+                  <a:pt x="1906416" y="1797089"/>
+                  <a:pt x="1890080" y="1791061"/>
+                  <a:pt x="1875099" y="1782501"/>
+                </a:cubicBezTo>
+                <a:cubicBezTo>
+                  <a:pt x="1847821" y="1766913"/>
+                  <a:pt x="1818919" y="1742373"/>
+                  <a:pt x="1794076" y="1724628"/>
+                </a:cubicBezTo>
+                <a:cubicBezTo>
+                  <a:pt x="1782756" y="1716542"/>
+                  <a:pt x="1770602" y="1709660"/>
+                  <a:pt x="1759352" y="1701478"/>
+                </a:cubicBezTo>
+                <a:cubicBezTo>
+                  <a:pt x="1728149" y="1678785"/>
+                  <a:pt x="1689903" y="1662896"/>
+                  <a:pt x="1666754" y="1632030"/>
+                </a:cubicBezTo>
+                <a:cubicBezTo>
+                  <a:pt x="1655179" y="1616597"/>
+                  <a:pt x="1645671" y="1599372"/>
+                  <a:pt x="1632030" y="1585731"/>
+                </a:cubicBezTo>
+                <a:cubicBezTo>
+                  <a:pt x="1545886" y="1499586"/>
+                  <a:pt x="1617141" y="1598120"/>
+                  <a:pt x="1562582" y="1516283"/>
+                </a:cubicBezTo>
+                <a:cubicBezTo>
+                  <a:pt x="1522827" y="1397019"/>
+                  <a:pt x="1536735" y="1447621"/>
+                  <a:pt x="1516284" y="1365812"/>
+                </a:cubicBezTo>
+                <a:cubicBezTo>
+                  <a:pt x="1516645" y="1360761"/>
+                  <a:pt x="1524539" y="1179000"/>
+                  <a:pt x="1539433" y="1134319"/>
+                </a:cubicBezTo>
+                <a:cubicBezTo>
+                  <a:pt x="1547618" y="1109765"/>
+                  <a:pt x="1562582" y="1088020"/>
+                  <a:pt x="1574157" y="1064871"/>
+                </a:cubicBezTo>
+                <a:cubicBezTo>
+                  <a:pt x="1581873" y="1034005"/>
+                  <a:pt x="1586605" y="1002235"/>
+                  <a:pt x="1597306" y="972273"/>
+                </a:cubicBezTo>
+                <a:cubicBezTo>
+                  <a:pt x="1606011" y="947899"/>
+                  <a:pt x="1621184" y="926325"/>
+                  <a:pt x="1632030" y="902825"/>
+                </a:cubicBezTo>
+                <a:cubicBezTo>
+                  <a:pt x="1659184" y="843990"/>
+                  <a:pt x="1669261" y="807585"/>
+                  <a:pt x="1701479" y="752354"/>
+                </a:cubicBezTo>
+                <a:cubicBezTo>
+                  <a:pt x="1715498" y="728322"/>
+                  <a:pt x="1733031" y="706499"/>
+                  <a:pt x="1747777" y="682906"/>
+                </a:cubicBezTo>
+                <a:cubicBezTo>
+                  <a:pt x="1901567" y="436839"/>
+                  <a:pt x="1758322" y="651936"/>
+                  <a:pt x="1851949" y="520860"/>
+                </a:cubicBezTo>
+                <a:cubicBezTo>
+                  <a:pt x="1872924" y="491496"/>
+                  <a:pt x="1884608" y="467574"/>
+                  <a:pt x="1909823" y="439838"/>
+                </a:cubicBezTo>
+                <a:cubicBezTo>
+                  <a:pt x="2006102" y="333932"/>
+                  <a:pt x="1962284" y="383797"/>
+                  <a:pt x="2060294" y="312516"/>
+                </a:cubicBezTo>
+                <a:cubicBezTo>
+                  <a:pt x="2080273" y="297985"/>
+                  <a:pt x="2097325" y="279480"/>
+                  <a:pt x="2118167" y="266217"/>
+                </a:cubicBezTo>
+                <a:cubicBezTo>
+                  <a:pt x="2140002" y="252322"/>
+                  <a:pt x="2163964" y="242005"/>
+                  <a:pt x="2187615" y="231493"/>
+                </a:cubicBezTo>
+                <a:cubicBezTo>
+                  <a:pt x="2222890" y="215815"/>
+                  <a:pt x="2340299" y="164386"/>
+                  <a:pt x="2395960" y="150471"/>
+                </a:cubicBezTo>
+                <a:cubicBezTo>
+                  <a:pt x="2418728" y="144779"/>
+                  <a:pt x="2442212" y="142465"/>
+                  <a:pt x="2465408" y="138896"/>
+                </a:cubicBezTo>
+                <a:cubicBezTo>
+                  <a:pt x="2534647" y="128243"/>
+                  <a:pt x="2567904" y="124637"/>
+                  <a:pt x="2639028" y="115747"/>
+                </a:cubicBezTo>
+                <a:lnTo>
+                  <a:pt x="2974694" y="127321"/>
+                </a:lnTo>
+                <a:cubicBezTo>
+                  <a:pt x="3061120" y="131642"/>
+                  <a:pt x="3103403" y="139094"/>
+                  <a:pt x="3183038" y="150471"/>
+                </a:cubicBezTo>
+                <a:cubicBezTo>
+                  <a:pt x="3206187" y="158187"/>
+                  <a:pt x="3230057" y="164008"/>
+                  <a:pt x="3252486" y="173620"/>
+                </a:cubicBezTo>
+                <a:cubicBezTo>
+                  <a:pt x="3328007" y="205986"/>
+                  <a:pt x="3373511" y="223610"/>
+                  <a:pt x="3449256" y="266217"/>
+                </a:cubicBezTo>
+                <a:cubicBezTo>
+                  <a:pt x="3473505" y="279857"/>
+                  <a:pt x="3495232" y="297579"/>
+                  <a:pt x="3518704" y="312516"/>
+                </a:cubicBezTo>
+                <a:cubicBezTo>
+                  <a:pt x="3537684" y="324594"/>
+                  <a:pt x="3559294" y="332838"/>
+                  <a:pt x="3576577" y="347240"/>
+                </a:cubicBezTo>
+                <a:cubicBezTo>
+                  <a:pt x="3614948" y="379216"/>
+                  <a:pt x="3672627" y="441462"/>
+                  <a:pt x="3703899" y="486136"/>
+                </a:cubicBezTo>
+                <a:cubicBezTo>
+                  <a:pt x="3716800" y="504566"/>
+                  <a:pt x="3726401" y="525122"/>
+                  <a:pt x="3738623" y="544010"/>
+                </a:cubicBezTo>
+                <a:cubicBezTo>
+                  <a:pt x="3768852" y="590727"/>
+                  <a:pt x="3809301" y="631761"/>
+                  <a:pt x="3831220" y="682906"/>
+                </a:cubicBezTo>
+                <a:cubicBezTo>
+                  <a:pt x="3892296" y="825418"/>
+                  <a:pt x="3842750" y="703616"/>
+                  <a:pt x="3889094" y="833377"/>
+                </a:cubicBezTo>
+                <a:cubicBezTo>
+                  <a:pt x="3917017" y="911562"/>
+                  <a:pt x="3928960" y="928968"/>
+                  <a:pt x="3946967" y="1006997"/>
+                </a:cubicBezTo>
+                <a:cubicBezTo>
+                  <a:pt x="3952244" y="1029865"/>
+                  <a:pt x="3954684" y="1053296"/>
+                  <a:pt x="3958542" y="1076445"/>
+                </a:cubicBezTo>
+                <a:cubicBezTo>
+                  <a:pt x="3956935" y="1100548"/>
+                  <a:pt x="3954518" y="1250562"/>
+                  <a:pt x="3935392" y="1307939"/>
+                </a:cubicBezTo>
+                <a:cubicBezTo>
+                  <a:pt x="3935375" y="1307991"/>
+                  <a:pt x="3877529" y="1452597"/>
+                  <a:pt x="3865944" y="1481559"/>
+                </a:cubicBezTo>
+                <a:cubicBezTo>
+                  <a:pt x="3855918" y="1506625"/>
+                  <a:pt x="3835868" y="1561398"/>
+                  <a:pt x="3819646" y="1585731"/>
+                </a:cubicBezTo>
+                <a:cubicBezTo>
+                  <a:pt x="3738370" y="1707645"/>
+                  <a:pt x="3778407" y="1648110"/>
+                  <a:pt x="3692324" y="1724628"/>
+                </a:cubicBezTo>
+                <a:cubicBezTo>
+                  <a:pt x="3577840" y="1826391"/>
+                  <a:pt x="3701375" y="1729736"/>
+                  <a:pt x="3611301" y="1794076"/>
+                </a:cubicBezTo>
+                <a:cubicBezTo>
+                  <a:pt x="3595603" y="1805289"/>
+                  <a:pt x="3582257" y="1820173"/>
+                  <a:pt x="3565003" y="1828800"/>
+                </a:cubicBezTo>
+                <a:cubicBezTo>
+                  <a:pt x="3543177" y="1839713"/>
+                  <a:pt x="3518079" y="1842564"/>
+                  <a:pt x="3495554" y="1851949"/>
+                </a:cubicBezTo>
+                <a:cubicBezTo>
+                  <a:pt x="3471663" y="1861903"/>
+                  <a:pt x="3449997" y="1876719"/>
+                  <a:pt x="3426106" y="1886673"/>
+                </a:cubicBezTo>
+                <a:cubicBezTo>
+                  <a:pt x="3403582" y="1896058"/>
+                  <a:pt x="3379590" y="1901483"/>
+                  <a:pt x="3356658" y="1909822"/>
+                </a:cubicBezTo>
+                <a:cubicBezTo>
+                  <a:pt x="3337132" y="1916923"/>
+                  <a:pt x="3318942" y="1927933"/>
+                  <a:pt x="3298785" y="1932972"/>
+                </a:cubicBezTo>
+                <a:cubicBezTo>
+                  <a:pt x="3272318" y="1939589"/>
+                  <a:pt x="3244770" y="1940689"/>
+                  <a:pt x="3217762" y="1944547"/>
+                </a:cubicBezTo>
+                <a:cubicBezTo>
+                  <a:pt x="3194613" y="1952263"/>
+                  <a:pt x="3171987" y="1961778"/>
+                  <a:pt x="3148314" y="1967696"/>
+                </a:cubicBezTo>
+                <a:cubicBezTo>
+                  <a:pt x="3126890" y="1973052"/>
+                  <a:pt x="3014988" y="1988396"/>
+                  <a:pt x="2997843" y="1990845"/>
+                </a:cubicBezTo>
+                <a:lnTo>
+                  <a:pt x="2442258" y="1979271"/>
+                </a:lnTo>
+                <a:cubicBezTo>
+                  <a:pt x="2414994" y="1978280"/>
+                  <a:pt x="2388200" y="1971845"/>
+                  <a:pt x="2361235" y="1967696"/>
+                </a:cubicBezTo>
+                <a:cubicBezTo>
+                  <a:pt x="2216616" y="1945446"/>
+                  <a:pt x="2374040" y="1966402"/>
+                  <a:pt x="2199190" y="1944547"/>
+                </a:cubicBezTo>
+                <a:cubicBezTo>
+                  <a:pt x="2145175" y="1929114"/>
+                  <a:pt x="2091643" y="1911873"/>
+                  <a:pt x="2037144" y="1898248"/>
+                </a:cubicBezTo>
+                <a:cubicBezTo>
+                  <a:pt x="2006278" y="1890531"/>
+                  <a:pt x="1974730" y="1885159"/>
+                  <a:pt x="1944547" y="1875098"/>
+                </a:cubicBezTo>
+                <a:cubicBezTo>
+                  <a:pt x="1893566" y="1858104"/>
+                  <a:pt x="1840157" y="1844874"/>
+                  <a:pt x="1794076" y="1817225"/>
+                </a:cubicBezTo>
+                <a:cubicBezTo>
+                  <a:pt x="1694016" y="1757189"/>
+                  <a:pt x="1779599" y="1804361"/>
+                  <a:pt x="1678329" y="1759352"/>
+                </a:cubicBezTo>
+                <a:cubicBezTo>
+                  <a:pt x="1638236" y="1741533"/>
+                  <a:pt x="1604981" y="1723530"/>
+                  <a:pt x="1574157" y="1689903"/>
+                </a:cubicBezTo>
+                <a:cubicBezTo>
+                  <a:pt x="1548086" y="1661462"/>
+                  <a:pt x="1504709" y="1597306"/>
+                  <a:pt x="1504709" y="1597306"/>
+                </a:cubicBezTo>
+                <a:lnTo>
+                  <a:pt x="1469985" y="1493134"/>
+                </a:lnTo>
+                <a:lnTo>
+                  <a:pt x="1458410" y="1458410"/>
+                </a:lnTo>
+                <a:cubicBezTo>
+                  <a:pt x="1462268" y="1369671"/>
+                  <a:pt x="1460687" y="1280527"/>
+                  <a:pt x="1469985" y="1192192"/>
+                </a:cubicBezTo>
+                <a:cubicBezTo>
+                  <a:pt x="1490631" y="996059"/>
+                  <a:pt x="1498440" y="1060532"/>
+                  <a:pt x="1551008" y="902825"/>
+                </a:cubicBezTo>
+                <a:cubicBezTo>
+                  <a:pt x="1558724" y="879676"/>
+                  <a:pt x="1563244" y="855202"/>
+                  <a:pt x="1574157" y="833377"/>
+                </a:cubicBezTo>
+                <a:cubicBezTo>
+                  <a:pt x="1594279" y="793133"/>
+                  <a:pt x="1626895" y="759406"/>
+                  <a:pt x="1643605" y="717630"/>
+                </a:cubicBezTo>
+                <a:cubicBezTo>
+                  <a:pt x="1651321" y="698339"/>
+                  <a:pt x="1657462" y="678340"/>
+                  <a:pt x="1666754" y="659757"/>
+                </a:cubicBezTo>
+                <a:cubicBezTo>
+                  <a:pt x="1676815" y="639635"/>
+                  <a:pt x="1692169" y="622364"/>
+                  <a:pt x="1701479" y="601883"/>
+                </a:cubicBezTo>
+                <a:cubicBezTo>
+                  <a:pt x="1711576" y="579669"/>
+                  <a:pt x="1714531" y="554649"/>
+                  <a:pt x="1724628" y="532435"/>
+                </a:cubicBezTo>
+                <a:cubicBezTo>
+                  <a:pt x="1748156" y="480673"/>
+                  <a:pt x="1771551" y="462155"/>
+                  <a:pt x="1805651" y="416688"/>
+                </a:cubicBezTo>
+                <a:cubicBezTo>
+                  <a:pt x="1838064" y="373470"/>
+                  <a:pt x="1822445" y="382613"/>
+                  <a:pt x="1863524" y="335666"/>
+                </a:cubicBezTo>
+                <a:cubicBezTo>
+                  <a:pt x="1877896" y="319241"/>
+                  <a:pt x="1895619" y="305938"/>
+                  <a:pt x="1909823" y="289367"/>
+                </a:cubicBezTo>
+                <a:cubicBezTo>
+                  <a:pt x="1918876" y="278805"/>
+                  <a:pt x="1923730" y="265040"/>
+                  <a:pt x="1932972" y="254643"/>
+                </a:cubicBezTo>
+                <a:cubicBezTo>
+                  <a:pt x="1969261" y="213818"/>
+                  <a:pt x="1993450" y="187013"/>
+                  <a:pt x="2037144" y="162045"/>
+                </a:cubicBezTo>
+                <a:cubicBezTo>
+                  <a:pt x="2052125" y="153484"/>
+                  <a:pt x="2068010" y="146612"/>
+                  <a:pt x="2083443" y="138896"/>
+                </a:cubicBezTo>
+                <a:cubicBezTo>
+                  <a:pt x="2137464" y="84875"/>
+                  <a:pt x="2097123" y="116097"/>
+                  <a:pt x="2176041" y="81022"/>
+                </a:cubicBezTo>
+                <a:cubicBezTo>
+                  <a:pt x="2191808" y="74014"/>
+                  <a:pt x="2207358" y="66433"/>
+                  <a:pt x="2222339" y="57873"/>
+                </a:cubicBezTo>
+                <a:cubicBezTo>
+                  <a:pt x="2234417" y="50971"/>
+                  <a:pt x="2244277" y="40204"/>
+                  <a:pt x="2257063" y="34724"/>
+                </a:cubicBezTo>
+                <a:cubicBezTo>
+                  <a:pt x="2271685" y="28458"/>
+                  <a:pt x="2288066" y="27519"/>
+                  <a:pt x="2303362" y="23149"/>
+                </a:cubicBezTo>
+                <a:cubicBezTo>
+                  <a:pt x="2419559" y="-10051"/>
+                  <a:pt x="2239699" y="36169"/>
+                  <a:pt x="2384385" y="0"/>
+                </a:cubicBezTo>
+                <a:cubicBezTo>
+                  <a:pt x="2457691" y="3858"/>
+                  <a:pt x="2531097" y="6151"/>
+                  <a:pt x="2604304" y="11574"/>
+                </a:cubicBezTo>
+                <a:cubicBezTo>
+                  <a:pt x="2732435" y="21065"/>
+                  <a:pt x="2666264" y="23830"/>
+                  <a:pt x="2801073" y="46298"/>
+                </a:cubicBezTo>
+                <a:cubicBezTo>
+                  <a:pt x="2835536" y="52042"/>
+                  <a:pt x="2870578" y="53539"/>
+                  <a:pt x="2905246" y="57873"/>
+                </a:cubicBezTo>
+                <a:cubicBezTo>
+                  <a:pt x="2964801" y="65318"/>
+                  <a:pt x="2997810" y="71371"/>
+                  <a:pt x="3055716" y="81022"/>
+                </a:cubicBezTo>
+                <a:cubicBezTo>
+                  <a:pt x="3140600" y="123465"/>
+                  <a:pt x="3061164" y="88822"/>
+                  <a:pt x="3159889" y="115747"/>
+                </a:cubicBezTo>
+                <a:cubicBezTo>
+                  <a:pt x="3188675" y="123598"/>
+                  <a:pt x="3258086" y="148454"/>
+                  <a:pt x="3287210" y="162045"/>
+                </a:cubicBezTo>
+                <a:cubicBezTo>
+                  <a:pt x="3326299" y="180287"/>
+                  <a:pt x="3367065" y="195991"/>
+                  <a:pt x="3402957" y="219919"/>
+                </a:cubicBezTo>
+                <a:cubicBezTo>
+                  <a:pt x="3428886" y="237205"/>
+                  <a:pt x="3461008" y="257692"/>
+                  <a:pt x="3483980" y="277792"/>
+                </a:cubicBezTo>
+                <a:cubicBezTo>
+                  <a:pt x="3500405" y="292164"/>
+                  <a:pt x="3513854" y="309719"/>
+                  <a:pt x="3530279" y="324091"/>
+                </a:cubicBezTo>
+                <a:cubicBezTo>
+                  <a:pt x="3544797" y="336794"/>
+                  <a:pt x="3562238" y="345910"/>
+                  <a:pt x="3576577" y="358815"/>
+                </a:cubicBezTo>
+                <a:cubicBezTo>
+                  <a:pt x="3600911" y="380716"/>
+                  <a:pt x="3622876" y="405114"/>
+                  <a:pt x="3646025" y="428263"/>
+                </a:cubicBezTo>
+                <a:lnTo>
+                  <a:pt x="3680749" y="462987"/>
+                </a:lnTo>
+                <a:cubicBezTo>
+                  <a:pt x="3696182" y="478420"/>
+                  <a:pt x="3713953" y="491826"/>
+                  <a:pt x="3727048" y="509286"/>
+                </a:cubicBezTo>
+                <a:cubicBezTo>
+                  <a:pt x="3738623" y="524719"/>
+                  <a:pt x="3749218" y="540937"/>
+                  <a:pt x="3761772" y="555584"/>
+                </a:cubicBezTo>
+                <a:cubicBezTo>
+                  <a:pt x="3772425" y="568013"/>
+                  <a:pt x="3786446" y="577388"/>
+                  <a:pt x="3796496" y="590309"/>
+                </a:cubicBezTo>
+                <a:cubicBezTo>
+                  <a:pt x="3813577" y="612270"/>
+                  <a:pt x="3825415" y="638032"/>
+                  <a:pt x="3842795" y="659757"/>
+                </a:cubicBezTo>
+                <a:cubicBezTo>
+                  <a:pt x="3890519" y="719411"/>
+                  <a:pt x="3887884" y="710821"/>
+                  <a:pt x="3923818" y="775503"/>
+                </a:cubicBezTo>
+                <a:cubicBezTo>
+                  <a:pt x="3932198" y="790586"/>
+                  <a:pt x="3940559" y="805782"/>
+                  <a:pt x="3946967" y="821802"/>
+                </a:cubicBezTo>
+                <a:cubicBezTo>
+                  <a:pt x="3956029" y="844458"/>
+                  <a:pt x="3959203" y="869425"/>
+                  <a:pt x="3970116" y="891250"/>
+                </a:cubicBezTo>
+                <a:lnTo>
+                  <a:pt x="3993266" y="937549"/>
+                </a:lnTo>
+                <a:cubicBezTo>
+                  <a:pt x="4016056" y="1142650"/>
+                  <a:pt x="4009727" y="1039942"/>
+                  <a:pt x="3993266" y="1377387"/>
+                </a:cubicBezTo>
+                <a:cubicBezTo>
+                  <a:pt x="3988949" y="1465875"/>
+                  <a:pt x="3988656" y="1519010"/>
+                  <a:pt x="3958542" y="1597306"/>
+                </a:cubicBezTo>
+                <a:cubicBezTo>
+                  <a:pt x="3949251" y="1621463"/>
+                  <a:pt x="3934664" y="1643254"/>
+                  <a:pt x="3923818" y="1666754"/>
+                </a:cubicBezTo>
+                <a:cubicBezTo>
+                  <a:pt x="3911505" y="1693433"/>
+                  <a:pt x="3904869" y="1722987"/>
+                  <a:pt x="3889094" y="1747777"/>
+                </a:cubicBezTo>
+                <a:cubicBezTo>
+                  <a:pt x="3877376" y="1766190"/>
+                  <a:pt x="3857543" y="1777987"/>
+                  <a:pt x="3842795" y="1794076"/>
+                </a:cubicBezTo>
+                <a:cubicBezTo>
+                  <a:pt x="3815081" y="1824309"/>
+                  <a:pt x="3792005" y="1858959"/>
+                  <a:pt x="3761772" y="1886673"/>
+                </a:cubicBezTo>
+                <a:cubicBezTo>
+                  <a:pt x="3745188" y="1901875"/>
+                  <a:pt x="3724021" y="1911336"/>
+                  <a:pt x="3703899" y="1921397"/>
+                </a:cubicBezTo>
+                <a:cubicBezTo>
+                  <a:pt x="3654490" y="1946102"/>
+                  <a:pt x="3605344" y="1971967"/>
+                  <a:pt x="3553428" y="1990845"/>
+                </a:cubicBezTo>
+                <a:cubicBezTo>
+                  <a:pt x="3473695" y="2019839"/>
+                  <a:pt x="3284880" y="2031297"/>
+                  <a:pt x="3229337" y="2037144"/>
+                </a:cubicBezTo>
+                <a:cubicBezTo>
+                  <a:pt x="3172939" y="2034011"/>
+                  <a:pt x="3030427" y="2033716"/>
+                  <a:pt x="2951544" y="2013995"/>
+                </a:cubicBezTo>
+                <a:cubicBezTo>
+                  <a:pt x="2927871" y="2008077"/>
+                  <a:pt x="2905469" y="1997857"/>
+                  <a:pt x="2882096" y="1990845"/>
+                </a:cubicBezTo>
+                <a:cubicBezTo>
+                  <a:pt x="2828289" y="1974703"/>
+                  <a:pt x="2773344" y="1962312"/>
+                  <a:pt x="2720051" y="1944547"/>
+                </a:cubicBezTo>
+                <a:cubicBezTo>
+                  <a:pt x="2696902" y="1936830"/>
+                  <a:pt x="2673926" y="1928573"/>
+                  <a:pt x="2650603" y="1921397"/>
+                </a:cubicBezTo>
+                <a:cubicBezTo>
+                  <a:pt x="2623757" y="1913137"/>
+                  <a:pt x="2596227" y="1907130"/>
+                  <a:pt x="2569580" y="1898248"/>
+                </a:cubicBezTo>
+                <a:cubicBezTo>
+                  <a:pt x="2492021" y="1872395"/>
+                  <a:pt x="2415374" y="1843876"/>
+                  <a:pt x="2338086" y="1817225"/>
+                </a:cubicBezTo>
+                <a:cubicBezTo>
+                  <a:pt x="2303483" y="1805293"/>
+                  <a:pt x="2268186" y="1795353"/>
+                  <a:pt x="2233914" y="1782501"/>
+                </a:cubicBezTo>
+                <a:cubicBezTo>
+                  <a:pt x="2172182" y="1759352"/>
+                  <a:pt x="2111265" y="1733902"/>
+                  <a:pt x="2048719" y="1713053"/>
+                </a:cubicBezTo>
+                <a:cubicBezTo>
+                  <a:pt x="2025570" y="1705336"/>
+                  <a:pt x="2002046" y="1698663"/>
+                  <a:pt x="1979271" y="1689903"/>
+                </a:cubicBezTo>
+                <a:cubicBezTo>
+                  <a:pt x="1868247" y="1647201"/>
+                  <a:pt x="1932412" y="1663114"/>
+                  <a:pt x="1828800" y="1632030"/>
+                </a:cubicBezTo>
+                <a:cubicBezTo>
+                  <a:pt x="1768211" y="1613853"/>
+                  <a:pt x="1777366" y="1622679"/>
+                  <a:pt x="1701479" y="1608881"/>
+                </a:cubicBezTo>
+                <a:cubicBezTo>
+                  <a:pt x="1685828" y="1606035"/>
+                  <a:pt x="1670831" y="1600152"/>
+                  <a:pt x="1655180" y="1597306"/>
+                </a:cubicBezTo>
+                <a:cubicBezTo>
+                  <a:pt x="1628338" y="1592426"/>
+                  <a:pt x="1601105" y="1589986"/>
+                  <a:pt x="1574157" y="1585731"/>
+                </a:cubicBezTo>
+                <a:cubicBezTo>
+                  <a:pt x="1448824" y="1565942"/>
+                  <a:pt x="1467468" y="1569024"/>
+                  <a:pt x="1377387" y="1551007"/>
+                </a:cubicBezTo>
+                <a:lnTo>
+                  <a:pt x="1215342" y="1574157"/>
+                </a:lnTo>
+                <a:cubicBezTo>
+                  <a:pt x="1195909" y="1577225"/>
+                  <a:pt x="1176312" y="1580078"/>
+                  <a:pt x="1157468" y="1585731"/>
+                </a:cubicBezTo>
+                <a:cubicBezTo>
+                  <a:pt x="1137567" y="1591701"/>
+                  <a:pt x="1119384" y="1602549"/>
+                  <a:pt x="1099595" y="1608881"/>
+                </a:cubicBezTo>
+                <a:cubicBezTo>
+                  <a:pt x="1022866" y="1633435"/>
+                  <a:pt x="945173" y="1654873"/>
+                  <a:pt x="868101" y="1678329"/>
+                </a:cubicBezTo>
+                <a:cubicBezTo>
+                  <a:pt x="856429" y="1681881"/>
+                  <a:pt x="844952" y="1686045"/>
+                  <a:pt x="833377" y="1689903"/>
+                </a:cubicBezTo>
+                <a:cubicBezTo>
+                  <a:pt x="798501" y="1713154"/>
+                  <a:pt x="793477" y="1718578"/>
+                  <a:pt x="752354" y="1736202"/>
+                </a:cubicBezTo>
+                <a:cubicBezTo>
+                  <a:pt x="741140" y="1741008"/>
+                  <a:pt x="728543" y="1742321"/>
+                  <a:pt x="717630" y="1747777"/>
+                </a:cubicBezTo>
+                <a:cubicBezTo>
+                  <a:pt x="705188" y="1753998"/>
+                  <a:pt x="696103" y="1766527"/>
+                  <a:pt x="682906" y="1770926"/>
+                </a:cubicBezTo>
+                <a:cubicBezTo>
+                  <a:pt x="660642" y="1778347"/>
+                  <a:pt x="636607" y="1778643"/>
+                  <a:pt x="613458" y="1782501"/>
+                </a:cubicBezTo>
+                <a:cubicBezTo>
+                  <a:pt x="574876" y="1778643"/>
+                  <a:pt x="535822" y="1778072"/>
+                  <a:pt x="497711" y="1770926"/>
+                </a:cubicBezTo>
+                <a:cubicBezTo>
+                  <a:pt x="435262" y="1759217"/>
+                  <a:pt x="433565" y="1746743"/>
+                  <a:pt x="381965" y="1724628"/>
+                </a:cubicBezTo>
+                <a:cubicBezTo>
+                  <a:pt x="370751" y="1719822"/>
+                  <a:pt x="357906" y="1718978"/>
+                  <a:pt x="347241" y="1713053"/>
+                </a:cubicBezTo>
+                <a:cubicBezTo>
+                  <a:pt x="322920" y="1699541"/>
+                  <a:pt x="297465" y="1686427"/>
+                  <a:pt x="277792" y="1666754"/>
+                </a:cubicBezTo>
+                <a:cubicBezTo>
+                  <a:pt x="252193" y="1641155"/>
+                  <a:pt x="240574" y="1624996"/>
+                  <a:pt x="208344" y="1608881"/>
+                </a:cubicBezTo>
+                <a:cubicBezTo>
+                  <a:pt x="197431" y="1603425"/>
+                  <a:pt x="185195" y="1601164"/>
+                  <a:pt x="173620" y="1597306"/>
+                </a:cubicBezTo>
+                <a:cubicBezTo>
+                  <a:pt x="141101" y="1600262"/>
+                  <a:pt x="56107" y="1598189"/>
+                  <a:pt x="11575" y="1620455"/>
+                </a:cubicBezTo>
+                <a:cubicBezTo>
+                  <a:pt x="6695" y="1622895"/>
+                  <a:pt x="3858" y="1628172"/>
+                  <a:pt x="0" y="1632030"/>
+                </a:cubicBezTo>
+              </a:path>
+            </a:pathLst>
+          </a:custGeom>
+          <a:noFill/>
+          <a:ln>
+            <a:solidFill>
+              <a:schemeClr val="accent6"/>
+            </a:solidFill>
+          </a:ln>
+        </p:spPr>
+        <p:style>
+          <a:lnRef idx="2">
+            <a:schemeClr val="accent1">
+              <a:shade val="15000"/>
+            </a:schemeClr>
+          </a:lnRef>
+          <a:fillRef idx="1">
+            <a:schemeClr val="accent1"/>
+          </a:fillRef>
+          <a:effectRef idx="0">
+            <a:schemeClr val="accent1"/>
+          </a:effectRef>
+          <a:fontRef idx="minor">
+            <a:schemeClr val="lt1"/>
+          </a:fontRef>
+        </p:style>
+        <p:txBody>
+          <a:bodyPr rtlCol="0" anchor="ctr"/>
+          <a:lstStyle/>
+          <a:p>
+            <a:pPr marL="0" algn="ctr" defTabSz="914400" rtl="1" eaLnBrk="1" latinLnBrk="0" hangingPunct="1"/>
+            <a:endParaRPr lang="en-IL"/>
+          </a:p>
+        </p:txBody>
+      </p:sp>
     </p:spTree>
     <p:extLst>
       <p:ext uri="{BB962C8B-B14F-4D97-AF65-F5344CB8AC3E}">
@@ -11399,6 +13579,141 @@
                       </p:childTnLst>
                     </p:cTn>
                   </p:par>
+                  <p:par>
+                    <p:cTn id="7" fill="hold">
+                      <p:stCondLst>
+                        <p:cond delay="indefinite"/>
+                      </p:stCondLst>
+                      <p:childTnLst>
+                        <p:par>
+                          <p:cTn id="8" fill="hold">
+                            <p:stCondLst>
+                              <p:cond delay="0"/>
+                            </p:stCondLst>
+                            <p:childTnLst>
+                              <p:par>
+                                <p:cTn id="9" presetID="1" presetClass="entr" presetSubtype="0" fill="hold" nodeType="clickEffect">
+                                  <p:stCondLst>
+                                    <p:cond delay="0"/>
+                                  </p:stCondLst>
+                                  <p:childTnLst>
+                                    <p:set>
+                                      <p:cBhvr>
+                                        <p:cTn id="10" dur="1" fill="hold">
+                                          <p:stCondLst>
+                                            <p:cond delay="0"/>
+                                          </p:stCondLst>
+                                        </p:cTn>
+                                        <p:tgtEl>
+                                          <p:spTgt spid="15"/>
+                                        </p:tgtEl>
+                                        <p:attrNameLst>
+                                          <p:attrName>style.visibility</p:attrName>
+                                        </p:attrNameLst>
+                                      </p:cBhvr>
+                                      <p:to>
+                                        <p:strVal val="visible"/>
+                                      </p:to>
+                                    </p:set>
+                                  </p:childTnLst>
+                                </p:cTn>
+                              </p:par>
+                            </p:childTnLst>
+                          </p:cTn>
+                        </p:par>
+                      </p:childTnLst>
+                    </p:cTn>
+                  </p:par>
+                  <p:par>
+                    <p:cTn id="11" fill="hold">
+                      <p:stCondLst>
+                        <p:cond delay="indefinite"/>
+                      </p:stCondLst>
+                      <p:childTnLst>
+                        <p:par>
+                          <p:cTn id="12" fill="hold">
+                            <p:stCondLst>
+                              <p:cond delay="0"/>
+                            </p:stCondLst>
+                            <p:childTnLst>
+                              <p:par>
+                                <p:cTn id="13" presetID="1" presetClass="entr" presetSubtype="0" fill="hold" nodeType="clickEffect">
+                                  <p:stCondLst>
+                                    <p:cond delay="0"/>
+                                  </p:stCondLst>
+                                  <p:childTnLst>
+                                    <p:set>
+                                      <p:cBhvr>
+                                        <p:cTn id="14" dur="1" fill="hold">
+                                          <p:stCondLst>
+                                            <p:cond delay="0"/>
+                                          </p:stCondLst>
+                                        </p:cTn>
+                                        <p:tgtEl>
+                                          <p:spTgt spid="14"/>
+                                        </p:tgtEl>
+                                        <p:attrNameLst>
+                                          <p:attrName>style.visibility</p:attrName>
+                                        </p:attrNameLst>
+                                      </p:cBhvr>
+                                      <p:to>
+                                        <p:strVal val="visible"/>
+                                      </p:to>
+                                    </p:set>
+                                  </p:childTnLst>
+                                </p:cTn>
+                              </p:par>
+                            </p:childTnLst>
+                          </p:cTn>
+                        </p:par>
+                      </p:childTnLst>
+                    </p:cTn>
+                  </p:par>
+                  <p:par>
+                    <p:cTn id="15" fill="hold">
+                      <p:stCondLst>
+                        <p:cond delay="indefinite"/>
+                      </p:stCondLst>
+                      <p:childTnLst>
+                        <p:par>
+                          <p:cTn id="16" fill="hold">
+                            <p:stCondLst>
+                              <p:cond delay="0"/>
+                            </p:stCondLst>
+                            <p:childTnLst>
+                              <p:par>
+                                <p:cTn id="17" presetID="1" presetClass="entr" presetSubtype="0" fill="hold" grpId="0" nodeType="clickEffect">
+                                  <p:stCondLst>
+                                    <p:cond delay="0"/>
+                                  </p:stCondLst>
+                                  <p:childTnLst>
+                                    <p:set>
+                                      <p:cBhvr>
+                                        <p:cTn id="18" dur="1" fill="hold">
+                                          <p:stCondLst>
+                                            <p:cond delay="0"/>
+                                          </p:stCondLst>
+                                        </p:cTn>
+                                        <p:tgtEl>
+                                          <p:spTgt spid="16"/>
+                                        </p:tgtEl>
+                                        <p:attrNameLst>
+                                          <p:attrName>style.visibility</p:attrName>
+                                        </p:attrNameLst>
+                                      </p:cBhvr>
+                                      <p:to>
+                                        <p:strVal val="visible"/>
+                                      </p:to>
+                                    </p:set>
+                                  </p:childTnLst>
+                                </p:cTn>
+                              </p:par>
+                            </p:childTnLst>
+                          </p:cTn>
+                        </p:par>
+                      </p:childTnLst>
+                    </p:cTn>
+                  </p:par>
                 </p:childTnLst>
               </p:cTn>
               <p:prevCondLst>
@@ -11420,6 +13735,9 @@
         </p:cTn>
       </p:par>
     </p:tnLst>
+    <p:bldLst>
+      <p:bldP spid="16" grpId="0" animBg="1"/>
+    </p:bldLst>
   </p:timing>
 </p:sld>
 </file>

--- a/tree shaking lecture 062024.pptx
+++ b/tree shaking lecture 062024.pptx
@@ -3893,8 +3893,8 @@
         </p:nvSpPr>
         <p:spPr>
           <a:xfrm>
-            <a:off x="7538304" y="843883"/>
-            <a:ext cx="6183847" cy="977191"/>
+            <a:off x="6754582" y="802033"/>
+            <a:ext cx="6183847" cy="1246495"/>
           </a:xfrm>
           <a:prstGeom prst="rect">
             <a:avLst/>
@@ -3913,14 +3913,14 @@
               </a:lnSpc>
             </a:pPr>
             <a:r>
-              <a:rPr lang="en-US" sz="2000" dirty="0" err="1">
+              <a:rPr lang="en-US" sz="2800" b="1" dirty="0" err="1">
                 <a:latin typeface="Courier New" panose="02070309020205020404" pitchFamily="49" charset="0"/>
                 <a:cs typeface="Courier New" panose="02070309020205020404" pitchFamily="49" charset="0"/>
               </a:rPr>
               <a:t>Ecma</a:t>
             </a:r>
             <a:r>
-              <a:rPr lang="en-US" sz="2000" dirty="0">
+              <a:rPr lang="en-US" sz="2800" b="1" dirty="0">
                 <a:latin typeface="Courier New" panose="02070309020205020404" pitchFamily="49" charset="0"/>
                 <a:cs typeface="Courier New" panose="02070309020205020404" pitchFamily="49" charset="0"/>
               </a:rPr>
@@ -3934,13 +3934,13 @@
               </a:lnSpc>
             </a:pPr>
             <a:r>
-              <a:rPr lang="en-US" sz="2000" dirty="0">
+              <a:rPr lang="en-US" sz="2400" dirty="0">
                 <a:latin typeface="Courier New" panose="02070309020205020404" pitchFamily="49" charset="0"/>
                 <a:cs typeface="Courier New" panose="02070309020205020404" pitchFamily="49" charset="0"/>
               </a:rPr>
               <a:t>import foo from ”Foo”;</a:t>
             </a:r>
-            <a:endParaRPr lang="he-IL" sz="2000" dirty="0">
+            <a:endParaRPr lang="he-IL" sz="2400" dirty="0">
               <a:latin typeface="Courier New" panose="02070309020205020404" pitchFamily="49" charset="0"/>
               <a:cs typeface="Courier New" panose="02070309020205020404" pitchFamily="49" charset="0"/>
             </a:endParaRPr>
@@ -4472,8 +4472,8 @@
         </p:nvSpPr>
         <p:spPr>
           <a:xfrm>
-            <a:off x="1108171" y="822760"/>
-            <a:ext cx="6183847" cy="977191"/>
+            <a:off x="846527" y="775169"/>
+            <a:ext cx="6183847" cy="1246495"/>
           </a:xfrm>
           <a:prstGeom prst="rect">
             <a:avLst/>
@@ -4492,7 +4492,7 @@
               </a:lnSpc>
             </a:pPr>
             <a:r>
-              <a:rPr lang="en-US" sz="2000" dirty="0">
+              <a:rPr lang="en-US" sz="2800" b="1" dirty="0">
                 <a:latin typeface="Courier New" panose="02070309020205020404" pitchFamily="49" charset="0"/>
                 <a:cs typeface="Courier New" panose="02070309020205020404" pitchFamily="49" charset="0"/>
               </a:rPr>
@@ -4506,13 +4506,13 @@
               </a:lnSpc>
             </a:pPr>
             <a:r>
-              <a:rPr lang="en-US" sz="2000" dirty="0">
+              <a:rPr lang="en-US" sz="2400" dirty="0">
                 <a:latin typeface="Courier New" panose="02070309020205020404" pitchFamily="49" charset="0"/>
                 <a:cs typeface="Courier New" panose="02070309020205020404" pitchFamily="49" charset="0"/>
               </a:rPr>
               <a:t>const foo = require(‘foo’);</a:t>
             </a:r>
-            <a:endParaRPr lang="he-IL" sz="2000" dirty="0">
+            <a:endParaRPr lang="he-IL" sz="2400" dirty="0">
               <a:latin typeface="Courier New" panose="02070309020205020404" pitchFamily="49" charset="0"/>
               <a:cs typeface="Courier New" panose="02070309020205020404" pitchFamily="49" charset="0"/>
             </a:endParaRPr>
@@ -5296,35 +5296,26 @@
                                   </p:childTnLst>
                                 </p:cTn>
                               </p:par>
+                            </p:childTnLst>
+                          </p:cTn>
+                        </p:par>
+                      </p:childTnLst>
+                    </p:cTn>
+                  </p:par>
+                  <p:par>
+                    <p:cTn id="61" fill="hold">
+                      <p:stCondLst>
+                        <p:cond delay="indefinite"/>
+                      </p:stCondLst>
+                      <p:childTnLst>
+                        <p:par>
+                          <p:cTn id="62" fill="hold">
+                            <p:stCondLst>
+                              <p:cond delay="0"/>
+                            </p:stCondLst>
+                            <p:childTnLst>
                               <p:par>
-                                <p:cTn id="61" presetID="1" presetClass="entr" presetSubtype="0" fill="hold" nodeType="withEffect">
-                                  <p:stCondLst>
-                                    <p:cond delay="0"/>
-                                  </p:stCondLst>
-                                  <p:childTnLst>
-                                    <p:set>
-                                      <p:cBhvr>
-                                        <p:cTn id="62" dur="1" fill="hold">
-                                          <p:stCondLst>
-                                            <p:cond delay="0"/>
-                                          </p:stCondLst>
-                                        </p:cTn>
-                                        <p:tgtEl>
-                                          <p:spTgt spid="19"/>
-                                        </p:tgtEl>
-                                        <p:attrNameLst>
-                                          <p:attrName>style.visibility</p:attrName>
-                                        </p:attrNameLst>
-                                      </p:cBhvr>
-                                      <p:to>
-                                        <p:strVal val="visible"/>
-                                      </p:to>
-                                    </p:set>
-                                  </p:childTnLst>
-                                </p:cTn>
-                              </p:par>
-                              <p:par>
-                                <p:cTn id="63" presetID="1" presetClass="entr" presetSubtype="0" fill="hold" nodeType="withEffect">
+                                <p:cTn id="63" presetID="1" presetClass="entr" presetSubtype="0" fill="hold" nodeType="clickEffect">
                                   <p:stCondLst>
                                     <p:cond delay="0"/>
                                   </p:stCondLst>
@@ -5337,7 +5328,7 @@
                                           </p:stCondLst>
                                         </p:cTn>
                                         <p:tgtEl>
-                                          <p:spTgt spid="21"/>
+                                          <p:spTgt spid="19"/>
                                         </p:tgtEl>
                                         <p:attrNameLst>
                                           <p:attrName>style.visibility</p:attrName>
@@ -5359,6 +5350,33 @@
                                     <p:set>
                                       <p:cBhvr>
                                         <p:cTn id="66" dur="1" fill="hold">
+                                          <p:stCondLst>
+                                            <p:cond delay="0"/>
+                                          </p:stCondLst>
+                                        </p:cTn>
+                                        <p:tgtEl>
+                                          <p:spTgt spid="21"/>
+                                        </p:tgtEl>
+                                        <p:attrNameLst>
+                                          <p:attrName>style.visibility</p:attrName>
+                                        </p:attrNameLst>
+                                      </p:cBhvr>
+                                      <p:to>
+                                        <p:strVal val="visible"/>
+                                      </p:to>
+                                    </p:set>
+                                  </p:childTnLst>
+                                </p:cTn>
+                              </p:par>
+                              <p:par>
+                                <p:cTn id="67" presetID="1" presetClass="entr" presetSubtype="0" fill="hold" nodeType="withEffect">
+                                  <p:stCondLst>
+                                    <p:cond delay="0"/>
+                                  </p:stCondLst>
+                                  <p:childTnLst>
+                                    <p:set>
+                                      <p:cBhvr>
+                                        <p:cTn id="68" dur="1" fill="hold">
                                           <p:stCondLst>
                                             <p:cond delay="0"/>
                                           </p:stCondLst>
@@ -7515,12 +7533,27 @@
               </a:rPr>
               <a:t>esm</a:t>
             </a:r>
-            <a:br>
-              <a:rPr lang="en-US" sz="2800" dirty="0">
-                <a:latin typeface="Courier New" panose="02070309020205020404" pitchFamily="49" charset="0"/>
-                <a:cs typeface="Courier New" panose="02070309020205020404" pitchFamily="49" charset="0"/>
-              </a:rPr>
-            </a:br>
+            <a:endParaRPr lang="en-US" sz="2800" dirty="0">
+              <a:latin typeface="Courier New" panose="02070309020205020404" pitchFamily="49" charset="0"/>
+              <a:cs typeface="Courier New" panose="02070309020205020404" pitchFamily="49" charset="0"/>
+            </a:endParaRPr>
+          </a:p>
+          <a:p>
+            <a:pPr marL="457200" lvl="0" indent="-457200" rtl="0">
+              <a:lnSpc>
+                <a:spcPct val="150000"/>
+              </a:lnSpc>
+              <a:spcBef>
+                <a:spcPts val="0"/>
+              </a:spcBef>
+              <a:spcAft>
+                <a:spcPts val="0"/>
+              </a:spcAft>
+              <a:buClrTx/>
+              <a:buSzPct val="100000"/>
+              <a:buFont typeface="Wingdings" pitchFamily="2" charset="2"/>
+              <a:buChar char="q"/>
+            </a:pPr>
             <a:r>
               <a:rPr lang="en-US" sz="2800" dirty="0">
                 <a:latin typeface="Courier New" panose="02070309020205020404" pitchFamily="49" charset="0"/>
@@ -7667,7 +7700,256 @@
                                           </p:stCondLst>
                                         </p:cTn>
                                         <p:tgtEl>
-                                          <p:spTgt spid="3"/>
+                                          <p:spTgt spid="3">
+                                            <p:txEl>
+                                              <p:pRg st="0" end="0"/>
+                                            </p:txEl>
+                                          </p:spTgt>
+                                        </p:tgtEl>
+                                        <p:attrNameLst>
+                                          <p:attrName>style.visibility</p:attrName>
+                                        </p:attrNameLst>
+                                      </p:cBhvr>
+                                      <p:to>
+                                        <p:strVal val="visible"/>
+                                      </p:to>
+                                    </p:set>
+                                  </p:childTnLst>
+                                </p:cTn>
+                              </p:par>
+                            </p:childTnLst>
+                          </p:cTn>
+                        </p:par>
+                      </p:childTnLst>
+                    </p:cTn>
+                  </p:par>
+                  <p:par>
+                    <p:cTn id="7" fill="hold">
+                      <p:stCondLst>
+                        <p:cond delay="indefinite"/>
+                      </p:stCondLst>
+                      <p:childTnLst>
+                        <p:par>
+                          <p:cTn id="8" fill="hold">
+                            <p:stCondLst>
+                              <p:cond delay="0"/>
+                            </p:stCondLst>
+                            <p:childTnLst>
+                              <p:par>
+                                <p:cTn id="9" presetID="1" presetClass="entr" presetSubtype="0" fill="hold" grpId="0" nodeType="clickEffect">
+                                  <p:stCondLst>
+                                    <p:cond delay="0"/>
+                                  </p:stCondLst>
+                                  <p:childTnLst>
+                                    <p:set>
+                                      <p:cBhvr>
+                                        <p:cTn id="10" dur="1" fill="hold">
+                                          <p:stCondLst>
+                                            <p:cond delay="0"/>
+                                          </p:stCondLst>
+                                        </p:cTn>
+                                        <p:tgtEl>
+                                          <p:spTgt spid="3">
+                                            <p:txEl>
+                                              <p:pRg st="1" end="1"/>
+                                            </p:txEl>
+                                          </p:spTgt>
+                                        </p:tgtEl>
+                                        <p:attrNameLst>
+                                          <p:attrName>style.visibility</p:attrName>
+                                        </p:attrNameLst>
+                                      </p:cBhvr>
+                                      <p:to>
+                                        <p:strVal val="visible"/>
+                                      </p:to>
+                                    </p:set>
+                                  </p:childTnLst>
+                                </p:cTn>
+                              </p:par>
+                            </p:childTnLst>
+                          </p:cTn>
+                        </p:par>
+                      </p:childTnLst>
+                    </p:cTn>
+                  </p:par>
+                  <p:par>
+                    <p:cTn id="11" fill="hold">
+                      <p:stCondLst>
+                        <p:cond delay="indefinite"/>
+                      </p:stCondLst>
+                      <p:childTnLst>
+                        <p:par>
+                          <p:cTn id="12" fill="hold">
+                            <p:stCondLst>
+                              <p:cond delay="0"/>
+                            </p:stCondLst>
+                            <p:childTnLst>
+                              <p:par>
+                                <p:cTn id="13" presetID="1" presetClass="entr" presetSubtype="0" fill="hold" grpId="0" nodeType="clickEffect">
+                                  <p:stCondLst>
+                                    <p:cond delay="0"/>
+                                  </p:stCondLst>
+                                  <p:childTnLst>
+                                    <p:set>
+                                      <p:cBhvr>
+                                        <p:cTn id="14" dur="1" fill="hold">
+                                          <p:stCondLst>
+                                            <p:cond delay="0"/>
+                                          </p:stCondLst>
+                                        </p:cTn>
+                                        <p:tgtEl>
+                                          <p:spTgt spid="3">
+                                            <p:txEl>
+                                              <p:pRg st="2" end="2"/>
+                                            </p:txEl>
+                                          </p:spTgt>
+                                        </p:tgtEl>
+                                        <p:attrNameLst>
+                                          <p:attrName>style.visibility</p:attrName>
+                                        </p:attrNameLst>
+                                      </p:cBhvr>
+                                      <p:to>
+                                        <p:strVal val="visible"/>
+                                      </p:to>
+                                    </p:set>
+                                  </p:childTnLst>
+                                </p:cTn>
+                              </p:par>
+                            </p:childTnLst>
+                          </p:cTn>
+                        </p:par>
+                      </p:childTnLst>
+                    </p:cTn>
+                  </p:par>
+                  <p:par>
+                    <p:cTn id="15" fill="hold">
+                      <p:stCondLst>
+                        <p:cond delay="indefinite"/>
+                      </p:stCondLst>
+                      <p:childTnLst>
+                        <p:par>
+                          <p:cTn id="16" fill="hold">
+                            <p:stCondLst>
+                              <p:cond delay="0"/>
+                            </p:stCondLst>
+                            <p:childTnLst>
+                              <p:par>
+                                <p:cTn id="17" presetID="1" presetClass="entr" presetSubtype="0" fill="hold" grpId="0" nodeType="clickEffect">
+                                  <p:stCondLst>
+                                    <p:cond delay="0"/>
+                                  </p:stCondLst>
+                                  <p:childTnLst>
+                                    <p:set>
+                                      <p:cBhvr>
+                                        <p:cTn id="18" dur="1" fill="hold">
+                                          <p:stCondLst>
+                                            <p:cond delay="0"/>
+                                          </p:stCondLst>
+                                        </p:cTn>
+                                        <p:tgtEl>
+                                          <p:spTgt spid="3">
+                                            <p:txEl>
+                                              <p:pRg st="3" end="3"/>
+                                            </p:txEl>
+                                          </p:spTgt>
+                                        </p:tgtEl>
+                                        <p:attrNameLst>
+                                          <p:attrName>style.visibility</p:attrName>
+                                        </p:attrNameLst>
+                                      </p:cBhvr>
+                                      <p:to>
+                                        <p:strVal val="visible"/>
+                                      </p:to>
+                                    </p:set>
+                                  </p:childTnLst>
+                                </p:cTn>
+                              </p:par>
+                            </p:childTnLst>
+                          </p:cTn>
+                        </p:par>
+                      </p:childTnLst>
+                    </p:cTn>
+                  </p:par>
+                  <p:par>
+                    <p:cTn id="19" fill="hold">
+                      <p:stCondLst>
+                        <p:cond delay="indefinite"/>
+                      </p:stCondLst>
+                      <p:childTnLst>
+                        <p:par>
+                          <p:cTn id="20" fill="hold">
+                            <p:stCondLst>
+                              <p:cond delay="0"/>
+                            </p:stCondLst>
+                            <p:childTnLst>
+                              <p:par>
+                                <p:cTn id="21" presetID="1" presetClass="entr" presetSubtype="0" fill="hold" grpId="0" nodeType="clickEffect">
+                                  <p:stCondLst>
+                                    <p:cond delay="0"/>
+                                  </p:stCondLst>
+                                  <p:childTnLst>
+                                    <p:set>
+                                      <p:cBhvr>
+                                        <p:cTn id="22" dur="1" fill="hold">
+                                          <p:stCondLst>
+                                            <p:cond delay="0"/>
+                                          </p:stCondLst>
+                                        </p:cTn>
+                                        <p:tgtEl>
+                                          <p:spTgt spid="3">
+                                            <p:txEl>
+                                              <p:pRg st="4" end="4"/>
+                                            </p:txEl>
+                                          </p:spTgt>
+                                        </p:tgtEl>
+                                        <p:attrNameLst>
+                                          <p:attrName>style.visibility</p:attrName>
+                                        </p:attrNameLst>
+                                      </p:cBhvr>
+                                      <p:to>
+                                        <p:strVal val="visible"/>
+                                      </p:to>
+                                    </p:set>
+                                  </p:childTnLst>
+                                </p:cTn>
+                              </p:par>
+                            </p:childTnLst>
+                          </p:cTn>
+                        </p:par>
+                      </p:childTnLst>
+                    </p:cTn>
+                  </p:par>
+                  <p:par>
+                    <p:cTn id="23" fill="hold">
+                      <p:stCondLst>
+                        <p:cond delay="indefinite"/>
+                      </p:stCondLst>
+                      <p:childTnLst>
+                        <p:par>
+                          <p:cTn id="24" fill="hold">
+                            <p:stCondLst>
+                              <p:cond delay="0"/>
+                            </p:stCondLst>
+                            <p:childTnLst>
+                              <p:par>
+                                <p:cTn id="25" presetID="1" presetClass="entr" presetSubtype="0" fill="hold" grpId="0" nodeType="clickEffect">
+                                  <p:stCondLst>
+                                    <p:cond delay="0"/>
+                                  </p:stCondLst>
+                                  <p:childTnLst>
+                                    <p:set>
+                                      <p:cBhvr>
+                                        <p:cTn id="26" dur="1" fill="hold">
+                                          <p:stCondLst>
+                                            <p:cond delay="0"/>
+                                          </p:stCondLst>
+                                        </p:cTn>
+                                        <p:tgtEl>
+                                          <p:spTgt spid="3">
+                                            <p:txEl>
+                                              <p:pRg st="5" end="5"/>
+                                            </p:txEl>
+                                          </p:spTgt>
                                         </p:tgtEl>
                                         <p:attrNameLst>
                                           <p:attrName>style.visibility</p:attrName>
@@ -7708,7 +7990,7 @@
       </p:par>
     </p:tnLst>
     <p:bldLst>
-      <p:bldP spid="3" grpId="0"/>
+      <p:bldP spid="3" grpId="0" build="p"/>
     </p:bldLst>
   </p:timing>
 </p:sld>
@@ -8695,6 +8977,51 @@
           </a:p>
         </p:txBody>
       </p:sp>
+      <p:pic>
+        <p:nvPicPr>
+          <p:cNvPr id="4" name="Picture 2" descr="Ikea Large Shopping Bag (Blue) image-1">
+            <a:extLst>
+              <a:ext uri="{FF2B5EF4-FFF2-40B4-BE49-F238E27FC236}">
+                <a16:creationId xmlns:a16="http://schemas.microsoft.com/office/drawing/2014/main" id="{7740827D-EFEE-4527-8EA6-46D0D712C5E4}"/>
+              </a:ext>
+            </a:extLst>
+          </p:cNvPr>
+          <p:cNvPicPr>
+            <a:picLocks noChangeAspect="1" noChangeArrowheads="1"/>
+          </p:cNvPicPr>
+          <p:nvPr/>
+        </p:nvPicPr>
+        <p:blipFill rotWithShape="1">
+          <a:blip r:embed="rId10">
+            <a:extLst>
+              <a:ext uri="{28A0092B-C50C-407E-A947-70E740481C1C}">
+                <a14:useLocalDpi xmlns:a14="http://schemas.microsoft.com/office/drawing/2010/main" val="0"/>
+              </a:ext>
+            </a:extLst>
+          </a:blip>
+          <a:srcRect l="9593" t="21889" r="8768" b="20573"/>
+          <a:stretch/>
+        </p:blipFill>
+        <p:spPr bwMode="auto">
+          <a:xfrm rot="202349">
+            <a:off x="2110793" y="1458862"/>
+            <a:ext cx="3095085" cy="2181387"/>
+          </a:xfrm>
+          <a:prstGeom prst="rect">
+            <a:avLst/>
+          </a:prstGeom>
+          <a:noFill/>
+          <a:extLst>
+            <a:ext uri="{909E8E84-426E-40DD-AFC4-6F175D3DCCD1}">
+              <a14:hiddenFill xmlns:a14="http://schemas.microsoft.com/office/drawing/2010/main">
+                <a:solidFill>
+                  <a:srgbClr val="FFFFFF"/>
+                </a:solidFill>
+              </a14:hiddenFill>
+            </a:ext>
+          </a:extLst>
+        </p:spPr>
+      </p:pic>
     </p:spTree>
     <p:extLst>
       <p:ext uri="{BB962C8B-B14F-4D97-AF65-F5344CB8AC3E}">
@@ -8705,6 +9032,84 @@
   <p:clrMapOvr>
     <a:masterClrMapping/>
   </p:clrMapOvr>
+  <p:timing>
+    <p:tnLst>
+      <p:par>
+        <p:cTn id="1" dur="indefinite" restart="never" nodeType="tmRoot">
+          <p:childTnLst>
+            <p:seq concurrent="1" nextAc="seek">
+              <p:cTn id="2" dur="indefinite" nodeType="mainSeq">
+                <p:childTnLst>
+                  <p:par>
+                    <p:cTn id="3" fill="hold">
+                      <p:stCondLst>
+                        <p:cond delay="indefinite"/>
+                        <p:cond evt="onBegin" delay="0">
+                          <p:tn val="2"/>
+                        </p:cond>
+                      </p:stCondLst>
+                      <p:childTnLst>
+                        <p:par>
+                          <p:cTn id="4" fill="hold">
+                            <p:stCondLst>
+                              <p:cond delay="0"/>
+                            </p:stCondLst>
+                            <p:childTnLst>
+                              <p:par>
+                                <p:cTn id="5" presetID="1" presetClass="entr" presetSubtype="0" fill="hold" nodeType="withEffect">
+                                  <p:stCondLst>
+                                    <p:cond delay="0"/>
+                                  </p:stCondLst>
+                                  <p:childTnLst>
+                                    <p:set>
+                                      <p:cBhvr>
+                                        <p:cTn id="6" dur="1" fill="hold">
+                                          <p:stCondLst>
+                                            <p:cond delay="0"/>
+                                          </p:stCondLst>
+                                        </p:cTn>
+                                        <p:tgtEl>
+                                          <p:spTgt spid="4"/>
+                                        </p:tgtEl>
+                                        <p:attrNameLst>
+                                          <p:attrName>style.visibility</p:attrName>
+                                        </p:attrNameLst>
+                                      </p:cBhvr>
+                                      <p:to>
+                                        <p:strVal val="visible"/>
+                                      </p:to>
+                                    </p:set>
+                                  </p:childTnLst>
+                                </p:cTn>
+                              </p:par>
+                            </p:childTnLst>
+                          </p:cTn>
+                        </p:par>
+                      </p:childTnLst>
+                    </p:cTn>
+                  </p:par>
+                </p:childTnLst>
+              </p:cTn>
+              <p:prevCondLst>
+                <p:cond evt="onPrev" delay="0">
+                  <p:tgtEl>
+                    <p:sldTgt/>
+                  </p:tgtEl>
+                </p:cond>
+              </p:prevCondLst>
+              <p:nextCondLst>
+                <p:cond evt="onNext" delay="0">
+                  <p:tgtEl>
+                    <p:sldTgt/>
+                  </p:tgtEl>
+                </p:cond>
+              </p:nextCondLst>
+            </p:seq>
+          </p:childTnLst>
+        </p:cTn>
+      </p:par>
+    </p:tnLst>
+  </p:timing>
 </p:sld>
 </file>
 
@@ -10742,14 +11147,14 @@
                 <a:latin typeface="Courier New" panose="02070309020205020404" pitchFamily="49" charset="0"/>
                 <a:cs typeface="Courier New" panose="02070309020205020404" pitchFamily="49" charset="0"/>
               </a:rPr>
-              <a:t>Optimize a component library</a:t>
+              <a:t>Optimize a component library </a:t>
             </a:r>
             <a:r>
               <a:rPr lang="he-IL" sz="3200" dirty="0">
                 <a:latin typeface="Courier New" panose="02070309020205020404" pitchFamily="49" charset="0"/>
                 <a:cs typeface="Courier New" panose="02070309020205020404" pitchFamily="49" charset="0"/>
               </a:rPr>
-              <a:t>  )</a:t>
+              <a:t>)</a:t>
             </a:r>
             <a:r>
               <a:rPr lang="en-US" sz="3200" dirty="0">
